--- a/Week_1_variables_operators_and_algorithms/Seminar_algorithms/seminar1_algorithms.pptx
+++ b/Week_1_variables_operators_and_algorithms/Seminar_algorithms/seminar1_algorithms.pptx
@@ -141,6 +141,11 @@
       </a:defRPr>
     </a:lvl9pPr>
   </p:defaultTextStyle>
+  <p:extLst>
+    <p:ext uri="{EFAFB233-063F-42B5-8137-9DF3F51BA10A}">
+      <p15:sldGuideLst xmlns:p15="http://schemas.microsoft.com/office/powerpoint/2012/main"/>
+    </p:ext>
+  </p:extLst>
 </p:presentation>
 </file>
 
@@ -150,6 +155,35 @@
     <p1510:client id="{7F7E35A6-1589-9547-9539-0C50FDBE5FEE}" v="1" dt="2025-08-04T13:21:49.044"/>
   </p1510:revLst>
 </p1510:revInfo>
+</file>
+
+<file path=ppt/changesInfos/changesInfo1.xml><?xml version="1.0" encoding="utf-8"?>
+<pc:chgInfo xmlns:a="http://schemas.openxmlformats.org/drawingml/2006/main" xmlns:r="http://schemas.openxmlformats.org/officeDocument/2006/relationships" xmlns:ac="http://schemas.microsoft.com/office/drawing/2013/main/command" xmlns:pc="http://schemas.microsoft.com/office/powerpoint/2013/main/command">
+  <pc:docChgLst>
+    <pc:chgData name="Martin Garrad" userId="29fa8137-b5d4-4adf-94e3-55aca812c4da" providerId="ADAL" clId="{7F7E35A6-1589-9547-9539-0C50FDBE5FEE}"/>
+    <pc:docChg chg="modSld">
+      <pc:chgData name="Martin Garrad" userId="29fa8137-b5d4-4adf-94e3-55aca812c4da" providerId="ADAL" clId="{7F7E35A6-1589-9547-9539-0C50FDBE5FEE}" dt="2025-08-11T13:05:20.700" v="15" actId="20577"/>
+      <pc:docMkLst>
+        <pc:docMk/>
+      </pc:docMkLst>
+      <pc:sldChg chg="modSp mod">
+        <pc:chgData name="Martin Garrad" userId="29fa8137-b5d4-4adf-94e3-55aca812c4da" providerId="ADAL" clId="{7F7E35A6-1589-9547-9539-0C50FDBE5FEE}" dt="2025-08-11T13:05:20.700" v="15" actId="20577"/>
+        <pc:sldMkLst>
+          <pc:docMk/>
+          <pc:sldMk cId="4188381686" sldId="287"/>
+        </pc:sldMkLst>
+        <pc:spChg chg="mod">
+          <ac:chgData name="Martin Garrad" userId="29fa8137-b5d4-4adf-94e3-55aca812c4da" providerId="ADAL" clId="{7F7E35A6-1589-9547-9539-0C50FDBE5FEE}" dt="2025-08-11T13:05:20.700" v="15" actId="20577"/>
+          <ac:spMkLst>
+            <pc:docMk/>
+            <pc:sldMk cId="4188381686" sldId="287"/>
+            <ac:spMk id="9" creationId="{2F472E59-78FD-12DB-1DD0-DB00990D9B88}"/>
+          </ac:spMkLst>
+        </pc:spChg>
+      </pc:sldChg>
+    </pc:docChg>
+  </pc:docChgLst>
+</pc:chgInfo>
 </file>
 
 <file path=ppt/notesMasters/notesMaster1.xml><?xml version="1.0" encoding="utf-8"?>
@@ -234,7 +268,7 @@
           <a:p>
             <a:fld id="{822FFC1C-5262-4543-9BBE-0C5AA43086FB}" type="datetimeFigureOut">
               <a:rPr lang="en-US" smtClean="0"/>
-              <a:t>8/4/25</a:t>
+              <a:t>8/11/25</a:t>
             </a:fld>
             <a:endParaRPr lang="en-US"/>
           </a:p>
@@ -916,7 +950,7 @@
           <a:p>
             <a:fld id="{12CB69F8-D140-384A-AC86-0BBD87A381F0}" type="datetimeFigureOut">
               <a:rPr lang="en-US" smtClean="0"/>
-              <a:t>8/4/25</a:t>
+              <a:t>8/11/25</a:t>
             </a:fld>
             <a:endParaRPr lang="en-US"/>
           </a:p>
@@ -1116,7 +1150,7 @@
           <a:p>
             <a:fld id="{12CB69F8-D140-384A-AC86-0BBD87A381F0}" type="datetimeFigureOut">
               <a:rPr lang="en-US" smtClean="0"/>
-              <a:t>8/4/25</a:t>
+              <a:t>8/11/25</a:t>
             </a:fld>
             <a:endParaRPr lang="en-US"/>
           </a:p>
@@ -1326,7 +1360,7 @@
           <a:p>
             <a:fld id="{12CB69F8-D140-384A-AC86-0BBD87A381F0}" type="datetimeFigureOut">
               <a:rPr lang="en-US" smtClean="0"/>
-              <a:t>8/4/25</a:t>
+              <a:t>8/11/25</a:t>
             </a:fld>
             <a:endParaRPr lang="en-US"/>
           </a:p>
@@ -1526,7 +1560,7 @@
           <a:p>
             <a:fld id="{12CB69F8-D140-384A-AC86-0BBD87A381F0}" type="datetimeFigureOut">
               <a:rPr lang="en-US" smtClean="0"/>
-              <a:t>8/4/25</a:t>
+              <a:t>8/11/25</a:t>
             </a:fld>
             <a:endParaRPr lang="en-US"/>
           </a:p>
@@ -1802,7 +1836,7 @@
           <a:p>
             <a:fld id="{12CB69F8-D140-384A-AC86-0BBD87A381F0}" type="datetimeFigureOut">
               <a:rPr lang="en-US" smtClean="0"/>
-              <a:t>8/4/25</a:t>
+              <a:t>8/11/25</a:t>
             </a:fld>
             <a:endParaRPr lang="en-US"/>
           </a:p>
@@ -2070,7 +2104,7 @@
           <a:p>
             <a:fld id="{12CB69F8-D140-384A-AC86-0BBD87A381F0}" type="datetimeFigureOut">
               <a:rPr lang="en-US" smtClean="0"/>
-              <a:t>8/4/25</a:t>
+              <a:t>8/11/25</a:t>
             </a:fld>
             <a:endParaRPr lang="en-US"/>
           </a:p>
@@ -2485,7 +2519,7 @@
           <a:p>
             <a:fld id="{12CB69F8-D140-384A-AC86-0BBD87A381F0}" type="datetimeFigureOut">
               <a:rPr lang="en-US" smtClean="0"/>
-              <a:t>8/4/25</a:t>
+              <a:t>8/11/25</a:t>
             </a:fld>
             <a:endParaRPr lang="en-US"/>
           </a:p>
@@ -2627,7 +2661,7 @@
           <a:p>
             <a:fld id="{12CB69F8-D140-384A-AC86-0BBD87A381F0}" type="datetimeFigureOut">
               <a:rPr lang="en-US" smtClean="0"/>
-              <a:t>8/4/25</a:t>
+              <a:t>8/11/25</a:t>
             </a:fld>
             <a:endParaRPr lang="en-US"/>
           </a:p>
@@ -2740,7 +2774,7 @@
           <a:p>
             <a:fld id="{12CB69F8-D140-384A-AC86-0BBD87A381F0}" type="datetimeFigureOut">
               <a:rPr lang="en-US" smtClean="0"/>
-              <a:t>8/4/25</a:t>
+              <a:t>8/11/25</a:t>
             </a:fld>
             <a:endParaRPr lang="en-US"/>
           </a:p>
@@ -3053,7 +3087,7 @@
           <a:p>
             <a:fld id="{12CB69F8-D140-384A-AC86-0BBD87A381F0}" type="datetimeFigureOut">
               <a:rPr lang="en-US" smtClean="0"/>
-              <a:t>8/4/25</a:t>
+              <a:t>8/11/25</a:t>
             </a:fld>
             <a:endParaRPr lang="en-US"/>
           </a:p>
@@ -3342,7 +3376,7 @@
           <a:p>
             <a:fld id="{12CB69F8-D140-384A-AC86-0BBD87A381F0}" type="datetimeFigureOut">
               <a:rPr lang="en-US" smtClean="0"/>
-              <a:t>8/4/25</a:t>
+              <a:t>8/11/25</a:t>
             </a:fld>
             <a:endParaRPr lang="en-US"/>
           </a:p>
@@ -3585,7 +3619,7 @@
           <a:p>
             <a:fld id="{12CB69F8-D140-384A-AC86-0BBD87A381F0}" type="datetimeFigureOut">
               <a:rPr lang="en-US" smtClean="0"/>
-              <a:t>8/4/25</a:t>
+              <a:t>8/11/25</a:t>
             </a:fld>
             <a:endParaRPr lang="en-US"/>
           </a:p>
@@ -12841,7 +12875,7 @@
             </a:pPr>
             <a:r>
               <a:rPr lang="en-US" sz="2800" dirty="0"/>
-              <a:t>Write some computer code that has encodes this set of sequences in a format the CPU can understand.</a:t>
+              <a:t>Write some computer code that encodes this set of instructions in a format the CPU can understand.</a:t>
             </a:r>
           </a:p>
         </p:txBody>

--- a/Week_1_variables_operators_and_algorithms/Seminar_algorithms/seminar1_algorithms.pptx
+++ b/Week_1_variables_operators_and_algorithms/Seminar_algorithms/seminar1_algorithms.pptx
@@ -162,7 +162,7 @@
   <pc:docChgLst>
     <pc:chgData name="Martin Garrad" userId="29fa8137-b5d4-4adf-94e3-55aca812c4da" providerId="ADAL" clId="{7F7E35A6-1589-9547-9539-0C50FDBE5FEE}"/>
     <pc:docChg chg="modSld">
-      <pc:chgData name="Martin Garrad" userId="29fa8137-b5d4-4adf-94e3-55aca812c4da" providerId="ADAL" clId="{7F7E35A6-1589-9547-9539-0C50FDBE5FEE}" dt="2025-08-11T13:05:20.700" v="15" actId="20577"/>
+      <pc:chgData name="Martin Garrad" userId="29fa8137-b5d4-4adf-94e3-55aca812c4da" providerId="ADAL" clId="{7F7E35A6-1589-9547-9539-0C50FDBE5FEE}" dt="2025-08-12T15:39:38.327" v="19" actId="20577"/>
       <pc:docMkLst>
         <pc:docMk/>
       </pc:docMkLst>
@@ -178,6 +178,21 @@
             <pc:docMk/>
             <pc:sldMk cId="4188381686" sldId="287"/>
             <ac:spMk id="9" creationId="{2F472E59-78FD-12DB-1DD0-DB00990D9B88}"/>
+          </ac:spMkLst>
+        </pc:spChg>
+      </pc:sldChg>
+      <pc:sldChg chg="modSp mod">
+        <pc:chgData name="Martin Garrad" userId="29fa8137-b5d4-4adf-94e3-55aca812c4da" providerId="ADAL" clId="{7F7E35A6-1589-9547-9539-0C50FDBE5FEE}" dt="2025-08-12T15:39:38.327" v="19" actId="20577"/>
+        <pc:sldMkLst>
+          <pc:docMk/>
+          <pc:sldMk cId="3809527063" sldId="297"/>
+        </pc:sldMkLst>
+        <pc:spChg chg="mod">
+          <ac:chgData name="Martin Garrad" userId="29fa8137-b5d4-4adf-94e3-55aca812c4da" providerId="ADAL" clId="{7F7E35A6-1589-9547-9539-0C50FDBE5FEE}" dt="2025-08-12T15:39:38.327" v="19" actId="20577"/>
+          <ac:spMkLst>
+            <pc:docMk/>
+            <pc:sldMk cId="3809527063" sldId="297"/>
+            <ac:spMk id="7" creationId="{85C88F60-A86C-E5E3-1EB7-EF66F9C8C3DD}"/>
           </ac:spMkLst>
         </pc:spChg>
       </pc:sldChg>
@@ -792,6 +807,90 @@
     <p:extLst>
       <p:ext uri="{BB962C8B-B14F-4D97-AF65-F5344CB8AC3E}">
         <p14:creationId xmlns:p14="http://schemas.microsoft.com/office/powerpoint/2010/main" val="52403515"/>
+      </p:ext>
+    </p:extLst>
+  </p:cSld>
+  <p:clrMapOvr>
+    <a:masterClrMapping/>
+  </p:clrMapOvr>
+</p:notes>
+</file>
+
+<file path=ppt/notesSlides/notesSlide4.xml><?xml version="1.0" encoding="utf-8"?>
+<p:notes xmlns:a="http://schemas.openxmlformats.org/drawingml/2006/main" xmlns:r="http://schemas.openxmlformats.org/officeDocument/2006/relationships" xmlns:p="http://schemas.openxmlformats.org/presentationml/2006/main">
+  <p:cSld>
+    <p:spTree>
+      <p:nvGrpSpPr>
+        <p:cNvPr id="1" name=""/>
+        <p:cNvGrpSpPr/>
+        <p:nvPr/>
+      </p:nvGrpSpPr>
+      <p:grpSpPr>
+        <a:xfrm>
+          <a:off x="0" y="0"/>
+          <a:ext cx="0" cy="0"/>
+          <a:chOff x="0" y="0"/>
+          <a:chExt cx="0" cy="0"/>
+        </a:xfrm>
+      </p:grpSpPr>
+      <p:sp>
+        <p:nvSpPr>
+          <p:cNvPr id="2" name="Slide Image Placeholder 1"/>
+          <p:cNvSpPr>
+            <a:spLocks noGrp="1" noRot="1" noChangeAspect="1"/>
+          </p:cNvSpPr>
+          <p:nvPr>
+            <p:ph type="sldImg"/>
+          </p:nvPr>
+        </p:nvSpPr>
+        <p:spPr/>
+      </p:sp>
+      <p:sp>
+        <p:nvSpPr>
+          <p:cNvPr id="3" name="Notes Placeholder 2"/>
+          <p:cNvSpPr>
+            <a:spLocks noGrp="1"/>
+          </p:cNvSpPr>
+          <p:nvPr>
+            <p:ph type="body" idx="1"/>
+          </p:nvPr>
+        </p:nvSpPr>
+        <p:spPr/>
+        <p:txBody>
+          <a:bodyPr/>
+          <a:lstStyle/>
+          <a:p>
+            <a:endParaRPr lang="en-US" dirty="0"/>
+          </a:p>
+        </p:txBody>
+      </p:sp>
+      <p:sp>
+        <p:nvSpPr>
+          <p:cNvPr id="4" name="Slide Number Placeholder 3"/>
+          <p:cNvSpPr>
+            <a:spLocks noGrp="1"/>
+          </p:cNvSpPr>
+          <p:nvPr>
+            <p:ph type="sldNum" sz="quarter" idx="5"/>
+          </p:nvPr>
+        </p:nvSpPr>
+        <p:spPr/>
+        <p:txBody>
+          <a:bodyPr/>
+          <a:lstStyle/>
+          <a:p>
+            <a:fld id="{CB69EED5-87EA-774C-9B10-AE639F696C4C}" type="slidenum">
+              <a:rPr lang="en-US" smtClean="0"/>
+              <a:t>35</a:t>
+            </a:fld>
+            <a:endParaRPr lang="en-US"/>
+          </a:p>
+        </p:txBody>
+      </p:sp>
+    </p:spTree>
+    <p:extLst>
+      <p:ext uri="{BB962C8B-B14F-4D97-AF65-F5344CB8AC3E}">
+        <p14:creationId xmlns:p14="http://schemas.microsoft.com/office/powerpoint/2010/main" val="523352997"/>
       </p:ext>
     </p:extLst>
   </p:cSld>
@@ -13934,7 +14033,7 @@
           <p:nvPr/>
         </p:nvPicPr>
         <p:blipFill>
-          <a:blip r:embed="rId2"/>
+          <a:blip r:embed="rId3"/>
           <a:stretch>
             <a:fillRect/>
           </a:stretch>
@@ -13964,7 +14063,7 @@
           <p:nvPr/>
         </p:nvPicPr>
         <p:blipFill>
-          <a:blip r:embed="rId3"/>
+          <a:blip r:embed="rId4"/>
           <a:stretch>
             <a:fillRect/>
           </a:stretch>
@@ -13994,7 +14093,7 @@
           <p:nvPr/>
         </p:nvPicPr>
         <p:blipFill>
-          <a:blip r:embed="rId4"/>
+          <a:blip r:embed="rId5"/>
           <a:stretch>
             <a:fillRect/>
           </a:stretch>
@@ -14055,11 +14154,19 @@
             </a:r>
             <a:r>
               <a:rPr lang="en-US" sz="2800" dirty="0"/>
-              <a:t> what is and isn’t valid Python syntax. A second main job is to understand the </a:t>
+              <a:t> what is and isn’t valid Python </a:t>
             </a:r>
             <a:r>
               <a:rPr lang="en-US" sz="2800" i="1" dirty="0"/>
-              <a:t>semantics </a:t>
+              <a:t>syntax</a:t>
+            </a:r>
+            <a:r>
+              <a:rPr lang="en-US" sz="2800" dirty="0"/>
+              <a:t>. A second main job is to understand the </a:t>
+            </a:r>
+            <a:r>
+              <a:rPr lang="en-US" sz="2800" i="1" dirty="0"/>
+              <a:t>semantics of </a:t>
             </a:r>
             <a:r>
               <a:rPr lang="en-US" sz="2800" dirty="0"/>

--- a/Week_1_variables_operators_and_algorithms/Seminar_algorithms/seminar1_algorithms.pptx
+++ b/Week_1_variables_operators_and_algorithms/Seminar_algorithms/seminar1_algorithms.pptx
@@ -5,7 +5,7 @@
     <p:sldMasterId id="2147483648" r:id="rId1"/>
   </p:sldMasterIdLst>
   <p:notesMasterIdLst>
-    <p:notesMasterId r:id="rId37"/>
+    <p:notesMasterId r:id="rId42"/>
   </p:notesMasterIdLst>
   <p:sldIdLst>
     <p:sldId id="256" r:id="rId2"/>
@@ -16,33 +16,38 @@
     <p:sldId id="262" r:id="rId7"/>
     <p:sldId id="263" r:id="rId8"/>
     <p:sldId id="267" r:id="rId9"/>
-    <p:sldId id="264" r:id="rId10"/>
-    <p:sldId id="266" r:id="rId11"/>
-    <p:sldId id="265" r:id="rId12"/>
-    <p:sldId id="268" r:id="rId13"/>
-    <p:sldId id="269" r:id="rId14"/>
-    <p:sldId id="270" r:id="rId15"/>
-    <p:sldId id="272" r:id="rId16"/>
-    <p:sldId id="274" r:id="rId17"/>
-    <p:sldId id="275" r:id="rId18"/>
-    <p:sldId id="281" r:id="rId19"/>
-    <p:sldId id="271" r:id="rId20"/>
-    <p:sldId id="277" r:id="rId21"/>
-    <p:sldId id="278" r:id="rId22"/>
-    <p:sldId id="276" r:id="rId23"/>
-    <p:sldId id="280" r:id="rId24"/>
-    <p:sldId id="282" r:id="rId25"/>
-    <p:sldId id="283" r:id="rId26"/>
-    <p:sldId id="284" r:id="rId27"/>
-    <p:sldId id="285" r:id="rId28"/>
-    <p:sldId id="286" r:id="rId29"/>
-    <p:sldId id="287" r:id="rId30"/>
-    <p:sldId id="292" r:id="rId31"/>
-    <p:sldId id="293" r:id="rId32"/>
-    <p:sldId id="295" r:id="rId33"/>
-    <p:sldId id="294" r:id="rId34"/>
-    <p:sldId id="296" r:id="rId35"/>
-    <p:sldId id="297" r:id="rId36"/>
+    <p:sldId id="299" r:id="rId10"/>
+    <p:sldId id="298" r:id="rId11"/>
+    <p:sldId id="300" r:id="rId12"/>
+    <p:sldId id="301" r:id="rId13"/>
+    <p:sldId id="265" r:id="rId14"/>
+    <p:sldId id="268" r:id="rId15"/>
+    <p:sldId id="269" r:id="rId16"/>
+    <p:sldId id="270" r:id="rId17"/>
+    <p:sldId id="272" r:id="rId18"/>
+    <p:sldId id="274" r:id="rId19"/>
+    <p:sldId id="275" r:id="rId20"/>
+    <p:sldId id="281" r:id="rId21"/>
+    <p:sldId id="271" r:id="rId22"/>
+    <p:sldId id="303" r:id="rId23"/>
+    <p:sldId id="304" r:id="rId24"/>
+    <p:sldId id="277" r:id="rId25"/>
+    <p:sldId id="278" r:id="rId26"/>
+    <p:sldId id="276" r:id="rId27"/>
+    <p:sldId id="280" r:id="rId28"/>
+    <p:sldId id="282" r:id="rId29"/>
+    <p:sldId id="283" r:id="rId30"/>
+    <p:sldId id="284" r:id="rId31"/>
+    <p:sldId id="285" r:id="rId32"/>
+    <p:sldId id="286" r:id="rId33"/>
+    <p:sldId id="287" r:id="rId34"/>
+    <p:sldId id="292" r:id="rId35"/>
+    <p:sldId id="293" r:id="rId36"/>
+    <p:sldId id="295" r:id="rId37"/>
+    <p:sldId id="294" r:id="rId38"/>
+    <p:sldId id="296" r:id="rId39"/>
+    <p:sldId id="297" r:id="rId40"/>
+    <p:sldId id="302" r:id="rId41"/>
   </p:sldIdLst>
   <p:sldSz cx="12192000" cy="6858000"/>
   <p:notesSz cx="6858000" cy="9144000"/>
@@ -152,7 +157,7 @@
 <file path=ppt/revisionInfo.xml><?xml version="1.0" encoding="utf-8"?>
 <p1510:revInfo xmlns:a="http://schemas.openxmlformats.org/drawingml/2006/main" xmlns:r="http://schemas.openxmlformats.org/officeDocument/2006/relationships" xmlns:p1510="http://schemas.microsoft.com/office/powerpoint/2015/10/main">
   <p1510:revLst>
-    <p1510:client id="{7F7E35A6-1589-9547-9539-0C50FDBE5FEE}" v="1" dt="2025-08-04T13:21:49.044"/>
+    <p1510:client id="{4998859B-0823-174A-87D2-6A898A8C2869}" v="59" dt="2025-09-24T12:28:11.634"/>
   </p1510:revLst>
 </p1510:revInfo>
 </file>
@@ -172,14 +177,6 @@
           <pc:docMk/>
           <pc:sldMk cId="4188381686" sldId="287"/>
         </pc:sldMkLst>
-        <pc:spChg chg="mod">
-          <ac:chgData name="Martin Garrad" userId="29fa8137-b5d4-4adf-94e3-55aca812c4da" providerId="ADAL" clId="{7F7E35A6-1589-9547-9539-0C50FDBE5FEE}" dt="2025-08-11T13:05:20.700" v="15" actId="20577"/>
-          <ac:spMkLst>
-            <pc:docMk/>
-            <pc:sldMk cId="4188381686" sldId="287"/>
-            <ac:spMk id="9" creationId="{2F472E59-78FD-12DB-1DD0-DB00990D9B88}"/>
-          </ac:spMkLst>
-        </pc:spChg>
       </pc:sldChg>
       <pc:sldChg chg="modSp mod">
         <pc:chgData name="Martin Garrad" userId="29fa8137-b5d4-4adf-94e3-55aca812c4da" providerId="ADAL" clId="{7F7E35A6-1589-9547-9539-0C50FDBE5FEE}" dt="2025-08-12T15:39:38.327" v="19" actId="20577"/>
@@ -187,14 +184,1053 @@
           <pc:docMk/>
           <pc:sldMk cId="3809527063" sldId="297"/>
         </pc:sldMkLst>
+      </pc:sldChg>
+    </pc:docChg>
+  </pc:docChgLst>
+  <pc:docChgLst>
+    <pc:chgData name="Martin Garrad" userId="29fa8137-b5d4-4adf-94e3-55aca812c4da" providerId="ADAL" clId="{FE7E3326-2F4E-5A39-AD8A-48BAAAFC5A20}"/>
+    <pc:docChg chg="undo custSel addSld delSld modSld">
+      <pc:chgData name="Martin Garrad" userId="29fa8137-b5d4-4adf-94e3-55aca812c4da" providerId="ADAL" clId="{FE7E3326-2F4E-5A39-AD8A-48BAAAFC5A20}" dt="2025-09-24T12:35:47.826" v="1423" actId="20577"/>
+      <pc:docMkLst>
+        <pc:docMk/>
+      </pc:docMkLst>
+      <pc:sldChg chg="modSp mod modNotesTx">
+        <pc:chgData name="Martin Garrad" userId="29fa8137-b5d4-4adf-94e3-55aca812c4da" providerId="ADAL" clId="{FE7E3326-2F4E-5A39-AD8A-48BAAAFC5A20}" dt="2025-09-24T12:20:13.695" v="1185" actId="20577"/>
+        <pc:sldMkLst>
+          <pc:docMk/>
+          <pc:sldMk cId="2343005188" sldId="257"/>
+        </pc:sldMkLst>
         <pc:spChg chg="mod">
-          <ac:chgData name="Martin Garrad" userId="29fa8137-b5d4-4adf-94e3-55aca812c4da" providerId="ADAL" clId="{7F7E35A6-1589-9547-9539-0C50FDBE5FEE}" dt="2025-08-12T15:39:38.327" v="19" actId="20577"/>
+          <ac:chgData name="Martin Garrad" userId="29fa8137-b5d4-4adf-94e3-55aca812c4da" providerId="ADAL" clId="{FE7E3326-2F4E-5A39-AD8A-48BAAAFC5A20}" dt="2025-09-24T12:20:05.345" v="1175" actId="14100"/>
+          <ac:spMkLst>
+            <pc:docMk/>
+            <pc:sldMk cId="2343005188" sldId="257"/>
+            <ac:spMk id="3" creationId="{3C3BB22B-D79B-E146-DB08-CE5D6A63AE5D}"/>
+          </ac:spMkLst>
+        </pc:spChg>
+      </pc:sldChg>
+      <pc:sldChg chg="modSp mod">
+        <pc:chgData name="Martin Garrad" userId="29fa8137-b5d4-4adf-94e3-55aca812c4da" providerId="ADAL" clId="{FE7E3326-2F4E-5A39-AD8A-48BAAAFC5A20}" dt="2025-09-24T11:05:50.115" v="19" actId="1076"/>
+        <pc:sldMkLst>
+          <pc:docMk/>
+          <pc:sldMk cId="1672918485" sldId="261"/>
+        </pc:sldMkLst>
+        <pc:spChg chg="mod">
+          <ac:chgData name="Martin Garrad" userId="29fa8137-b5d4-4adf-94e3-55aca812c4da" providerId="ADAL" clId="{FE7E3326-2F4E-5A39-AD8A-48BAAAFC5A20}" dt="2025-09-24T11:05:17.666" v="9" actId="20577"/>
+          <ac:spMkLst>
+            <pc:docMk/>
+            <pc:sldMk cId="1672918485" sldId="261"/>
+            <ac:spMk id="3" creationId="{273284C4-8633-A94B-7B32-754C491ED548}"/>
+          </ac:spMkLst>
+        </pc:spChg>
+        <pc:grpChg chg="mod">
+          <ac:chgData name="Martin Garrad" userId="29fa8137-b5d4-4adf-94e3-55aca812c4da" providerId="ADAL" clId="{FE7E3326-2F4E-5A39-AD8A-48BAAAFC5A20}" dt="2025-09-24T11:05:50.115" v="19" actId="1076"/>
+          <ac:grpSpMkLst>
+            <pc:docMk/>
+            <pc:sldMk cId="1672918485" sldId="261"/>
+            <ac:grpSpMk id="9" creationId="{375A48C2-D42F-E9CE-73C8-A1E6336B9AE7}"/>
+          </ac:grpSpMkLst>
+        </pc:grpChg>
+        <pc:picChg chg="mod">
+          <ac:chgData name="Martin Garrad" userId="29fa8137-b5d4-4adf-94e3-55aca812c4da" providerId="ADAL" clId="{FE7E3326-2F4E-5A39-AD8A-48BAAAFC5A20}" dt="2025-09-24T11:05:50.115" v="19" actId="1076"/>
+          <ac:picMkLst>
+            <pc:docMk/>
+            <pc:sldMk cId="1672918485" sldId="261"/>
+            <ac:picMk id="6" creationId="{84E45741-F93F-1F93-736A-5A2FD4BECB5C}"/>
+          </ac:picMkLst>
+        </pc:picChg>
+        <pc:picChg chg="mod">
+          <ac:chgData name="Martin Garrad" userId="29fa8137-b5d4-4adf-94e3-55aca812c4da" providerId="ADAL" clId="{FE7E3326-2F4E-5A39-AD8A-48BAAAFC5A20}" dt="2025-09-24T11:05:50.115" v="19" actId="1076"/>
+          <ac:picMkLst>
+            <pc:docMk/>
+            <pc:sldMk cId="1672918485" sldId="261"/>
+            <ac:picMk id="8" creationId="{5B8A5E4C-7BED-718B-82AF-349E584E493D}"/>
+          </ac:picMkLst>
+        </pc:picChg>
+        <pc:picChg chg="mod">
+          <ac:chgData name="Martin Garrad" userId="29fa8137-b5d4-4adf-94e3-55aca812c4da" providerId="ADAL" clId="{FE7E3326-2F4E-5A39-AD8A-48BAAAFC5A20}" dt="2025-09-24T11:05:50.115" v="19" actId="1076"/>
+          <ac:picMkLst>
+            <pc:docMk/>
+            <pc:sldMk cId="1672918485" sldId="261"/>
+            <ac:picMk id="1026" creationId="{9637D37C-FAD2-5BD8-5ADB-A50D6FCE9CCB}"/>
+          </ac:picMkLst>
+        </pc:picChg>
+      </pc:sldChg>
+      <pc:sldChg chg="addSp delSp modSp add del mod">
+        <pc:chgData name="Martin Garrad" userId="29fa8137-b5d4-4adf-94e3-55aca812c4da" providerId="ADAL" clId="{FE7E3326-2F4E-5A39-AD8A-48BAAAFC5A20}" dt="2025-09-24T12:00:40.409" v="904" actId="6549"/>
+        <pc:sldMkLst>
+          <pc:docMk/>
+          <pc:sldMk cId="2580241657" sldId="262"/>
+        </pc:sldMkLst>
+        <pc:spChg chg="mod">
+          <ac:chgData name="Martin Garrad" userId="29fa8137-b5d4-4adf-94e3-55aca812c4da" providerId="ADAL" clId="{FE7E3326-2F4E-5A39-AD8A-48BAAAFC5A20}" dt="2025-09-24T12:00:40.409" v="904" actId="6549"/>
+          <ac:spMkLst>
+            <pc:docMk/>
+            <pc:sldMk cId="2580241657" sldId="262"/>
+            <ac:spMk id="3" creationId="{41BDC60F-2315-E18A-9F12-91AC58DF9BBB}"/>
+          </ac:spMkLst>
+        </pc:spChg>
+        <pc:grpChg chg="add mod">
+          <ac:chgData name="Martin Garrad" userId="29fa8137-b5d4-4adf-94e3-55aca812c4da" providerId="ADAL" clId="{FE7E3326-2F4E-5A39-AD8A-48BAAAFC5A20}" dt="2025-09-24T11:06:11.751" v="21"/>
+          <ac:grpSpMkLst>
+            <pc:docMk/>
+            <pc:sldMk cId="2580241657" sldId="262"/>
+            <ac:grpSpMk id="4" creationId="{BD73E7A1-0A80-4927-8E6A-C0E6021DE2AC}"/>
+          </ac:grpSpMkLst>
+        </pc:grpChg>
+        <pc:grpChg chg="del mod">
+          <ac:chgData name="Martin Garrad" userId="29fa8137-b5d4-4adf-94e3-55aca812c4da" providerId="ADAL" clId="{FE7E3326-2F4E-5A39-AD8A-48BAAAFC5A20}" dt="2025-09-24T11:06:04.924" v="20" actId="478"/>
+          <ac:grpSpMkLst>
+            <pc:docMk/>
+            <pc:sldMk cId="2580241657" sldId="262"/>
+            <ac:grpSpMk id="9" creationId="{34FF7881-03B7-7742-EED1-DE67B87F92B2}"/>
+          </ac:grpSpMkLst>
+        </pc:grpChg>
+        <pc:picChg chg="mod">
+          <ac:chgData name="Martin Garrad" userId="29fa8137-b5d4-4adf-94e3-55aca812c4da" providerId="ADAL" clId="{FE7E3326-2F4E-5A39-AD8A-48BAAAFC5A20}" dt="2025-09-24T11:06:11.751" v="21"/>
+          <ac:picMkLst>
+            <pc:docMk/>
+            <pc:sldMk cId="2580241657" sldId="262"/>
+            <ac:picMk id="5" creationId="{C8AEC52C-4ED3-767E-ECF2-71977915496E}"/>
+          </ac:picMkLst>
+        </pc:picChg>
+        <pc:picChg chg="mod">
+          <ac:chgData name="Martin Garrad" userId="29fa8137-b5d4-4adf-94e3-55aca812c4da" providerId="ADAL" clId="{FE7E3326-2F4E-5A39-AD8A-48BAAAFC5A20}" dt="2025-09-24T11:05:43.684" v="18" actId="1076"/>
+          <ac:picMkLst>
+            <pc:docMk/>
+            <pc:sldMk cId="2580241657" sldId="262"/>
+            <ac:picMk id="6" creationId="{993FEF4B-B144-AE43-C03C-07D6DCE5F129}"/>
+          </ac:picMkLst>
+        </pc:picChg>
+        <pc:picChg chg="mod">
+          <ac:chgData name="Martin Garrad" userId="29fa8137-b5d4-4adf-94e3-55aca812c4da" providerId="ADAL" clId="{FE7E3326-2F4E-5A39-AD8A-48BAAAFC5A20}" dt="2025-09-24T11:06:11.751" v="21"/>
+          <ac:picMkLst>
+            <pc:docMk/>
+            <pc:sldMk cId="2580241657" sldId="262"/>
+            <ac:picMk id="7" creationId="{0AF41498-AD21-95B9-5549-B723C81FAE73}"/>
+          </ac:picMkLst>
+        </pc:picChg>
+        <pc:picChg chg="mod">
+          <ac:chgData name="Martin Garrad" userId="29fa8137-b5d4-4adf-94e3-55aca812c4da" providerId="ADAL" clId="{FE7E3326-2F4E-5A39-AD8A-48BAAAFC5A20}" dt="2025-09-24T11:05:43.684" v="18" actId="1076"/>
+          <ac:picMkLst>
+            <pc:docMk/>
+            <pc:sldMk cId="2580241657" sldId="262"/>
+            <ac:picMk id="8" creationId="{180B4508-F0E7-F124-A9AE-6BC9C2D30945}"/>
+          </ac:picMkLst>
+        </pc:picChg>
+        <pc:picChg chg="mod">
+          <ac:chgData name="Martin Garrad" userId="29fa8137-b5d4-4adf-94e3-55aca812c4da" providerId="ADAL" clId="{FE7E3326-2F4E-5A39-AD8A-48BAAAFC5A20}" dt="2025-09-24T11:06:11.751" v="21"/>
+          <ac:picMkLst>
+            <pc:docMk/>
+            <pc:sldMk cId="2580241657" sldId="262"/>
+            <ac:picMk id="10" creationId="{AB8CC5B0-E25A-2029-0131-16F1A3B9263A}"/>
+          </ac:picMkLst>
+        </pc:picChg>
+        <pc:picChg chg="mod">
+          <ac:chgData name="Martin Garrad" userId="29fa8137-b5d4-4adf-94e3-55aca812c4da" providerId="ADAL" clId="{FE7E3326-2F4E-5A39-AD8A-48BAAAFC5A20}" dt="2025-09-24T11:05:43.684" v="18" actId="1076"/>
+          <ac:picMkLst>
+            <pc:docMk/>
+            <pc:sldMk cId="2580241657" sldId="262"/>
+            <ac:picMk id="1026" creationId="{8DFDDC24-9FCC-0539-DDE8-A521238F8BD8}"/>
+          </ac:picMkLst>
+        </pc:picChg>
+      </pc:sldChg>
+      <pc:sldChg chg="modSp mod">
+        <pc:chgData name="Martin Garrad" userId="29fa8137-b5d4-4adf-94e3-55aca812c4da" providerId="ADAL" clId="{FE7E3326-2F4E-5A39-AD8A-48BAAAFC5A20}" dt="2025-09-24T12:13:05.048" v="1064" actId="27636"/>
+        <pc:sldMkLst>
+          <pc:docMk/>
+          <pc:sldMk cId="2547702290" sldId="263"/>
+        </pc:sldMkLst>
+        <pc:spChg chg="mod">
+          <ac:chgData name="Martin Garrad" userId="29fa8137-b5d4-4adf-94e3-55aca812c4da" providerId="ADAL" clId="{FE7E3326-2F4E-5A39-AD8A-48BAAAFC5A20}" dt="2025-09-24T12:13:05.048" v="1064" actId="27636"/>
+          <ac:spMkLst>
+            <pc:docMk/>
+            <pc:sldMk cId="2547702290" sldId="263"/>
+            <ac:spMk id="3" creationId="{D3AA0ABF-F337-6F3A-B182-C2D77F7D300F}"/>
+          </ac:spMkLst>
+        </pc:spChg>
+      </pc:sldChg>
+      <pc:sldChg chg="del">
+        <pc:chgData name="Martin Garrad" userId="29fa8137-b5d4-4adf-94e3-55aca812c4da" providerId="ADAL" clId="{FE7E3326-2F4E-5A39-AD8A-48BAAAFC5A20}" dt="2025-09-24T12:08:21.063" v="905" actId="2696"/>
+        <pc:sldMkLst>
+          <pc:docMk/>
+          <pc:sldMk cId="3117596316" sldId="264"/>
+        </pc:sldMkLst>
+      </pc:sldChg>
+      <pc:sldChg chg="modSp mod modNotesTx">
+        <pc:chgData name="Martin Garrad" userId="29fa8137-b5d4-4adf-94e3-55aca812c4da" providerId="ADAL" clId="{FE7E3326-2F4E-5A39-AD8A-48BAAAFC5A20}" dt="2025-09-24T12:28:39.827" v="1415" actId="20577"/>
+        <pc:sldMkLst>
+          <pc:docMk/>
+          <pc:sldMk cId="2832435519" sldId="265"/>
+        </pc:sldMkLst>
+        <pc:spChg chg="mod">
+          <ac:chgData name="Martin Garrad" userId="29fa8137-b5d4-4adf-94e3-55aca812c4da" providerId="ADAL" clId="{FE7E3326-2F4E-5A39-AD8A-48BAAAFC5A20}" dt="2025-09-24T12:17:54.083" v="1065"/>
+          <ac:spMkLst>
+            <pc:docMk/>
+            <pc:sldMk cId="2832435519" sldId="265"/>
+            <ac:spMk id="3" creationId="{300B7128-9998-0676-8CCA-F61932CA2DFA}"/>
+          </ac:spMkLst>
+        </pc:spChg>
+      </pc:sldChg>
+      <pc:sldChg chg="del">
+        <pc:chgData name="Martin Garrad" userId="29fa8137-b5d4-4adf-94e3-55aca812c4da" providerId="ADAL" clId="{FE7E3326-2F4E-5A39-AD8A-48BAAAFC5A20}" dt="2025-09-24T12:08:22.344" v="906" actId="2696"/>
+        <pc:sldMkLst>
+          <pc:docMk/>
+          <pc:sldMk cId="690423791" sldId="266"/>
+        </pc:sldMkLst>
+      </pc:sldChg>
+      <pc:sldChg chg="modSp mod">
+        <pc:chgData name="Martin Garrad" userId="29fa8137-b5d4-4adf-94e3-55aca812c4da" providerId="ADAL" clId="{FE7E3326-2F4E-5A39-AD8A-48BAAAFC5A20}" dt="2025-09-24T11:43:54.051" v="730" actId="27636"/>
+        <pc:sldMkLst>
+          <pc:docMk/>
+          <pc:sldMk cId="2927885972" sldId="267"/>
+        </pc:sldMkLst>
+        <pc:spChg chg="mod">
+          <ac:chgData name="Martin Garrad" userId="29fa8137-b5d4-4adf-94e3-55aca812c4da" providerId="ADAL" clId="{FE7E3326-2F4E-5A39-AD8A-48BAAAFC5A20}" dt="2025-09-24T11:43:54.051" v="730" actId="27636"/>
+          <ac:spMkLst>
+            <pc:docMk/>
+            <pc:sldMk cId="2927885972" sldId="267"/>
+            <ac:spMk id="3" creationId="{3337B913-CFBE-5BDE-8AA4-2A678379DC88}"/>
+          </ac:spMkLst>
+        </pc:spChg>
+      </pc:sldChg>
+      <pc:sldChg chg="delSp modSp mod">
+        <pc:chgData name="Martin Garrad" userId="29fa8137-b5d4-4adf-94e3-55aca812c4da" providerId="ADAL" clId="{FE7E3326-2F4E-5A39-AD8A-48BAAAFC5A20}" dt="2025-09-24T12:31:14.351" v="1421" actId="20577"/>
+        <pc:sldMkLst>
+          <pc:docMk/>
+          <pc:sldMk cId="1781179640" sldId="271"/>
+        </pc:sldMkLst>
+        <pc:spChg chg="mod">
+          <ac:chgData name="Martin Garrad" userId="29fa8137-b5d4-4adf-94e3-55aca812c4da" providerId="ADAL" clId="{FE7E3326-2F4E-5A39-AD8A-48BAAAFC5A20}" dt="2025-09-24T12:31:14.351" v="1421" actId="20577"/>
+          <ac:spMkLst>
+            <pc:docMk/>
+            <pc:sldMk cId="1781179640" sldId="271"/>
+            <ac:spMk id="40" creationId="{B8B756BA-E0B5-6531-0FCF-D53621651F67}"/>
+          </ac:spMkLst>
+        </pc:spChg>
+        <pc:picChg chg="del">
+          <ac:chgData name="Martin Garrad" userId="29fa8137-b5d4-4adf-94e3-55aca812c4da" providerId="ADAL" clId="{FE7E3326-2F4E-5A39-AD8A-48BAAAFC5A20}" dt="2025-09-24T12:31:07.541" v="1419" actId="478"/>
+          <ac:picMkLst>
+            <pc:docMk/>
+            <pc:sldMk cId="1781179640" sldId="271"/>
+            <ac:picMk id="41" creationId="{D11BDCCD-CDA8-C142-7492-6E3B0E7301C3}"/>
+          </ac:picMkLst>
+        </pc:picChg>
+      </pc:sldChg>
+      <pc:sldChg chg="modSp mod">
+        <pc:chgData name="Martin Garrad" userId="29fa8137-b5d4-4adf-94e3-55aca812c4da" providerId="ADAL" clId="{FE7E3326-2F4E-5A39-AD8A-48BAAAFC5A20}" dt="2025-09-24T12:35:40.866" v="1422" actId="20577"/>
+        <pc:sldMkLst>
+          <pc:docMk/>
+          <pc:sldMk cId="3809527063" sldId="297"/>
+        </pc:sldMkLst>
+        <pc:spChg chg="mod">
+          <ac:chgData name="Martin Garrad" userId="29fa8137-b5d4-4adf-94e3-55aca812c4da" providerId="ADAL" clId="{FE7E3326-2F4E-5A39-AD8A-48BAAAFC5A20}" dt="2025-09-24T12:35:40.866" v="1422" actId="20577"/>
           <ac:spMkLst>
             <pc:docMk/>
             <pc:sldMk cId="3809527063" sldId="297"/>
             <ac:spMk id="7" creationId="{85C88F60-A86C-E5E3-1EB7-EF66F9C8C3DD}"/>
           </ac:spMkLst>
         </pc:spChg>
+      </pc:sldChg>
+      <pc:sldChg chg="addSp delSp modSp add mod">
+        <pc:chgData name="Martin Garrad" userId="29fa8137-b5d4-4adf-94e3-55aca812c4da" providerId="ADAL" clId="{FE7E3326-2F4E-5A39-AD8A-48BAAAFC5A20}" dt="2025-09-24T11:55:59.732" v="900" actId="208"/>
+        <pc:sldMkLst>
+          <pc:docMk/>
+          <pc:sldMk cId="704847650" sldId="298"/>
+        </pc:sldMkLst>
+        <pc:spChg chg="mod">
+          <ac:chgData name="Martin Garrad" userId="29fa8137-b5d4-4adf-94e3-55aca812c4da" providerId="ADAL" clId="{FE7E3326-2F4E-5A39-AD8A-48BAAAFC5A20}" dt="2025-09-24T11:34:56.311" v="683" actId="1076"/>
+          <ac:spMkLst>
+            <pc:docMk/>
+            <pc:sldMk cId="704847650" sldId="298"/>
+            <ac:spMk id="3" creationId="{D53ADDAC-B5CC-5817-A153-E10BB106ED2E}"/>
+          </ac:spMkLst>
+        </pc:spChg>
+        <pc:spChg chg="add mod">
+          <ac:chgData name="Martin Garrad" userId="29fa8137-b5d4-4adf-94e3-55aca812c4da" providerId="ADAL" clId="{FE7E3326-2F4E-5A39-AD8A-48BAAAFC5A20}" dt="2025-09-24T11:35:13.301" v="689" actId="13822"/>
+          <ac:spMkLst>
+            <pc:docMk/>
+            <pc:sldMk cId="704847650" sldId="298"/>
+            <ac:spMk id="4" creationId="{7DC282DC-EDE1-5E91-95D7-FADAD1C763D1}"/>
+          </ac:spMkLst>
+        </pc:spChg>
+        <pc:spChg chg="add mod">
+          <ac:chgData name="Martin Garrad" userId="29fa8137-b5d4-4adf-94e3-55aca812c4da" providerId="ADAL" clId="{FE7E3326-2F4E-5A39-AD8A-48BAAAFC5A20}" dt="2025-09-24T11:32:07.114" v="623" actId="408"/>
+          <ac:spMkLst>
+            <pc:docMk/>
+            <pc:sldMk cId="704847650" sldId="298"/>
+            <ac:spMk id="5" creationId="{F92FA4B5-13E9-C3C7-CDEB-373B321516F5}"/>
+          </ac:spMkLst>
+        </pc:spChg>
+        <pc:spChg chg="add mod">
+          <ac:chgData name="Martin Garrad" userId="29fa8137-b5d4-4adf-94e3-55aca812c4da" providerId="ADAL" clId="{FE7E3326-2F4E-5A39-AD8A-48BAAAFC5A20}" dt="2025-09-24T11:32:07.114" v="623" actId="408"/>
+          <ac:spMkLst>
+            <pc:docMk/>
+            <pc:sldMk cId="704847650" sldId="298"/>
+            <ac:spMk id="6" creationId="{FBD06FBB-D2AE-9CC5-17AA-63BFCA8F268F}"/>
+          </ac:spMkLst>
+        </pc:spChg>
+        <pc:spChg chg="add del mod">
+          <ac:chgData name="Martin Garrad" userId="29fa8137-b5d4-4adf-94e3-55aca812c4da" providerId="ADAL" clId="{FE7E3326-2F4E-5A39-AD8A-48BAAAFC5A20}" dt="2025-09-24T11:28:41.259" v="511" actId="478"/>
+          <ac:spMkLst>
+            <pc:docMk/>
+            <pc:sldMk cId="704847650" sldId="298"/>
+            <ac:spMk id="7" creationId="{FE76EA0D-5A8E-BC46-93AD-BCAF1F90E4C7}"/>
+          </ac:spMkLst>
+        </pc:spChg>
+        <pc:spChg chg="add del mod">
+          <ac:chgData name="Martin Garrad" userId="29fa8137-b5d4-4adf-94e3-55aca812c4da" providerId="ADAL" clId="{FE7E3326-2F4E-5A39-AD8A-48BAAAFC5A20}" dt="2025-09-24T11:28:40.592" v="510" actId="478"/>
+          <ac:spMkLst>
+            <pc:docMk/>
+            <pc:sldMk cId="704847650" sldId="298"/>
+            <ac:spMk id="8" creationId="{EFA98751-CBF4-877C-5971-17CBA6FC97F8}"/>
+          </ac:spMkLst>
+        </pc:spChg>
+        <pc:spChg chg="add mod">
+          <ac:chgData name="Martin Garrad" userId="29fa8137-b5d4-4adf-94e3-55aca812c4da" providerId="ADAL" clId="{FE7E3326-2F4E-5A39-AD8A-48BAAAFC5A20}" dt="2025-09-24T11:32:07.114" v="623" actId="408"/>
+          <ac:spMkLst>
+            <pc:docMk/>
+            <pc:sldMk cId="704847650" sldId="298"/>
+            <ac:spMk id="9" creationId="{164133FC-A8A7-EFE0-0AF1-7E4012EB540F}"/>
+          </ac:spMkLst>
+        </pc:spChg>
+        <pc:spChg chg="add mod">
+          <ac:chgData name="Martin Garrad" userId="29fa8137-b5d4-4adf-94e3-55aca812c4da" providerId="ADAL" clId="{FE7E3326-2F4E-5A39-AD8A-48BAAAFC5A20}" dt="2025-09-24T11:34:58.300" v="684" actId="1076"/>
+          <ac:spMkLst>
+            <pc:docMk/>
+            <pc:sldMk cId="704847650" sldId="298"/>
+            <ac:spMk id="10" creationId="{B8119503-6F6B-79A1-8D84-4C15C5012FA6}"/>
+          </ac:spMkLst>
+        </pc:spChg>
+        <pc:spChg chg="add mod">
+          <ac:chgData name="Martin Garrad" userId="29fa8137-b5d4-4adf-94e3-55aca812c4da" providerId="ADAL" clId="{FE7E3326-2F4E-5A39-AD8A-48BAAAFC5A20}" dt="2025-09-24T11:35:27.938" v="691" actId="207"/>
+          <ac:spMkLst>
+            <pc:docMk/>
+            <pc:sldMk cId="704847650" sldId="298"/>
+            <ac:spMk id="11" creationId="{62AF060D-B84D-A90A-E6EF-B8634B339DE6}"/>
+          </ac:spMkLst>
+        </pc:spChg>
+        <pc:spChg chg="add mod">
+          <ac:chgData name="Martin Garrad" userId="29fa8137-b5d4-4adf-94e3-55aca812c4da" providerId="ADAL" clId="{FE7E3326-2F4E-5A39-AD8A-48BAAAFC5A20}" dt="2025-09-24T11:32:07.114" v="623" actId="408"/>
+          <ac:spMkLst>
+            <pc:docMk/>
+            <pc:sldMk cId="704847650" sldId="298"/>
+            <ac:spMk id="12" creationId="{7A587BBF-E600-5805-E596-CC8BDA3FA6BA}"/>
+          </ac:spMkLst>
+        </pc:spChg>
+        <pc:spChg chg="add mod">
+          <ac:chgData name="Martin Garrad" userId="29fa8137-b5d4-4adf-94e3-55aca812c4da" providerId="ADAL" clId="{FE7E3326-2F4E-5A39-AD8A-48BAAAFC5A20}" dt="2025-09-24T11:37:07.249" v="711" actId="14100"/>
+          <ac:spMkLst>
+            <pc:docMk/>
+            <pc:sldMk cId="704847650" sldId="298"/>
+            <ac:spMk id="13" creationId="{720F0724-92B1-01EB-746F-ABE00008E3B6}"/>
+          </ac:spMkLst>
+        </pc:spChg>
+        <pc:spChg chg="add del mod">
+          <ac:chgData name="Martin Garrad" userId="29fa8137-b5d4-4adf-94e3-55aca812c4da" providerId="ADAL" clId="{FE7E3326-2F4E-5A39-AD8A-48BAAAFC5A20}" dt="2025-09-24T11:29:43.523" v="545" actId="478"/>
+          <ac:spMkLst>
+            <pc:docMk/>
+            <pc:sldMk cId="704847650" sldId="298"/>
+            <ac:spMk id="14" creationId="{C034F3DB-304A-F3A0-E274-C3975FCA0474}"/>
+          </ac:spMkLst>
+        </pc:spChg>
+        <pc:spChg chg="add mod">
+          <ac:chgData name="Martin Garrad" userId="29fa8137-b5d4-4adf-94e3-55aca812c4da" providerId="ADAL" clId="{FE7E3326-2F4E-5A39-AD8A-48BAAAFC5A20}" dt="2025-09-24T11:35:27.938" v="691" actId="207"/>
+          <ac:spMkLst>
+            <pc:docMk/>
+            <pc:sldMk cId="704847650" sldId="298"/>
+            <ac:spMk id="15" creationId="{EAB1AAB0-4447-2007-22BE-0E59D4AB3761}"/>
+          </ac:spMkLst>
+        </pc:spChg>
+        <pc:spChg chg="add mod">
+          <ac:chgData name="Martin Garrad" userId="29fa8137-b5d4-4adf-94e3-55aca812c4da" providerId="ADAL" clId="{FE7E3326-2F4E-5A39-AD8A-48BAAAFC5A20}" dt="2025-09-24T11:34:30.718" v="675" actId="14100"/>
+          <ac:spMkLst>
+            <pc:docMk/>
+            <pc:sldMk cId="704847650" sldId="298"/>
+            <ac:spMk id="16" creationId="{93D972C1-B09C-F1BE-95E0-EF9FAEB01346}"/>
+          </ac:spMkLst>
+        </pc:spChg>
+        <pc:spChg chg="add mod">
+          <ac:chgData name="Martin Garrad" userId="29fa8137-b5d4-4adf-94e3-55aca812c4da" providerId="ADAL" clId="{FE7E3326-2F4E-5A39-AD8A-48BAAAFC5A20}" dt="2025-09-24T11:34:48.157" v="680" actId="1076"/>
+          <ac:spMkLst>
+            <pc:docMk/>
+            <pc:sldMk cId="704847650" sldId="298"/>
+            <ac:spMk id="17" creationId="{29DF9C24-2369-683B-6228-446F16F450FA}"/>
+          </ac:spMkLst>
+        </pc:spChg>
+        <pc:spChg chg="add mod">
+          <ac:chgData name="Martin Garrad" userId="29fa8137-b5d4-4adf-94e3-55aca812c4da" providerId="ADAL" clId="{FE7E3326-2F4E-5A39-AD8A-48BAAAFC5A20}" dt="2025-09-24T11:35:13.301" v="689" actId="13822"/>
+          <ac:spMkLst>
+            <pc:docMk/>
+            <pc:sldMk cId="704847650" sldId="298"/>
+            <ac:spMk id="18" creationId="{B18DE44C-B6BA-53DF-6EC1-CA9C83C7672A}"/>
+          </ac:spMkLst>
+        </pc:spChg>
+        <pc:cxnChg chg="add mod">
+          <ac:chgData name="Martin Garrad" userId="29fa8137-b5d4-4adf-94e3-55aca812c4da" providerId="ADAL" clId="{FE7E3326-2F4E-5A39-AD8A-48BAAAFC5A20}" dt="2025-09-24T11:38:45.695" v="727" actId="208"/>
+          <ac:cxnSpMkLst>
+            <pc:docMk/>
+            <pc:sldMk cId="704847650" sldId="298"/>
+            <ac:cxnSpMk id="20" creationId="{34551062-A526-7F5F-B07A-365A15F10CD8}"/>
+          </ac:cxnSpMkLst>
+        </pc:cxnChg>
+        <pc:cxnChg chg="add mod">
+          <ac:chgData name="Martin Garrad" userId="29fa8137-b5d4-4adf-94e3-55aca812c4da" providerId="ADAL" clId="{FE7E3326-2F4E-5A39-AD8A-48BAAAFC5A20}" dt="2025-09-24T11:38:45.695" v="727" actId="208"/>
+          <ac:cxnSpMkLst>
+            <pc:docMk/>
+            <pc:sldMk cId="704847650" sldId="298"/>
+            <ac:cxnSpMk id="22" creationId="{316F2114-8D03-A3E7-F4DE-5A54D38A9982}"/>
+          </ac:cxnSpMkLst>
+        </pc:cxnChg>
+        <pc:cxnChg chg="add mod">
+          <ac:chgData name="Martin Garrad" userId="29fa8137-b5d4-4adf-94e3-55aca812c4da" providerId="ADAL" clId="{FE7E3326-2F4E-5A39-AD8A-48BAAAFC5A20}" dt="2025-09-24T11:38:45.695" v="727" actId="208"/>
+          <ac:cxnSpMkLst>
+            <pc:docMk/>
+            <pc:sldMk cId="704847650" sldId="298"/>
+            <ac:cxnSpMk id="26" creationId="{F9570409-B41E-2321-459E-1B2964F01364}"/>
+          </ac:cxnSpMkLst>
+        </pc:cxnChg>
+        <pc:cxnChg chg="add mod">
+          <ac:chgData name="Martin Garrad" userId="29fa8137-b5d4-4adf-94e3-55aca812c4da" providerId="ADAL" clId="{FE7E3326-2F4E-5A39-AD8A-48BAAAFC5A20}" dt="2025-09-24T11:38:45.695" v="727" actId="208"/>
+          <ac:cxnSpMkLst>
+            <pc:docMk/>
+            <pc:sldMk cId="704847650" sldId="298"/>
+            <ac:cxnSpMk id="27" creationId="{1946BDF2-C122-B5EA-8B03-FB84999CE96F}"/>
+          </ac:cxnSpMkLst>
+        </pc:cxnChg>
+        <pc:cxnChg chg="add mod">
+          <ac:chgData name="Martin Garrad" userId="29fa8137-b5d4-4adf-94e3-55aca812c4da" providerId="ADAL" clId="{FE7E3326-2F4E-5A39-AD8A-48BAAAFC5A20}" dt="2025-09-24T11:38:45.695" v="727" actId="208"/>
+          <ac:cxnSpMkLst>
+            <pc:docMk/>
+            <pc:sldMk cId="704847650" sldId="298"/>
+            <ac:cxnSpMk id="28" creationId="{C15A48CF-B21F-5AFB-CD47-B47E419CA92C}"/>
+          </ac:cxnSpMkLst>
+        </pc:cxnChg>
+        <pc:cxnChg chg="add mod">
+          <ac:chgData name="Martin Garrad" userId="29fa8137-b5d4-4adf-94e3-55aca812c4da" providerId="ADAL" clId="{FE7E3326-2F4E-5A39-AD8A-48BAAAFC5A20}" dt="2025-09-24T11:38:45.695" v="727" actId="208"/>
+          <ac:cxnSpMkLst>
+            <pc:docMk/>
+            <pc:sldMk cId="704847650" sldId="298"/>
+            <ac:cxnSpMk id="29" creationId="{6EAF4841-07A0-A92D-63FF-D490F7B58887}"/>
+          </ac:cxnSpMkLst>
+        </pc:cxnChg>
+        <pc:cxnChg chg="add mod">
+          <ac:chgData name="Martin Garrad" userId="29fa8137-b5d4-4adf-94e3-55aca812c4da" providerId="ADAL" clId="{FE7E3326-2F4E-5A39-AD8A-48BAAAFC5A20}" dt="2025-09-24T11:55:59.732" v="900" actId="208"/>
+          <ac:cxnSpMkLst>
+            <pc:docMk/>
+            <pc:sldMk cId="704847650" sldId="298"/>
+            <ac:cxnSpMk id="31" creationId="{807AA584-FA03-39FE-14E0-33C6017CD827}"/>
+          </ac:cxnSpMkLst>
+        </pc:cxnChg>
+        <pc:cxnChg chg="add mod">
+          <ac:chgData name="Martin Garrad" userId="29fa8137-b5d4-4adf-94e3-55aca812c4da" providerId="ADAL" clId="{FE7E3326-2F4E-5A39-AD8A-48BAAAFC5A20}" dt="2025-09-24T11:38:45.695" v="727" actId="208"/>
+          <ac:cxnSpMkLst>
+            <pc:docMk/>
+            <pc:sldMk cId="704847650" sldId="298"/>
+            <ac:cxnSpMk id="32" creationId="{D134B90F-23D1-0B25-B395-A1AC0251A44A}"/>
+          </ac:cxnSpMkLst>
+        </pc:cxnChg>
+        <pc:cxnChg chg="add mod">
+          <ac:chgData name="Martin Garrad" userId="29fa8137-b5d4-4adf-94e3-55aca812c4da" providerId="ADAL" clId="{FE7E3326-2F4E-5A39-AD8A-48BAAAFC5A20}" dt="2025-09-24T11:38:45.695" v="727" actId="208"/>
+          <ac:cxnSpMkLst>
+            <pc:docMk/>
+            <pc:sldMk cId="704847650" sldId="298"/>
+            <ac:cxnSpMk id="33" creationId="{4AB84D02-A7A2-D07F-2AAE-13DD39F3B271}"/>
+          </ac:cxnSpMkLst>
+        </pc:cxnChg>
+        <pc:cxnChg chg="add mod">
+          <ac:chgData name="Martin Garrad" userId="29fa8137-b5d4-4adf-94e3-55aca812c4da" providerId="ADAL" clId="{FE7E3326-2F4E-5A39-AD8A-48BAAAFC5A20}" dt="2025-09-24T11:34:52.186" v="682"/>
+          <ac:cxnSpMkLst>
+            <pc:docMk/>
+            <pc:sldMk cId="704847650" sldId="298"/>
+            <ac:cxnSpMk id="35" creationId="{81B566A8-4BF7-D04F-A533-C8B5118D76E4}"/>
+          </ac:cxnSpMkLst>
+        </pc:cxnChg>
+        <pc:cxnChg chg="add mod">
+          <ac:chgData name="Martin Garrad" userId="29fa8137-b5d4-4adf-94e3-55aca812c4da" providerId="ADAL" clId="{FE7E3326-2F4E-5A39-AD8A-48BAAAFC5A20}" dt="2025-09-24T11:35:01.997" v="686" actId="1076"/>
+          <ac:cxnSpMkLst>
+            <pc:docMk/>
+            <pc:sldMk cId="704847650" sldId="298"/>
+            <ac:cxnSpMk id="36" creationId="{C91877BD-4655-E742-1E3A-8BAFB5441D9F}"/>
+          </ac:cxnSpMkLst>
+        </pc:cxnChg>
+        <pc:cxnChg chg="add mod">
+          <ac:chgData name="Martin Garrad" userId="29fa8137-b5d4-4adf-94e3-55aca812c4da" providerId="ADAL" clId="{FE7E3326-2F4E-5A39-AD8A-48BAAAFC5A20}" dt="2025-09-24T11:35:05.524" v="688" actId="1076"/>
+          <ac:cxnSpMkLst>
+            <pc:docMk/>
+            <pc:sldMk cId="704847650" sldId="298"/>
+            <ac:cxnSpMk id="37" creationId="{FB86D970-3DE9-1C40-4F8F-57223C6BD2C9}"/>
+          </ac:cxnSpMkLst>
+        </pc:cxnChg>
+        <pc:cxnChg chg="add mod">
+          <ac:chgData name="Martin Garrad" userId="29fa8137-b5d4-4adf-94e3-55aca812c4da" providerId="ADAL" clId="{FE7E3326-2F4E-5A39-AD8A-48BAAAFC5A20}" dt="2025-09-24T11:36:02.986" v="695" actId="14100"/>
+          <ac:cxnSpMkLst>
+            <pc:docMk/>
+            <pc:sldMk cId="704847650" sldId="298"/>
+            <ac:cxnSpMk id="39" creationId="{23D123E2-82BB-0CF2-CD64-17F392C554BD}"/>
+          </ac:cxnSpMkLst>
+        </pc:cxnChg>
+        <pc:cxnChg chg="add mod">
+          <ac:chgData name="Martin Garrad" userId="29fa8137-b5d4-4adf-94e3-55aca812c4da" providerId="ADAL" clId="{FE7E3326-2F4E-5A39-AD8A-48BAAAFC5A20}" dt="2025-09-24T11:38:45.695" v="727" actId="208"/>
+          <ac:cxnSpMkLst>
+            <pc:docMk/>
+            <pc:sldMk cId="704847650" sldId="298"/>
+            <ac:cxnSpMk id="41" creationId="{69302D18-CD1D-2814-8CDD-390E25F81AC4}"/>
+          </ac:cxnSpMkLst>
+        </pc:cxnChg>
+        <pc:cxnChg chg="add mod">
+          <ac:chgData name="Martin Garrad" userId="29fa8137-b5d4-4adf-94e3-55aca812c4da" providerId="ADAL" clId="{FE7E3326-2F4E-5A39-AD8A-48BAAAFC5A20}" dt="2025-09-24T11:37:15.366" v="715" actId="1038"/>
+          <ac:cxnSpMkLst>
+            <pc:docMk/>
+            <pc:sldMk cId="704847650" sldId="298"/>
+            <ac:cxnSpMk id="45" creationId="{4FE03817-AE61-5242-F6BA-47F958ACE063}"/>
+          </ac:cxnSpMkLst>
+        </pc:cxnChg>
+        <pc:cxnChg chg="add mod">
+          <ac:chgData name="Martin Garrad" userId="29fa8137-b5d4-4adf-94e3-55aca812c4da" providerId="ADAL" clId="{FE7E3326-2F4E-5A39-AD8A-48BAAAFC5A20}" dt="2025-09-24T11:37:40.830" v="719" actId="1076"/>
+          <ac:cxnSpMkLst>
+            <pc:docMk/>
+            <pc:sldMk cId="704847650" sldId="298"/>
+            <ac:cxnSpMk id="50" creationId="{6A4625DB-25B5-D432-2952-CCF6F842F117}"/>
+          </ac:cxnSpMkLst>
+        </pc:cxnChg>
+        <pc:cxnChg chg="add mod">
+          <ac:chgData name="Martin Garrad" userId="29fa8137-b5d4-4adf-94e3-55aca812c4da" providerId="ADAL" clId="{FE7E3326-2F4E-5A39-AD8A-48BAAAFC5A20}" dt="2025-09-24T11:38:45.695" v="727" actId="208"/>
+          <ac:cxnSpMkLst>
+            <pc:docMk/>
+            <pc:sldMk cId="704847650" sldId="298"/>
+            <ac:cxnSpMk id="52" creationId="{B4AB78D4-3236-69C1-03B9-859BF42104B5}"/>
+          </ac:cxnSpMkLst>
+        </pc:cxnChg>
+      </pc:sldChg>
+      <pc:sldChg chg="add">
+        <pc:chgData name="Martin Garrad" userId="29fa8137-b5d4-4adf-94e3-55aca812c4da" providerId="ADAL" clId="{FE7E3326-2F4E-5A39-AD8A-48BAAAFC5A20}" dt="2025-09-24T11:43:48.225" v="728" actId="2890"/>
+        <pc:sldMkLst>
+          <pc:docMk/>
+          <pc:sldMk cId="843374860" sldId="299"/>
+        </pc:sldMkLst>
+      </pc:sldChg>
+      <pc:sldChg chg="addSp delSp modSp add mod">
+        <pc:chgData name="Martin Garrad" userId="29fa8137-b5d4-4adf-94e3-55aca812c4da" providerId="ADAL" clId="{FE7E3326-2F4E-5A39-AD8A-48BAAAFC5A20}" dt="2025-09-24T11:53:28.661" v="864" actId="1076"/>
+        <pc:sldMkLst>
+          <pc:docMk/>
+          <pc:sldMk cId="3926886840" sldId="300"/>
+        </pc:sldMkLst>
+        <pc:spChg chg="add del mod">
+          <ac:chgData name="Martin Garrad" userId="29fa8137-b5d4-4adf-94e3-55aca812c4da" providerId="ADAL" clId="{FE7E3326-2F4E-5A39-AD8A-48BAAAFC5A20}" dt="2025-09-24T11:49:24.919" v="734" actId="478"/>
+          <ac:spMkLst>
+            <pc:docMk/>
+            <pc:sldMk cId="3926886840" sldId="300"/>
+            <ac:spMk id="7" creationId="{AE698CD4-F7E9-2529-128E-4F9785C33B5C}"/>
+          </ac:spMkLst>
+        </pc:spChg>
+        <pc:spChg chg="add del mod">
+          <ac:chgData name="Martin Garrad" userId="29fa8137-b5d4-4adf-94e3-55aca812c4da" providerId="ADAL" clId="{FE7E3326-2F4E-5A39-AD8A-48BAAAFC5A20}" dt="2025-09-24T11:49:38.336" v="737" actId="478"/>
+          <ac:spMkLst>
+            <pc:docMk/>
+            <pc:sldMk cId="3926886840" sldId="300"/>
+            <ac:spMk id="8" creationId="{27EFC986-6D91-903F-937F-BFDB88FE8582}"/>
+          </ac:spMkLst>
+        </pc:spChg>
+        <pc:spChg chg="del">
+          <ac:chgData name="Martin Garrad" userId="29fa8137-b5d4-4adf-94e3-55aca812c4da" providerId="ADAL" clId="{FE7E3326-2F4E-5A39-AD8A-48BAAAFC5A20}" dt="2025-09-24T11:51:17.435" v="743" actId="478"/>
+          <ac:spMkLst>
+            <pc:docMk/>
+            <pc:sldMk cId="3926886840" sldId="300"/>
+            <ac:spMk id="10" creationId="{4548070F-8052-B809-083B-671E7625B587}"/>
+          </ac:spMkLst>
+        </pc:spChg>
+        <pc:spChg chg="add del mod">
+          <ac:chgData name="Martin Garrad" userId="29fa8137-b5d4-4adf-94e3-55aca812c4da" providerId="ADAL" clId="{FE7E3326-2F4E-5A39-AD8A-48BAAAFC5A20}" dt="2025-09-24T11:50:40.299" v="740" actId="478"/>
+          <ac:spMkLst>
+            <pc:docMk/>
+            <pc:sldMk cId="3926886840" sldId="300"/>
+            <ac:spMk id="14" creationId="{D68E9591-69C0-2E04-B3AD-89B5DC8E3AD8}"/>
+          </ac:spMkLst>
+        </pc:spChg>
+        <pc:spChg chg="mod">
+          <ac:chgData name="Martin Garrad" userId="29fa8137-b5d4-4adf-94e3-55aca812c4da" providerId="ADAL" clId="{FE7E3326-2F4E-5A39-AD8A-48BAAAFC5A20}" dt="2025-09-24T11:52:41.935" v="851" actId="1076"/>
+          <ac:spMkLst>
+            <pc:docMk/>
+            <pc:sldMk cId="3926886840" sldId="300"/>
+            <ac:spMk id="18" creationId="{130D2E1E-7D6E-565D-DD97-7F0470318855}"/>
+          </ac:spMkLst>
+        </pc:spChg>
+        <pc:spChg chg="add mod">
+          <ac:chgData name="Martin Garrad" userId="29fa8137-b5d4-4adf-94e3-55aca812c4da" providerId="ADAL" clId="{FE7E3326-2F4E-5A39-AD8A-48BAAAFC5A20}" dt="2025-09-24T11:51:33.065" v="761" actId="20577"/>
+          <ac:spMkLst>
+            <pc:docMk/>
+            <pc:sldMk cId="3926886840" sldId="300"/>
+            <ac:spMk id="19" creationId="{A3353916-2170-51C0-E568-08E23F1CA200}"/>
+          </ac:spMkLst>
+        </pc:spChg>
+        <pc:spChg chg="add mod">
+          <ac:chgData name="Martin Garrad" userId="29fa8137-b5d4-4adf-94e3-55aca812c4da" providerId="ADAL" clId="{FE7E3326-2F4E-5A39-AD8A-48BAAAFC5A20}" dt="2025-09-24T11:52:09.087" v="797" actId="14100"/>
+          <ac:spMkLst>
+            <pc:docMk/>
+            <pc:sldMk cId="3926886840" sldId="300"/>
+            <ac:spMk id="21" creationId="{5E683000-B2D4-1D08-61E0-CC80163BC30B}"/>
+          </ac:spMkLst>
+        </pc:spChg>
+        <pc:spChg chg="add mod">
+          <ac:chgData name="Martin Garrad" userId="29fa8137-b5d4-4adf-94e3-55aca812c4da" providerId="ADAL" clId="{FE7E3326-2F4E-5A39-AD8A-48BAAAFC5A20}" dt="2025-09-24T11:53:00.045" v="855" actId="1076"/>
+          <ac:spMkLst>
+            <pc:docMk/>
+            <pc:sldMk cId="3926886840" sldId="300"/>
+            <ac:spMk id="23" creationId="{8FBF1C1E-75B6-BE61-FFF2-B33C3065A15E}"/>
+          </ac:spMkLst>
+        </pc:spChg>
+        <pc:spChg chg="add mod">
+          <ac:chgData name="Martin Garrad" userId="29fa8137-b5d4-4adf-94e3-55aca812c4da" providerId="ADAL" clId="{FE7E3326-2F4E-5A39-AD8A-48BAAAFC5A20}" dt="2025-09-24T11:53:04.042" v="856" actId="1076"/>
+          <ac:spMkLst>
+            <pc:docMk/>
+            <pc:sldMk cId="3926886840" sldId="300"/>
+            <ac:spMk id="24" creationId="{ECCEAE1D-25B9-2E4C-4A40-19585D4B7991}"/>
+          </ac:spMkLst>
+        </pc:spChg>
+        <pc:cxnChg chg="add mod">
+          <ac:chgData name="Martin Garrad" userId="29fa8137-b5d4-4adf-94e3-55aca812c4da" providerId="ADAL" clId="{FE7E3326-2F4E-5A39-AD8A-48BAAAFC5A20}" dt="2025-09-24T11:52:56.416" v="854" actId="1076"/>
+          <ac:cxnSpMkLst>
+            <pc:docMk/>
+            <pc:sldMk cId="3926886840" sldId="300"/>
+            <ac:cxnSpMk id="25" creationId="{5DD11AB1-ED71-EA33-8EEA-6487804F2C5F}"/>
+          </ac:cxnSpMkLst>
+        </pc:cxnChg>
+        <pc:cxnChg chg="add mod">
+          <ac:chgData name="Martin Garrad" userId="29fa8137-b5d4-4adf-94e3-55aca812c4da" providerId="ADAL" clId="{FE7E3326-2F4E-5A39-AD8A-48BAAAFC5A20}" dt="2025-09-24T11:53:17.541" v="860" actId="14100"/>
+          <ac:cxnSpMkLst>
+            <pc:docMk/>
+            <pc:sldMk cId="3926886840" sldId="300"/>
+            <ac:cxnSpMk id="30" creationId="{5781F7F3-BF39-0117-D998-09ABE195439C}"/>
+          </ac:cxnSpMkLst>
+        </pc:cxnChg>
+        <pc:cxnChg chg="mod">
+          <ac:chgData name="Martin Garrad" userId="29fa8137-b5d4-4adf-94e3-55aca812c4da" providerId="ADAL" clId="{FE7E3326-2F4E-5A39-AD8A-48BAAAFC5A20}" dt="2025-09-24T11:52:51.214" v="852" actId="208"/>
+          <ac:cxnSpMkLst>
+            <pc:docMk/>
+            <pc:sldMk cId="3926886840" sldId="300"/>
+            <ac:cxnSpMk id="31" creationId="{C22BB892-946F-E3C7-E4F7-947F5C47E7AB}"/>
+          </ac:cxnSpMkLst>
+        </pc:cxnChg>
+        <pc:cxnChg chg="add mod">
+          <ac:chgData name="Martin Garrad" userId="29fa8137-b5d4-4adf-94e3-55aca812c4da" providerId="ADAL" clId="{FE7E3326-2F4E-5A39-AD8A-48BAAAFC5A20}" dt="2025-09-24T11:53:28.661" v="864" actId="1076"/>
+          <ac:cxnSpMkLst>
+            <pc:docMk/>
+            <pc:sldMk cId="3926886840" sldId="300"/>
+            <ac:cxnSpMk id="38" creationId="{AE77609B-082C-A7B4-AB4B-78CFE17BCBB7}"/>
+          </ac:cxnSpMkLst>
+        </pc:cxnChg>
+      </pc:sldChg>
+      <pc:sldChg chg="add del">
+        <pc:chgData name="Martin Garrad" userId="29fa8137-b5d4-4adf-94e3-55aca812c4da" providerId="ADAL" clId="{FE7E3326-2F4E-5A39-AD8A-48BAAAFC5A20}" dt="2025-09-24T11:51:11.669" v="742" actId="2696"/>
+        <pc:sldMkLst>
+          <pc:docMk/>
+          <pc:sldMk cId="852105429" sldId="301"/>
+        </pc:sldMkLst>
+      </pc:sldChg>
+      <pc:sldChg chg="addSp delSp modSp add mod">
+        <pc:chgData name="Martin Garrad" userId="29fa8137-b5d4-4adf-94e3-55aca812c4da" providerId="ADAL" clId="{FE7E3326-2F4E-5A39-AD8A-48BAAAFC5A20}" dt="2025-09-24T11:54:58.998" v="899" actId="12789"/>
+        <pc:sldMkLst>
+          <pc:docMk/>
+          <pc:sldMk cId="3765792024" sldId="301"/>
+        </pc:sldMkLst>
+        <pc:spChg chg="del mod">
+          <ac:chgData name="Martin Garrad" userId="29fa8137-b5d4-4adf-94e3-55aca812c4da" providerId="ADAL" clId="{FE7E3326-2F4E-5A39-AD8A-48BAAAFC5A20}" dt="2025-09-24T11:53:48.334" v="867" actId="478"/>
+          <ac:spMkLst>
+            <pc:docMk/>
+            <pc:sldMk cId="3765792024" sldId="301"/>
+            <ac:spMk id="5" creationId="{E0DFA1DB-DA0C-E152-76EA-2DA546D582F4}"/>
+          </ac:spMkLst>
+        </pc:spChg>
+        <pc:spChg chg="mod">
+          <ac:chgData name="Martin Garrad" userId="29fa8137-b5d4-4adf-94e3-55aca812c4da" providerId="ADAL" clId="{FE7E3326-2F4E-5A39-AD8A-48BAAAFC5A20}" dt="2025-09-24T11:54:58.998" v="899" actId="12789"/>
+          <ac:spMkLst>
+            <pc:docMk/>
+            <pc:sldMk cId="3765792024" sldId="301"/>
+            <ac:spMk id="6" creationId="{32CC9F86-C414-3853-1DF1-0764D227AD7F}"/>
+          </ac:spMkLst>
+        </pc:spChg>
+        <pc:spChg chg="add mod">
+          <ac:chgData name="Martin Garrad" userId="29fa8137-b5d4-4adf-94e3-55aca812c4da" providerId="ADAL" clId="{FE7E3326-2F4E-5A39-AD8A-48BAAAFC5A20}" dt="2025-09-24T11:54:58.998" v="899" actId="12789"/>
+          <ac:spMkLst>
+            <pc:docMk/>
+            <pc:sldMk cId="3765792024" sldId="301"/>
+            <ac:spMk id="7" creationId="{52FBC4F4-A0D3-1682-B5B7-BD6E5C8B2212}"/>
+          </ac:spMkLst>
+        </pc:spChg>
+        <pc:spChg chg="mod">
+          <ac:chgData name="Martin Garrad" userId="29fa8137-b5d4-4adf-94e3-55aca812c4da" providerId="ADAL" clId="{FE7E3326-2F4E-5A39-AD8A-48BAAAFC5A20}" dt="2025-09-24T11:54:58.998" v="899" actId="12789"/>
+          <ac:spMkLst>
+            <pc:docMk/>
+            <pc:sldMk cId="3765792024" sldId="301"/>
+            <ac:spMk id="9" creationId="{569A2EF3-A350-9184-C222-37F82810B639}"/>
+          </ac:spMkLst>
+        </pc:spChg>
+        <pc:spChg chg="del">
+          <ac:chgData name="Martin Garrad" userId="29fa8137-b5d4-4adf-94e3-55aca812c4da" providerId="ADAL" clId="{FE7E3326-2F4E-5A39-AD8A-48BAAAFC5A20}" dt="2025-09-24T11:54:07.056" v="882" actId="478"/>
+          <ac:spMkLst>
+            <pc:docMk/>
+            <pc:sldMk cId="3765792024" sldId="301"/>
+            <ac:spMk id="11" creationId="{3C7785B9-EF95-A691-6A4E-3C5F2C67B187}"/>
+          </ac:spMkLst>
+        </pc:spChg>
+        <pc:spChg chg="del">
+          <ac:chgData name="Martin Garrad" userId="29fa8137-b5d4-4adf-94e3-55aca812c4da" providerId="ADAL" clId="{FE7E3326-2F4E-5A39-AD8A-48BAAAFC5A20}" dt="2025-09-24T11:54:08.516" v="883" actId="478"/>
+          <ac:spMkLst>
+            <pc:docMk/>
+            <pc:sldMk cId="3765792024" sldId="301"/>
+            <ac:spMk id="12" creationId="{679C3E3F-C929-2F3A-A344-60FE943920E7}"/>
+          </ac:spMkLst>
+        </pc:spChg>
+        <pc:spChg chg="mod">
+          <ac:chgData name="Martin Garrad" userId="29fa8137-b5d4-4adf-94e3-55aca812c4da" providerId="ADAL" clId="{FE7E3326-2F4E-5A39-AD8A-48BAAAFC5A20}" dt="2025-09-24T11:54:58.998" v="899" actId="12789"/>
+          <ac:spMkLst>
+            <pc:docMk/>
+            <pc:sldMk cId="3765792024" sldId="301"/>
+            <ac:spMk id="13" creationId="{37CB827C-B373-1A29-CEDD-EBEDA5028B0E}"/>
+          </ac:spMkLst>
+        </pc:spChg>
+        <pc:spChg chg="del">
+          <ac:chgData name="Martin Garrad" userId="29fa8137-b5d4-4adf-94e3-55aca812c4da" providerId="ADAL" clId="{FE7E3326-2F4E-5A39-AD8A-48BAAAFC5A20}" dt="2025-09-24T11:54:51.402" v="898" actId="478"/>
+          <ac:spMkLst>
+            <pc:docMk/>
+            <pc:sldMk cId="3765792024" sldId="301"/>
+            <ac:spMk id="15" creationId="{3BEBF157-65D4-FF9D-EAB9-800B1969AFD4}"/>
+          </ac:spMkLst>
+        </pc:spChg>
+        <pc:spChg chg="del">
+          <ac:chgData name="Martin Garrad" userId="29fa8137-b5d4-4adf-94e3-55aca812c4da" providerId="ADAL" clId="{FE7E3326-2F4E-5A39-AD8A-48BAAAFC5A20}" dt="2025-09-24T11:54:51.402" v="898" actId="478"/>
+          <ac:spMkLst>
+            <pc:docMk/>
+            <pc:sldMk cId="3765792024" sldId="301"/>
+            <ac:spMk id="16" creationId="{2ABF8661-1096-4509-E2BC-33010F5D7818}"/>
+          </ac:spMkLst>
+        </pc:spChg>
+        <pc:spChg chg="del">
+          <ac:chgData name="Martin Garrad" userId="29fa8137-b5d4-4adf-94e3-55aca812c4da" providerId="ADAL" clId="{FE7E3326-2F4E-5A39-AD8A-48BAAAFC5A20}" dt="2025-09-24T11:54:51.402" v="898" actId="478"/>
+          <ac:spMkLst>
+            <pc:docMk/>
+            <pc:sldMk cId="3765792024" sldId="301"/>
+            <ac:spMk id="17" creationId="{681F9906-0B69-B25F-E30E-C42EFA0358BD}"/>
+          </ac:spMkLst>
+        </pc:spChg>
+        <pc:spChg chg="mod">
+          <ac:chgData name="Martin Garrad" userId="29fa8137-b5d4-4adf-94e3-55aca812c4da" providerId="ADAL" clId="{FE7E3326-2F4E-5A39-AD8A-48BAAAFC5A20}" dt="2025-09-24T11:54:58.998" v="899" actId="12789"/>
+          <ac:spMkLst>
+            <pc:docMk/>
+            <pc:sldMk cId="3765792024" sldId="301"/>
+            <ac:spMk id="18" creationId="{9BA30C45-F29A-6574-B8E3-9214A8AD2610}"/>
+          </ac:spMkLst>
+        </pc:spChg>
+        <pc:spChg chg="del">
+          <ac:chgData name="Martin Garrad" userId="29fa8137-b5d4-4adf-94e3-55aca812c4da" providerId="ADAL" clId="{FE7E3326-2F4E-5A39-AD8A-48BAAAFC5A20}" dt="2025-09-24T11:54:51.402" v="898" actId="478"/>
+          <ac:spMkLst>
+            <pc:docMk/>
+            <pc:sldMk cId="3765792024" sldId="301"/>
+            <ac:spMk id="19" creationId="{8507CBA2-3A66-462C-1E05-0E519AF751A8}"/>
+          </ac:spMkLst>
+        </pc:spChg>
+        <pc:spChg chg="del">
+          <ac:chgData name="Martin Garrad" userId="29fa8137-b5d4-4adf-94e3-55aca812c4da" providerId="ADAL" clId="{FE7E3326-2F4E-5A39-AD8A-48BAAAFC5A20}" dt="2025-09-24T11:54:51.402" v="898" actId="478"/>
+          <ac:spMkLst>
+            <pc:docMk/>
+            <pc:sldMk cId="3765792024" sldId="301"/>
+            <ac:spMk id="21" creationId="{FF00F40E-5E95-6015-C259-A3FE7AEA5D40}"/>
+          </ac:spMkLst>
+        </pc:spChg>
+        <pc:spChg chg="del">
+          <ac:chgData name="Martin Garrad" userId="29fa8137-b5d4-4adf-94e3-55aca812c4da" providerId="ADAL" clId="{FE7E3326-2F4E-5A39-AD8A-48BAAAFC5A20}" dt="2025-09-24T11:54:51.402" v="898" actId="478"/>
+          <ac:spMkLst>
+            <pc:docMk/>
+            <pc:sldMk cId="3765792024" sldId="301"/>
+            <ac:spMk id="23" creationId="{2AAF34E5-E943-5189-BC4A-8093096339B4}"/>
+          </ac:spMkLst>
+        </pc:spChg>
+        <pc:spChg chg="del">
+          <ac:chgData name="Martin Garrad" userId="29fa8137-b5d4-4adf-94e3-55aca812c4da" providerId="ADAL" clId="{FE7E3326-2F4E-5A39-AD8A-48BAAAFC5A20}" dt="2025-09-24T11:54:51.402" v="898" actId="478"/>
+          <ac:spMkLst>
+            <pc:docMk/>
+            <pc:sldMk cId="3765792024" sldId="301"/>
+            <ac:spMk id="24" creationId="{7426F19D-F64B-B998-F4EF-A152D28A6A45}"/>
+          </ac:spMkLst>
+        </pc:spChg>
+        <pc:cxnChg chg="add mod">
+          <ac:chgData name="Martin Garrad" userId="29fa8137-b5d4-4adf-94e3-55aca812c4da" providerId="ADAL" clId="{FE7E3326-2F4E-5A39-AD8A-48BAAAFC5A20}" dt="2025-09-24T11:54:58.998" v="899" actId="12789"/>
+          <ac:cxnSpMkLst>
+            <pc:docMk/>
+            <pc:sldMk cId="3765792024" sldId="301"/>
+            <ac:cxnSpMk id="8" creationId="{03B971EF-6EC3-B04D-DAD7-F60C64FD61DF}"/>
+          </ac:cxnSpMkLst>
+        </pc:cxnChg>
+        <pc:cxnChg chg="mod">
+          <ac:chgData name="Martin Garrad" userId="29fa8137-b5d4-4adf-94e3-55aca812c4da" providerId="ADAL" clId="{FE7E3326-2F4E-5A39-AD8A-48BAAAFC5A20}" dt="2025-09-24T11:54:58.998" v="899" actId="12789"/>
+          <ac:cxnSpMkLst>
+            <pc:docMk/>
+            <pc:sldMk cId="3765792024" sldId="301"/>
+            <ac:cxnSpMk id="20" creationId="{B7F966EF-9DFD-3E5D-6C17-B32251857242}"/>
+          </ac:cxnSpMkLst>
+        </pc:cxnChg>
+        <pc:cxnChg chg="mod">
+          <ac:chgData name="Martin Garrad" userId="29fa8137-b5d4-4adf-94e3-55aca812c4da" providerId="ADAL" clId="{FE7E3326-2F4E-5A39-AD8A-48BAAAFC5A20}" dt="2025-09-24T11:54:58.998" v="899" actId="12789"/>
+          <ac:cxnSpMkLst>
+            <pc:docMk/>
+            <pc:sldMk cId="3765792024" sldId="301"/>
+            <ac:cxnSpMk id="22" creationId="{88D0AFD8-040B-89D7-F652-E0AC01E3E863}"/>
+          </ac:cxnSpMkLst>
+        </pc:cxnChg>
+        <pc:cxnChg chg="mod">
+          <ac:chgData name="Martin Garrad" userId="29fa8137-b5d4-4adf-94e3-55aca812c4da" providerId="ADAL" clId="{FE7E3326-2F4E-5A39-AD8A-48BAAAFC5A20}" dt="2025-09-24T11:54:58.998" v="899" actId="12789"/>
+          <ac:cxnSpMkLst>
+            <pc:docMk/>
+            <pc:sldMk cId="3765792024" sldId="301"/>
+            <ac:cxnSpMk id="26" creationId="{93CC1D0D-2EBF-CA36-5A28-946DF8B5DBF2}"/>
+          </ac:cxnSpMkLst>
+        </pc:cxnChg>
+        <pc:cxnChg chg="del">
+          <ac:chgData name="Martin Garrad" userId="29fa8137-b5d4-4adf-94e3-55aca812c4da" providerId="ADAL" clId="{FE7E3326-2F4E-5A39-AD8A-48BAAAFC5A20}" dt="2025-09-24T11:54:12.707" v="887" actId="478"/>
+          <ac:cxnSpMkLst>
+            <pc:docMk/>
+            <pc:sldMk cId="3765792024" sldId="301"/>
+            <ac:cxnSpMk id="27" creationId="{74A5B904-DAE3-0F6E-1FCC-F87E93FD4971}"/>
+          </ac:cxnSpMkLst>
+        </pc:cxnChg>
+        <pc:cxnChg chg="del">
+          <ac:chgData name="Martin Garrad" userId="29fa8137-b5d4-4adf-94e3-55aca812c4da" providerId="ADAL" clId="{FE7E3326-2F4E-5A39-AD8A-48BAAAFC5A20}" dt="2025-09-24T11:54:17.442" v="890" actId="478"/>
+          <ac:cxnSpMkLst>
+            <pc:docMk/>
+            <pc:sldMk cId="3765792024" sldId="301"/>
+            <ac:cxnSpMk id="28" creationId="{1AB9875B-7F84-E2E6-3EFE-E1CBE6FA0BDE}"/>
+          </ac:cxnSpMkLst>
+        </pc:cxnChg>
+        <pc:cxnChg chg="del">
+          <ac:chgData name="Martin Garrad" userId="29fa8137-b5d4-4adf-94e3-55aca812c4da" providerId="ADAL" clId="{FE7E3326-2F4E-5A39-AD8A-48BAAAFC5A20}" dt="2025-09-24T11:54:11.273" v="886" actId="478"/>
+          <ac:cxnSpMkLst>
+            <pc:docMk/>
+            <pc:sldMk cId="3765792024" sldId="301"/>
+            <ac:cxnSpMk id="29" creationId="{19578762-89FC-A643-8AA2-9C347FAD93A0}"/>
+          </ac:cxnSpMkLst>
+        </pc:cxnChg>
+        <pc:cxnChg chg="del">
+          <ac:chgData name="Martin Garrad" userId="29fa8137-b5d4-4adf-94e3-55aca812c4da" providerId="ADAL" clId="{FE7E3326-2F4E-5A39-AD8A-48BAAAFC5A20}" dt="2025-09-24T11:54:16.573" v="889" actId="478"/>
+          <ac:cxnSpMkLst>
+            <pc:docMk/>
+            <pc:sldMk cId="3765792024" sldId="301"/>
+            <ac:cxnSpMk id="31" creationId="{8DDD32DC-6565-FF64-B5B5-D2F3A09E84DA}"/>
+          </ac:cxnSpMkLst>
+        </pc:cxnChg>
+        <pc:cxnChg chg="del">
+          <ac:chgData name="Martin Garrad" userId="29fa8137-b5d4-4adf-94e3-55aca812c4da" providerId="ADAL" clId="{FE7E3326-2F4E-5A39-AD8A-48BAAAFC5A20}" dt="2025-09-24T11:54:51.402" v="898" actId="478"/>
+          <ac:cxnSpMkLst>
+            <pc:docMk/>
+            <pc:sldMk cId="3765792024" sldId="301"/>
+            <ac:cxnSpMk id="32" creationId="{085874BD-BFC9-D711-73FB-FC549E148693}"/>
+          </ac:cxnSpMkLst>
+        </pc:cxnChg>
+        <pc:cxnChg chg="del">
+          <ac:chgData name="Martin Garrad" userId="29fa8137-b5d4-4adf-94e3-55aca812c4da" providerId="ADAL" clId="{FE7E3326-2F4E-5A39-AD8A-48BAAAFC5A20}" dt="2025-09-24T11:54:51.402" v="898" actId="478"/>
+          <ac:cxnSpMkLst>
+            <pc:docMk/>
+            <pc:sldMk cId="3765792024" sldId="301"/>
+            <ac:cxnSpMk id="36" creationId="{4395FD17-E59F-ECE1-1E0E-0BC97E1D4F5D}"/>
+          </ac:cxnSpMkLst>
+        </pc:cxnChg>
+        <pc:cxnChg chg="mod">
+          <ac:chgData name="Martin Garrad" userId="29fa8137-b5d4-4adf-94e3-55aca812c4da" providerId="ADAL" clId="{FE7E3326-2F4E-5A39-AD8A-48BAAAFC5A20}" dt="2025-09-24T11:54:58.998" v="899" actId="12789"/>
+          <ac:cxnSpMkLst>
+            <pc:docMk/>
+            <pc:sldMk cId="3765792024" sldId="301"/>
+            <ac:cxnSpMk id="38" creationId="{D9D604DF-A66B-5735-1F5C-E61721CD2E4F}"/>
+          </ac:cxnSpMkLst>
+        </pc:cxnChg>
+        <pc:cxnChg chg="del">
+          <ac:chgData name="Martin Garrad" userId="29fa8137-b5d4-4adf-94e3-55aca812c4da" providerId="ADAL" clId="{FE7E3326-2F4E-5A39-AD8A-48BAAAFC5A20}" dt="2025-09-24T11:54:10.587" v="885" actId="478"/>
+          <ac:cxnSpMkLst>
+            <pc:docMk/>
+            <pc:sldMk cId="3765792024" sldId="301"/>
+            <ac:cxnSpMk id="39" creationId="{8434E539-2C14-BA52-0614-52DFCBABB395}"/>
+          </ac:cxnSpMkLst>
+        </pc:cxnChg>
+        <pc:cxnChg chg="del">
+          <ac:chgData name="Martin Garrad" userId="29fa8137-b5d4-4adf-94e3-55aca812c4da" providerId="ADAL" clId="{FE7E3326-2F4E-5A39-AD8A-48BAAAFC5A20}" dt="2025-09-24T11:54:09.610" v="884" actId="478"/>
+          <ac:cxnSpMkLst>
+            <pc:docMk/>
+            <pc:sldMk cId="3765792024" sldId="301"/>
+            <ac:cxnSpMk id="41" creationId="{84DAA8A6-A1FB-FC5C-20E7-1366EBD3DB75}"/>
+          </ac:cxnSpMkLst>
+        </pc:cxnChg>
+        <pc:cxnChg chg="del">
+          <ac:chgData name="Martin Garrad" userId="29fa8137-b5d4-4adf-94e3-55aca812c4da" providerId="ADAL" clId="{FE7E3326-2F4E-5A39-AD8A-48BAAAFC5A20}" dt="2025-09-24T11:54:51.402" v="898" actId="478"/>
+          <ac:cxnSpMkLst>
+            <pc:docMk/>
+            <pc:sldMk cId="3765792024" sldId="301"/>
+            <ac:cxnSpMk id="45" creationId="{307C0BBD-E4DE-14A8-1AE6-ECE032F8CFD6}"/>
+          </ac:cxnSpMkLst>
+        </pc:cxnChg>
+      </pc:sldChg>
+      <pc:sldChg chg="addSp delSp modSp add mod">
+        <pc:chgData name="Martin Garrad" userId="29fa8137-b5d4-4adf-94e3-55aca812c4da" providerId="ADAL" clId="{FE7E3326-2F4E-5A39-AD8A-48BAAAFC5A20}" dt="2025-09-24T12:35:47.826" v="1423" actId="20577"/>
+        <pc:sldMkLst>
+          <pc:docMk/>
+          <pc:sldMk cId="3329769779" sldId="302"/>
+        </pc:sldMkLst>
+        <pc:spChg chg="mod">
+          <ac:chgData name="Martin Garrad" userId="29fa8137-b5d4-4adf-94e3-55aca812c4da" providerId="ADAL" clId="{FE7E3326-2F4E-5A39-AD8A-48BAAAFC5A20}" dt="2025-09-24T12:35:47.826" v="1423" actId="20577"/>
+          <ac:spMkLst>
+            <pc:docMk/>
+            <pc:sldMk cId="3329769779" sldId="302"/>
+            <ac:spMk id="7" creationId="{52F7D07C-605F-0789-D6E5-F480E86D0E9A}"/>
+          </ac:spMkLst>
+        </pc:spChg>
+        <pc:spChg chg="mod">
+          <ac:chgData name="Martin Garrad" userId="29fa8137-b5d4-4adf-94e3-55aca812c4da" providerId="ADAL" clId="{FE7E3326-2F4E-5A39-AD8A-48BAAAFC5A20}" dt="2025-09-24T12:24:47.348" v="1200"/>
+          <ac:spMkLst>
+            <pc:docMk/>
+            <pc:sldMk cId="3329769779" sldId="302"/>
+            <ac:spMk id="8" creationId="{983B35AE-5CD7-73D3-1F26-313B640EBB98}"/>
+          </ac:spMkLst>
+        </pc:spChg>
+        <pc:spChg chg="del">
+          <ac:chgData name="Martin Garrad" userId="29fa8137-b5d4-4adf-94e3-55aca812c4da" providerId="ADAL" clId="{FE7E3326-2F4E-5A39-AD8A-48BAAAFC5A20}" dt="2025-09-24T12:22:32.795" v="1190" actId="478"/>
+          <ac:spMkLst>
+            <pc:docMk/>
+            <pc:sldMk cId="3329769779" sldId="302"/>
+            <ac:spMk id="9" creationId="{55C7AAFF-8AB8-B374-5DFE-2600D77D1518}"/>
+          </ac:spMkLst>
+        </pc:spChg>
+        <pc:spChg chg="mod">
+          <ac:chgData name="Martin Garrad" userId="29fa8137-b5d4-4adf-94e3-55aca812c4da" providerId="ADAL" clId="{FE7E3326-2F4E-5A39-AD8A-48BAAAFC5A20}" dt="2025-09-24T12:24:47.348" v="1200"/>
+          <ac:spMkLst>
+            <pc:docMk/>
+            <pc:sldMk cId="3329769779" sldId="302"/>
+            <ac:spMk id="10" creationId="{79CFF80B-345F-E631-5985-8653B699455A}"/>
+          </ac:spMkLst>
+        </pc:spChg>
+        <pc:spChg chg="mod">
+          <ac:chgData name="Martin Garrad" userId="29fa8137-b5d4-4adf-94e3-55aca812c4da" providerId="ADAL" clId="{FE7E3326-2F4E-5A39-AD8A-48BAAAFC5A20}" dt="2025-09-24T12:24:47.348" v="1200"/>
+          <ac:spMkLst>
+            <pc:docMk/>
+            <pc:sldMk cId="3329769779" sldId="302"/>
+            <ac:spMk id="15" creationId="{2570723E-883F-7D0C-1E10-4AAEC40D792B}"/>
+          </ac:spMkLst>
+        </pc:spChg>
+        <pc:spChg chg="mod">
+          <ac:chgData name="Martin Garrad" userId="29fa8137-b5d4-4adf-94e3-55aca812c4da" providerId="ADAL" clId="{FE7E3326-2F4E-5A39-AD8A-48BAAAFC5A20}" dt="2025-09-24T12:24:47.348" v="1200"/>
+          <ac:spMkLst>
+            <pc:docMk/>
+            <pc:sldMk cId="3329769779" sldId="302"/>
+            <ac:spMk id="16" creationId="{B8882A41-C50F-83F8-3558-0B7AC8C16441}"/>
+          </ac:spMkLst>
+        </pc:spChg>
+        <pc:spChg chg="mod">
+          <ac:chgData name="Martin Garrad" userId="29fa8137-b5d4-4adf-94e3-55aca812c4da" providerId="ADAL" clId="{FE7E3326-2F4E-5A39-AD8A-48BAAAFC5A20}" dt="2025-09-24T12:24:47.348" v="1200"/>
+          <ac:spMkLst>
+            <pc:docMk/>
+            <pc:sldMk cId="3329769779" sldId="302"/>
+            <ac:spMk id="17" creationId="{AACADB45-A1D1-5B4E-2C8A-758D7F74380B}"/>
+          </ac:spMkLst>
+        </pc:spChg>
+        <pc:spChg chg="mod">
+          <ac:chgData name="Martin Garrad" userId="29fa8137-b5d4-4adf-94e3-55aca812c4da" providerId="ADAL" clId="{FE7E3326-2F4E-5A39-AD8A-48BAAAFC5A20}" dt="2025-09-24T12:24:47.348" v="1200"/>
+          <ac:spMkLst>
+            <pc:docMk/>
+            <pc:sldMk cId="3329769779" sldId="302"/>
+            <ac:spMk id="18" creationId="{6A9076C2-B149-4D56-2B6D-42B15EB4178F}"/>
+          </ac:spMkLst>
+        </pc:spChg>
+        <pc:spChg chg="mod">
+          <ac:chgData name="Martin Garrad" userId="29fa8137-b5d4-4adf-94e3-55aca812c4da" providerId="ADAL" clId="{FE7E3326-2F4E-5A39-AD8A-48BAAAFC5A20}" dt="2025-09-24T12:24:47.348" v="1200"/>
+          <ac:spMkLst>
+            <pc:docMk/>
+            <pc:sldMk cId="3329769779" sldId="302"/>
+            <ac:spMk id="19" creationId="{285A0A7D-2836-127F-B9B7-2929E618583A}"/>
+          </ac:spMkLst>
+        </pc:spChg>
+        <pc:spChg chg="mod">
+          <ac:chgData name="Martin Garrad" userId="29fa8137-b5d4-4adf-94e3-55aca812c4da" providerId="ADAL" clId="{FE7E3326-2F4E-5A39-AD8A-48BAAAFC5A20}" dt="2025-09-24T12:24:47.348" v="1200"/>
+          <ac:spMkLst>
+            <pc:docMk/>
+            <pc:sldMk cId="3329769779" sldId="302"/>
+            <ac:spMk id="22" creationId="{51C82E45-7FE4-EF64-86AF-9A3E8E7BC040}"/>
+          </ac:spMkLst>
+        </pc:spChg>
+        <pc:spChg chg="mod">
+          <ac:chgData name="Martin Garrad" userId="29fa8137-b5d4-4adf-94e3-55aca812c4da" providerId="ADAL" clId="{FE7E3326-2F4E-5A39-AD8A-48BAAAFC5A20}" dt="2025-09-24T12:24:47.348" v="1200"/>
+          <ac:spMkLst>
+            <pc:docMk/>
+            <pc:sldMk cId="3329769779" sldId="302"/>
+            <ac:spMk id="25" creationId="{9F570706-8C19-C693-3FD7-596E046ABA54}"/>
+          </ac:spMkLst>
+        </pc:spChg>
+        <pc:spChg chg="mod">
+          <ac:chgData name="Martin Garrad" userId="29fa8137-b5d4-4adf-94e3-55aca812c4da" providerId="ADAL" clId="{FE7E3326-2F4E-5A39-AD8A-48BAAAFC5A20}" dt="2025-09-24T12:24:47.348" v="1200"/>
+          <ac:spMkLst>
+            <pc:docMk/>
+            <pc:sldMk cId="3329769779" sldId="302"/>
+            <ac:spMk id="26" creationId="{84DE6233-922D-9ECB-4BCA-C6904408B728}"/>
+          </ac:spMkLst>
+        </pc:spChg>
+        <pc:grpChg chg="mod">
+          <ac:chgData name="Martin Garrad" userId="29fa8137-b5d4-4adf-94e3-55aca812c4da" providerId="ADAL" clId="{FE7E3326-2F4E-5A39-AD8A-48BAAAFC5A20}" dt="2025-09-24T12:24:58.975" v="1202" actId="14100"/>
+          <ac:grpSpMkLst>
+            <pc:docMk/>
+            <pc:sldMk cId="3329769779" sldId="302"/>
+            <ac:grpSpMk id="6" creationId="{9C2AFD8E-2DBF-8C17-0E3D-B9296810448E}"/>
+          </ac:grpSpMkLst>
+        </pc:grpChg>
+        <pc:picChg chg="del">
+          <ac:chgData name="Martin Garrad" userId="29fa8137-b5d4-4adf-94e3-55aca812c4da" providerId="ADAL" clId="{FE7E3326-2F4E-5A39-AD8A-48BAAAFC5A20}" dt="2025-09-24T12:22:30.259" v="1189" actId="478"/>
+          <ac:picMkLst>
+            <pc:docMk/>
+            <pc:sldMk cId="3329769779" sldId="302"/>
+            <ac:picMk id="3" creationId="{9615E968-F316-8D16-DA56-3868EB746FFC}"/>
+          </ac:picMkLst>
+        </pc:picChg>
+        <pc:picChg chg="del">
+          <ac:chgData name="Martin Garrad" userId="29fa8137-b5d4-4adf-94e3-55aca812c4da" providerId="ADAL" clId="{FE7E3326-2F4E-5A39-AD8A-48BAAAFC5A20}" dt="2025-09-24T12:22:29.641" v="1188" actId="478"/>
+          <ac:picMkLst>
+            <pc:docMk/>
+            <pc:sldMk cId="3329769779" sldId="302"/>
+            <ac:picMk id="4" creationId="{D256C1F4-812A-0373-39D9-9949C9547BFA}"/>
+          </ac:picMkLst>
+        </pc:picChg>
+        <pc:picChg chg="del">
+          <ac:chgData name="Martin Garrad" userId="29fa8137-b5d4-4adf-94e3-55aca812c4da" providerId="ADAL" clId="{FE7E3326-2F4E-5A39-AD8A-48BAAAFC5A20}" dt="2025-09-24T12:22:29.244" v="1187" actId="478"/>
+          <ac:picMkLst>
+            <pc:docMk/>
+            <pc:sldMk cId="3329769779" sldId="302"/>
+            <ac:picMk id="5" creationId="{9B6D120D-E65C-7312-76BD-8BB68AE4A4FB}"/>
+          </ac:picMkLst>
+        </pc:picChg>
+        <pc:picChg chg="add del mod">
+          <ac:chgData name="Martin Garrad" userId="29fa8137-b5d4-4adf-94e3-55aca812c4da" providerId="ADAL" clId="{FE7E3326-2F4E-5A39-AD8A-48BAAAFC5A20}" dt="2025-09-24T12:24:09.500" v="1199" actId="478"/>
+          <ac:picMkLst>
+            <pc:docMk/>
+            <pc:sldMk cId="3329769779" sldId="302"/>
+            <ac:picMk id="1026" creationId="{43C3F063-8CFF-666F-87C0-FD50FC21E8AF}"/>
+          </ac:picMkLst>
+        </pc:picChg>
+      </pc:sldChg>
+      <pc:sldChg chg="modSp add mod">
+        <pc:chgData name="Martin Garrad" userId="29fa8137-b5d4-4adf-94e3-55aca812c4da" providerId="ADAL" clId="{FE7E3326-2F4E-5A39-AD8A-48BAAAFC5A20}" dt="2025-09-24T12:31:04.359" v="1418" actId="6549"/>
+        <pc:sldMkLst>
+          <pc:docMk/>
+          <pc:sldMk cId="337175999" sldId="303"/>
+        </pc:sldMkLst>
+        <pc:spChg chg="mod">
+          <ac:chgData name="Martin Garrad" userId="29fa8137-b5d4-4adf-94e3-55aca812c4da" providerId="ADAL" clId="{FE7E3326-2F4E-5A39-AD8A-48BAAAFC5A20}" dt="2025-09-24T12:31:04.359" v="1418" actId="6549"/>
+          <ac:spMkLst>
+            <pc:docMk/>
+            <pc:sldMk cId="337175999" sldId="303"/>
+            <ac:spMk id="40" creationId="{7680F1C2-933E-0BC7-A088-1EB69406BACC}"/>
+          </ac:spMkLst>
+        </pc:spChg>
+      </pc:sldChg>
+      <pc:sldChg chg="add">
+        <pc:chgData name="Martin Garrad" userId="29fa8137-b5d4-4adf-94e3-55aca812c4da" providerId="ADAL" clId="{FE7E3326-2F4E-5A39-AD8A-48BAAAFC5A20}" dt="2025-09-24T12:30:59.145" v="1417" actId="2890"/>
+        <pc:sldMkLst>
+          <pc:docMk/>
+          <pc:sldMk cId="3497437243" sldId="304"/>
+        </pc:sldMkLst>
       </pc:sldChg>
     </pc:docChg>
   </pc:docChgLst>
@@ -283,7 +1319,7 @@
           <a:p>
             <a:fld id="{822FFC1C-5262-4543-9BBE-0C5AA43086FB}" type="datetimeFigureOut">
               <a:rPr lang="en-US" smtClean="0"/>
-              <a:t>8/11/25</a:t>
+              <a:t>9/24/25</a:t>
             </a:fld>
             <a:endParaRPr lang="en-US"/>
           </a:p>
@@ -597,7 +1633,7 @@
           <a:p>
             <a:r>
               <a:rPr lang="en-US" dirty="0"/>
-              <a:t>Key point: Students are used to encountering algorithms in their daily lives- not exotic or incomprehensible, but in fact mundane and ordinary. </a:t>
+              <a:t>~ 5 mins</a:t>
             </a:r>
           </a:p>
         </p:txBody>
@@ -619,7 +1655,7 @@
           <a:p>
             <a:fld id="{CB69EED5-87EA-774C-9B10-AE639F696C4C}" type="slidenum">
               <a:rPr lang="en-US" smtClean="0"/>
-              <a:t>6</a:t>
+              <a:t>2</a:t>
             </a:fld>
             <a:endParaRPr lang="en-US"/>
           </a:p>
@@ -628,7 +1664,7 @@
     </p:spTree>
     <p:extLst>
       <p:ext uri="{BB962C8B-B14F-4D97-AF65-F5344CB8AC3E}">
-        <p14:creationId xmlns:p14="http://schemas.microsoft.com/office/powerpoint/2010/main" val="2072996235"/>
+        <p14:creationId xmlns:p14="http://schemas.microsoft.com/office/powerpoint/2010/main" val="22965163"/>
       </p:ext>
     </p:extLst>
   </p:cSld>
@@ -684,7 +1720,7 @@
           <a:p>
             <a:r>
               <a:rPr lang="en-US" dirty="0"/>
-              <a:t>Introduce idea that this will be done by a child- so choice of “stopping” depends on who is executing the steps!</a:t>
+              <a:t>Key point: Students are used to encountering algorithms in their daily lives- not exotic or incomprehensible, but in fact mundane and ordinary. </a:t>
             </a:r>
           </a:p>
         </p:txBody>
@@ -706,7 +1742,7 @@
           <a:p>
             <a:fld id="{CB69EED5-87EA-774C-9B10-AE639F696C4C}" type="slidenum">
               <a:rPr lang="en-US" smtClean="0"/>
-              <a:t>9</a:t>
+              <a:t>6</a:t>
             </a:fld>
             <a:endParaRPr lang="en-US"/>
           </a:p>
@@ -715,7 +1751,7 @@
     </p:spTree>
     <p:extLst>
       <p:ext uri="{BB962C8B-B14F-4D97-AF65-F5344CB8AC3E}">
-        <p14:creationId xmlns:p14="http://schemas.microsoft.com/office/powerpoint/2010/main" val="2067860636"/>
+        <p14:creationId xmlns:p14="http://schemas.microsoft.com/office/powerpoint/2010/main" val="2072996235"/>
       </p:ext>
     </p:extLst>
   </p:cSld>
@@ -769,14 +1805,7 @@
           <a:bodyPr/>
           <a:lstStyle/>
           <a:p>
-            <a:r>
-              <a:rPr lang="en-US" dirty="0" err="1"/>
-              <a:t>Generalisation</a:t>
-            </a:r>
-            <a:r>
-              <a:rPr lang="en-US" dirty="0"/>
-              <a:t> allows discussion of algorithms with inputs.</a:t>
-            </a:r>
+            <a:endParaRPr lang="en-US" dirty="0"/>
           </a:p>
         </p:txBody>
       </p:sp>
@@ -797,7 +1826,7 @@
           <a:p>
             <a:fld id="{CB69EED5-87EA-774C-9B10-AE639F696C4C}" type="slidenum">
               <a:rPr lang="en-US" smtClean="0"/>
-              <a:t>10</a:t>
+              <a:t>11</a:t>
             </a:fld>
             <a:endParaRPr lang="en-US"/>
           </a:p>
@@ -806,7 +1835,7 @@
     </p:spTree>
     <p:extLst>
       <p:ext uri="{BB962C8B-B14F-4D97-AF65-F5344CB8AC3E}">
-        <p14:creationId xmlns:p14="http://schemas.microsoft.com/office/powerpoint/2010/main" val="52403515"/>
+        <p14:creationId xmlns:p14="http://schemas.microsoft.com/office/powerpoint/2010/main" val="4247998970"/>
       </p:ext>
     </p:extLst>
   </p:cSld>
@@ -860,7 +1889,10 @@
           <a:bodyPr/>
           <a:lstStyle/>
           <a:p>
-            <a:endParaRPr lang="en-US" dirty="0"/>
+            <a:r>
+              <a:rPr lang="en-US" dirty="0"/>
+              <a:t>~ 25 mins to get to this point</a:t>
+            </a:r>
           </a:p>
         </p:txBody>
       </p:sp>
@@ -881,7 +1913,91 @@
           <a:p>
             <a:fld id="{CB69EED5-87EA-774C-9B10-AE639F696C4C}" type="slidenum">
               <a:rPr lang="en-US" smtClean="0"/>
-              <a:t>35</a:t>
+              <a:t>13</a:t>
+            </a:fld>
+            <a:endParaRPr lang="en-US"/>
+          </a:p>
+        </p:txBody>
+      </p:sp>
+    </p:spTree>
+    <p:extLst>
+      <p:ext uri="{BB962C8B-B14F-4D97-AF65-F5344CB8AC3E}">
+        <p14:creationId xmlns:p14="http://schemas.microsoft.com/office/powerpoint/2010/main" val="1759324699"/>
+      </p:ext>
+    </p:extLst>
+  </p:cSld>
+  <p:clrMapOvr>
+    <a:masterClrMapping/>
+  </p:clrMapOvr>
+</p:notes>
+</file>
+
+<file path=ppt/notesSlides/notesSlide5.xml><?xml version="1.0" encoding="utf-8"?>
+<p:notes xmlns:a="http://schemas.openxmlformats.org/drawingml/2006/main" xmlns:r="http://schemas.openxmlformats.org/officeDocument/2006/relationships" xmlns:p="http://schemas.openxmlformats.org/presentationml/2006/main">
+  <p:cSld>
+    <p:spTree>
+      <p:nvGrpSpPr>
+        <p:cNvPr id="1" name=""/>
+        <p:cNvGrpSpPr/>
+        <p:nvPr/>
+      </p:nvGrpSpPr>
+      <p:grpSpPr>
+        <a:xfrm>
+          <a:off x="0" y="0"/>
+          <a:ext cx="0" cy="0"/>
+          <a:chOff x="0" y="0"/>
+          <a:chExt cx="0" cy="0"/>
+        </a:xfrm>
+      </p:grpSpPr>
+      <p:sp>
+        <p:nvSpPr>
+          <p:cNvPr id="2" name="Slide Image Placeholder 1"/>
+          <p:cNvSpPr>
+            <a:spLocks noGrp="1" noRot="1" noChangeAspect="1"/>
+          </p:cNvSpPr>
+          <p:nvPr>
+            <p:ph type="sldImg"/>
+          </p:nvPr>
+        </p:nvSpPr>
+        <p:spPr/>
+      </p:sp>
+      <p:sp>
+        <p:nvSpPr>
+          <p:cNvPr id="3" name="Notes Placeholder 2"/>
+          <p:cNvSpPr>
+            <a:spLocks noGrp="1"/>
+          </p:cNvSpPr>
+          <p:nvPr>
+            <p:ph type="body" idx="1"/>
+          </p:nvPr>
+        </p:nvSpPr>
+        <p:spPr/>
+        <p:txBody>
+          <a:bodyPr/>
+          <a:lstStyle/>
+          <a:p>
+            <a:endParaRPr lang="en-US" dirty="0"/>
+          </a:p>
+        </p:txBody>
+      </p:sp>
+      <p:sp>
+        <p:nvSpPr>
+          <p:cNvPr id="4" name="Slide Number Placeholder 3"/>
+          <p:cNvSpPr>
+            <a:spLocks noGrp="1"/>
+          </p:cNvSpPr>
+          <p:nvPr>
+            <p:ph type="sldNum" sz="quarter" idx="5"/>
+          </p:nvPr>
+        </p:nvSpPr>
+        <p:spPr/>
+        <p:txBody>
+          <a:bodyPr/>
+          <a:lstStyle/>
+          <a:p>
+            <a:fld id="{CB69EED5-87EA-774C-9B10-AE639F696C4C}" type="slidenum">
+              <a:rPr lang="en-US" smtClean="0"/>
+              <a:t>39</a:t>
             </a:fld>
             <a:endParaRPr lang="en-US"/>
           </a:p>
@@ -891,6 +2007,114 @@
     <p:extLst>
       <p:ext uri="{BB962C8B-B14F-4D97-AF65-F5344CB8AC3E}">
         <p14:creationId xmlns:p14="http://schemas.microsoft.com/office/powerpoint/2010/main" val="523352997"/>
+      </p:ext>
+    </p:extLst>
+  </p:cSld>
+  <p:clrMapOvr>
+    <a:masterClrMapping/>
+  </p:clrMapOvr>
+</p:notes>
+</file>
+
+<file path=ppt/notesSlides/notesSlide6.xml><?xml version="1.0" encoding="utf-8"?>
+<p:notes xmlns:a="http://schemas.openxmlformats.org/drawingml/2006/main" xmlns:r="http://schemas.openxmlformats.org/officeDocument/2006/relationships" xmlns:p="http://schemas.openxmlformats.org/presentationml/2006/main">
+  <p:cSld>
+    <p:spTree>
+      <p:nvGrpSpPr>
+        <p:cNvPr id="1" name="">
+          <a:extLst>
+            <a:ext uri="{FF2B5EF4-FFF2-40B4-BE49-F238E27FC236}">
+              <a16:creationId xmlns:a16="http://schemas.microsoft.com/office/drawing/2014/main" id="{56457187-418E-3E00-FC5C-2565A313E99D}"/>
+            </a:ext>
+          </a:extLst>
+        </p:cNvPr>
+        <p:cNvGrpSpPr/>
+        <p:nvPr/>
+      </p:nvGrpSpPr>
+      <p:grpSpPr>
+        <a:xfrm>
+          <a:off x="0" y="0"/>
+          <a:ext cx="0" cy="0"/>
+          <a:chOff x="0" y="0"/>
+          <a:chExt cx="0" cy="0"/>
+        </a:xfrm>
+      </p:grpSpPr>
+      <p:sp>
+        <p:nvSpPr>
+          <p:cNvPr id="2" name="Slide Image Placeholder 1">
+            <a:extLst>
+              <a:ext uri="{FF2B5EF4-FFF2-40B4-BE49-F238E27FC236}">
+                <a16:creationId xmlns:a16="http://schemas.microsoft.com/office/drawing/2014/main" id="{A408B3FE-A5A3-1AAA-DE8E-A835EB1620D8}"/>
+              </a:ext>
+            </a:extLst>
+          </p:cNvPr>
+          <p:cNvSpPr>
+            <a:spLocks noGrp="1" noRot="1" noChangeAspect="1"/>
+          </p:cNvSpPr>
+          <p:nvPr>
+            <p:ph type="sldImg"/>
+          </p:nvPr>
+        </p:nvSpPr>
+        <p:spPr/>
+      </p:sp>
+      <p:sp>
+        <p:nvSpPr>
+          <p:cNvPr id="3" name="Notes Placeholder 2">
+            <a:extLst>
+              <a:ext uri="{FF2B5EF4-FFF2-40B4-BE49-F238E27FC236}">
+                <a16:creationId xmlns:a16="http://schemas.microsoft.com/office/drawing/2014/main" id="{B27AC7E2-0C4F-1E7C-859E-7F5807683888}"/>
+              </a:ext>
+            </a:extLst>
+          </p:cNvPr>
+          <p:cNvSpPr>
+            <a:spLocks noGrp="1"/>
+          </p:cNvSpPr>
+          <p:nvPr>
+            <p:ph type="body" idx="1"/>
+          </p:nvPr>
+        </p:nvSpPr>
+        <p:spPr/>
+        <p:txBody>
+          <a:bodyPr/>
+          <a:lstStyle/>
+          <a:p>
+            <a:endParaRPr lang="en-US" dirty="0"/>
+          </a:p>
+        </p:txBody>
+      </p:sp>
+      <p:sp>
+        <p:nvSpPr>
+          <p:cNvPr id="4" name="Slide Number Placeholder 3">
+            <a:extLst>
+              <a:ext uri="{FF2B5EF4-FFF2-40B4-BE49-F238E27FC236}">
+                <a16:creationId xmlns:a16="http://schemas.microsoft.com/office/drawing/2014/main" id="{DB49F938-319A-55BC-997F-8F665D516B1F}"/>
+              </a:ext>
+            </a:extLst>
+          </p:cNvPr>
+          <p:cNvSpPr>
+            <a:spLocks noGrp="1"/>
+          </p:cNvSpPr>
+          <p:nvPr>
+            <p:ph type="sldNum" sz="quarter" idx="5"/>
+          </p:nvPr>
+        </p:nvSpPr>
+        <p:spPr/>
+        <p:txBody>
+          <a:bodyPr/>
+          <a:lstStyle/>
+          <a:p>
+            <a:fld id="{CB69EED5-87EA-774C-9B10-AE639F696C4C}" type="slidenum">
+              <a:rPr lang="en-US" smtClean="0"/>
+              <a:t>40</a:t>
+            </a:fld>
+            <a:endParaRPr lang="en-US"/>
+          </a:p>
+        </p:txBody>
+      </p:sp>
+    </p:spTree>
+    <p:extLst>
+      <p:ext uri="{BB962C8B-B14F-4D97-AF65-F5344CB8AC3E}">
+        <p14:creationId xmlns:p14="http://schemas.microsoft.com/office/powerpoint/2010/main" val="231877661"/>
       </p:ext>
     </p:extLst>
   </p:cSld>
@@ -1049,7 +2273,7 @@
           <a:p>
             <a:fld id="{12CB69F8-D140-384A-AC86-0BBD87A381F0}" type="datetimeFigureOut">
               <a:rPr lang="en-US" smtClean="0"/>
-              <a:t>8/11/25</a:t>
+              <a:t>9/24/25</a:t>
             </a:fld>
             <a:endParaRPr lang="en-US"/>
           </a:p>
@@ -1249,7 +2473,7 @@
           <a:p>
             <a:fld id="{12CB69F8-D140-384A-AC86-0BBD87A381F0}" type="datetimeFigureOut">
               <a:rPr lang="en-US" smtClean="0"/>
-              <a:t>8/11/25</a:t>
+              <a:t>9/24/25</a:t>
             </a:fld>
             <a:endParaRPr lang="en-US"/>
           </a:p>
@@ -1459,7 +2683,7 @@
           <a:p>
             <a:fld id="{12CB69F8-D140-384A-AC86-0BBD87A381F0}" type="datetimeFigureOut">
               <a:rPr lang="en-US" smtClean="0"/>
-              <a:t>8/11/25</a:t>
+              <a:t>9/24/25</a:t>
             </a:fld>
             <a:endParaRPr lang="en-US"/>
           </a:p>
@@ -1659,7 +2883,7 @@
           <a:p>
             <a:fld id="{12CB69F8-D140-384A-AC86-0BBD87A381F0}" type="datetimeFigureOut">
               <a:rPr lang="en-US" smtClean="0"/>
-              <a:t>8/11/25</a:t>
+              <a:t>9/24/25</a:t>
             </a:fld>
             <a:endParaRPr lang="en-US"/>
           </a:p>
@@ -1935,7 +3159,7 @@
           <a:p>
             <a:fld id="{12CB69F8-D140-384A-AC86-0BBD87A381F0}" type="datetimeFigureOut">
               <a:rPr lang="en-US" smtClean="0"/>
-              <a:t>8/11/25</a:t>
+              <a:t>9/24/25</a:t>
             </a:fld>
             <a:endParaRPr lang="en-US"/>
           </a:p>
@@ -2203,7 +3427,7 @@
           <a:p>
             <a:fld id="{12CB69F8-D140-384A-AC86-0BBD87A381F0}" type="datetimeFigureOut">
               <a:rPr lang="en-US" smtClean="0"/>
-              <a:t>8/11/25</a:t>
+              <a:t>9/24/25</a:t>
             </a:fld>
             <a:endParaRPr lang="en-US"/>
           </a:p>
@@ -2618,7 +3842,7 @@
           <a:p>
             <a:fld id="{12CB69F8-D140-384A-AC86-0BBD87A381F0}" type="datetimeFigureOut">
               <a:rPr lang="en-US" smtClean="0"/>
-              <a:t>8/11/25</a:t>
+              <a:t>9/24/25</a:t>
             </a:fld>
             <a:endParaRPr lang="en-US"/>
           </a:p>
@@ -2760,7 +3984,7 @@
           <a:p>
             <a:fld id="{12CB69F8-D140-384A-AC86-0BBD87A381F0}" type="datetimeFigureOut">
               <a:rPr lang="en-US" smtClean="0"/>
-              <a:t>8/11/25</a:t>
+              <a:t>9/24/25</a:t>
             </a:fld>
             <a:endParaRPr lang="en-US"/>
           </a:p>
@@ -2873,7 +4097,7 @@
           <a:p>
             <a:fld id="{12CB69F8-D140-384A-AC86-0BBD87A381F0}" type="datetimeFigureOut">
               <a:rPr lang="en-US" smtClean="0"/>
-              <a:t>8/11/25</a:t>
+              <a:t>9/24/25</a:t>
             </a:fld>
             <a:endParaRPr lang="en-US"/>
           </a:p>
@@ -3186,7 +4410,7 @@
           <a:p>
             <a:fld id="{12CB69F8-D140-384A-AC86-0BBD87A381F0}" type="datetimeFigureOut">
               <a:rPr lang="en-US" smtClean="0"/>
-              <a:t>8/11/25</a:t>
+              <a:t>9/24/25</a:t>
             </a:fld>
             <a:endParaRPr lang="en-US"/>
           </a:p>
@@ -3475,7 +4699,7 @@
           <a:p>
             <a:fld id="{12CB69F8-D140-384A-AC86-0BBD87A381F0}" type="datetimeFigureOut">
               <a:rPr lang="en-US" smtClean="0"/>
-              <a:t>8/11/25</a:t>
+              <a:t>9/24/25</a:t>
             </a:fld>
             <a:endParaRPr lang="en-US"/>
           </a:p>
@@ -3718,7 +4942,7 @@
           <a:p>
             <a:fld id="{12CB69F8-D140-384A-AC86-0BBD87A381F0}" type="datetimeFigureOut">
               <a:rPr lang="en-US" smtClean="0"/>
-              <a:t>8/11/25</a:t>
+              <a:t>9/24/25</a:t>
             </a:fld>
             <a:endParaRPr lang="en-US"/>
           </a:p>
@@ -4218,7 +5442,7 @@
         <p:cNvPr id="1" name="">
           <a:extLst>
             <a:ext uri="{FF2B5EF4-FFF2-40B4-BE49-F238E27FC236}">
-              <a16:creationId xmlns:a16="http://schemas.microsoft.com/office/drawing/2014/main" id="{CD6B4285-4FF0-4EBC-B96A-B084D27C0DA7}"/>
+              <a16:creationId xmlns:a16="http://schemas.microsoft.com/office/drawing/2014/main" id="{DD6FAD40-F7E2-0D67-FBAC-42FBFE829EBD}"/>
             </a:ext>
           </a:extLst>
         </p:cNvPr>
@@ -4238,7 +5462,7 @@
           <p:cNvPr id="2" name="Title 1">
             <a:extLst>
               <a:ext uri="{FF2B5EF4-FFF2-40B4-BE49-F238E27FC236}">
-                <a16:creationId xmlns:a16="http://schemas.microsoft.com/office/drawing/2014/main" id="{2D9F68C5-2B60-6096-7A45-63850D79D233}"/>
+                <a16:creationId xmlns:a16="http://schemas.microsoft.com/office/drawing/2014/main" id="{4C02B6B2-70E0-48BA-73D7-D240286C4F77}"/>
               </a:ext>
             </a:extLst>
           </p:cNvPr>
@@ -4266,7 +5490,7 @@
           <p:cNvPr id="3" name="Content Placeholder 2">
             <a:extLst>
               <a:ext uri="{FF2B5EF4-FFF2-40B4-BE49-F238E27FC236}">
-                <a16:creationId xmlns:a16="http://schemas.microsoft.com/office/drawing/2014/main" id="{48315230-5FDD-B994-C481-48D8234BD604}"/>
+                <a16:creationId xmlns:a16="http://schemas.microsoft.com/office/drawing/2014/main" id="{D53ADDAC-B5CC-5817-A153-E10BB106ED2E}"/>
               </a:ext>
             </a:extLst>
           </p:cNvPr>
@@ -4277,9 +5501,16 @@
             <p:ph idx="1"/>
           </p:nvPr>
         </p:nvSpPr>
-        <p:spPr/>
+        <p:spPr>
+          <a:xfrm>
+            <a:off x="752110" y="1704025"/>
+            <a:ext cx="10515600" cy="4351338"/>
+          </a:xfrm>
+        </p:spPr>
         <p:txBody>
-          <a:bodyPr/>
+          <a:bodyPr>
+            <a:normAutofit/>
+          </a:bodyPr>
           <a:lstStyle/>
           <a:p>
             <a:pPr marL="0" indent="0">
@@ -4287,7 +5518,7 @@
             </a:pPr>
             <a:r>
               <a:rPr lang="en-US" dirty="0"/>
-              <a:t>Let’s write an algorithm for making a ham sandwich. </a:t>
+              <a:t>Example:  An algorithm for making a cup of tea.</a:t>
             </a:r>
           </a:p>
           <a:p>
@@ -4300,18 +5531,7 @@
             <a:pPr marL="0" indent="0">
               <a:buNone/>
             </a:pPr>
-            <a:r>
-              <a:rPr lang="en-US" dirty="0"/>
-              <a:t>How could we </a:t>
-            </a:r>
-            <a:r>
-              <a:rPr lang="en-US" i="1" dirty="0"/>
-              <a:t>generalize</a:t>
-            </a:r>
-            <a:r>
-              <a:rPr lang="en-US" dirty="0"/>
-              <a:t> this algorithm to make any kind of sandwich? </a:t>
-            </a:r>
+            <a:endParaRPr lang="en-US" dirty="0"/>
           </a:p>
           <a:p>
             <a:pPr marL="0" indent="0">
@@ -4319,18 +5539,1303 @@
             </a:pPr>
             <a:endParaRPr lang="en-US" dirty="0"/>
           </a:p>
-          <a:p>
-            <a:pPr marL="0" indent="0">
-              <a:buNone/>
-            </a:pPr>
-            <a:endParaRPr lang="en-US" dirty="0"/>
-          </a:p>
         </p:txBody>
       </p:sp>
+      <p:sp>
+        <p:nvSpPr>
+          <p:cNvPr id="4" name="Rounded Rectangle 3">
+            <a:extLst>
+              <a:ext uri="{FF2B5EF4-FFF2-40B4-BE49-F238E27FC236}">
+                <a16:creationId xmlns:a16="http://schemas.microsoft.com/office/drawing/2014/main" id="{7DC282DC-EDE1-5E91-95D7-FADAD1C763D1}"/>
+              </a:ext>
+            </a:extLst>
+          </p:cNvPr>
+          <p:cNvSpPr/>
+          <p:nvPr/>
+        </p:nvSpPr>
+        <p:spPr>
+          <a:xfrm>
+            <a:off x="838200" y="2583533"/>
+            <a:ext cx="1247773" cy="465992"/>
+          </a:xfrm>
+          <a:prstGeom prst="roundRect">
+            <a:avLst/>
+          </a:prstGeom>
+        </p:spPr>
+        <p:style>
+          <a:lnRef idx="2">
+            <a:schemeClr val="accent6"/>
+          </a:lnRef>
+          <a:fillRef idx="1">
+            <a:schemeClr val="lt1"/>
+          </a:fillRef>
+          <a:effectRef idx="0">
+            <a:schemeClr val="accent6"/>
+          </a:effectRef>
+          <a:fontRef idx="minor">
+            <a:schemeClr val="dk1"/>
+          </a:fontRef>
+        </p:style>
+        <p:txBody>
+          <a:bodyPr rtlCol="0" anchor="ctr"/>
+          <a:lstStyle/>
+          <a:p>
+            <a:pPr algn="ctr"/>
+            <a:r>
+              <a:rPr lang="en-US" dirty="0"/>
+              <a:t>Make tea</a:t>
+            </a:r>
+          </a:p>
+        </p:txBody>
+      </p:sp>
+      <p:sp>
+        <p:nvSpPr>
+          <p:cNvPr id="5" name="Rectangle 4">
+            <a:extLst>
+              <a:ext uri="{FF2B5EF4-FFF2-40B4-BE49-F238E27FC236}">
+                <a16:creationId xmlns:a16="http://schemas.microsoft.com/office/drawing/2014/main" id="{F92FA4B5-13E9-C3C7-CDEB-373B321516F5}"/>
+              </a:ext>
+            </a:extLst>
+          </p:cNvPr>
+          <p:cNvSpPr/>
+          <p:nvPr/>
+        </p:nvSpPr>
+        <p:spPr>
+          <a:xfrm>
+            <a:off x="2776755" y="2354933"/>
+            <a:ext cx="1247773" cy="923192"/>
+          </a:xfrm>
+          <a:prstGeom prst="rect">
+            <a:avLst/>
+          </a:prstGeom>
+        </p:spPr>
+        <p:style>
+          <a:lnRef idx="2">
+            <a:schemeClr val="accent1">
+              <a:shade val="15000"/>
+            </a:schemeClr>
+          </a:lnRef>
+          <a:fillRef idx="1">
+            <a:schemeClr val="accent1"/>
+          </a:fillRef>
+          <a:effectRef idx="0">
+            <a:schemeClr val="accent1"/>
+          </a:effectRef>
+          <a:fontRef idx="minor">
+            <a:schemeClr val="lt1"/>
+          </a:fontRef>
+        </p:style>
+        <p:txBody>
+          <a:bodyPr rtlCol="0" anchor="ctr"/>
+          <a:lstStyle/>
+          <a:p>
+            <a:pPr algn="ctr"/>
+            <a:r>
+              <a:rPr lang="en-US" dirty="0"/>
+              <a:t>Fill kettle with water</a:t>
+            </a:r>
+          </a:p>
+        </p:txBody>
+      </p:sp>
+      <p:sp>
+        <p:nvSpPr>
+          <p:cNvPr id="6" name="Rectangle 5">
+            <a:extLst>
+              <a:ext uri="{FF2B5EF4-FFF2-40B4-BE49-F238E27FC236}">
+                <a16:creationId xmlns:a16="http://schemas.microsoft.com/office/drawing/2014/main" id="{FBD06FBB-D2AE-9CC5-17AA-63BFCA8F268F}"/>
+              </a:ext>
+            </a:extLst>
+          </p:cNvPr>
+          <p:cNvSpPr/>
+          <p:nvPr/>
+        </p:nvSpPr>
+        <p:spPr>
+          <a:xfrm>
+            <a:off x="4715310" y="2365131"/>
+            <a:ext cx="943709" cy="923192"/>
+          </a:xfrm>
+          <a:prstGeom prst="rect">
+            <a:avLst/>
+          </a:prstGeom>
+        </p:spPr>
+        <p:style>
+          <a:lnRef idx="2">
+            <a:schemeClr val="accent1">
+              <a:shade val="15000"/>
+            </a:schemeClr>
+          </a:lnRef>
+          <a:fillRef idx="1">
+            <a:schemeClr val="accent1"/>
+          </a:fillRef>
+          <a:effectRef idx="0">
+            <a:schemeClr val="accent1"/>
+          </a:effectRef>
+          <a:fontRef idx="minor">
+            <a:schemeClr val="lt1"/>
+          </a:fontRef>
+        </p:style>
+        <p:txBody>
+          <a:bodyPr rtlCol="0" anchor="ctr"/>
+          <a:lstStyle/>
+          <a:p>
+            <a:pPr algn="ctr"/>
+            <a:r>
+              <a:rPr lang="en-US" dirty="0"/>
+              <a:t>Turn on kettle</a:t>
+            </a:r>
+          </a:p>
+        </p:txBody>
+      </p:sp>
+      <p:sp>
+        <p:nvSpPr>
+          <p:cNvPr id="9" name="Rectangle 8">
+            <a:extLst>
+              <a:ext uri="{FF2B5EF4-FFF2-40B4-BE49-F238E27FC236}">
+                <a16:creationId xmlns:a16="http://schemas.microsoft.com/office/drawing/2014/main" id="{164133FC-A8A7-EFE0-0AF1-7E4012EB540F}"/>
+              </a:ext>
+            </a:extLst>
+          </p:cNvPr>
+          <p:cNvSpPr/>
+          <p:nvPr/>
+        </p:nvSpPr>
+        <p:spPr>
+          <a:xfrm>
+            <a:off x="6349801" y="2386929"/>
+            <a:ext cx="1249975" cy="923192"/>
+          </a:xfrm>
+          <a:prstGeom prst="rect">
+            <a:avLst/>
+          </a:prstGeom>
+        </p:spPr>
+        <p:style>
+          <a:lnRef idx="2">
+            <a:schemeClr val="accent1">
+              <a:shade val="15000"/>
+            </a:schemeClr>
+          </a:lnRef>
+          <a:fillRef idx="1">
+            <a:schemeClr val="accent1"/>
+          </a:fillRef>
+          <a:effectRef idx="0">
+            <a:schemeClr val="accent1"/>
+          </a:effectRef>
+          <a:fontRef idx="minor">
+            <a:schemeClr val="lt1"/>
+          </a:fontRef>
+        </p:style>
+        <p:txBody>
+          <a:bodyPr rtlCol="0" anchor="ctr"/>
+          <a:lstStyle/>
+          <a:p>
+            <a:pPr algn="ctr"/>
+            <a:r>
+              <a:rPr lang="en-US" dirty="0"/>
+              <a:t>Put teabag in cup</a:t>
+            </a:r>
+          </a:p>
+        </p:txBody>
+      </p:sp>
+      <p:sp>
+        <p:nvSpPr>
+          <p:cNvPr id="10" name="Rectangle 9">
+            <a:extLst>
+              <a:ext uri="{FF2B5EF4-FFF2-40B4-BE49-F238E27FC236}">
+                <a16:creationId xmlns:a16="http://schemas.microsoft.com/office/drawing/2014/main" id="{B8119503-6F6B-79A1-8D84-4C15C5012FA6}"/>
+              </a:ext>
+            </a:extLst>
+          </p:cNvPr>
+          <p:cNvSpPr/>
+          <p:nvPr/>
+        </p:nvSpPr>
+        <p:spPr>
+          <a:xfrm>
+            <a:off x="2776755" y="4205148"/>
+            <a:ext cx="1077788" cy="923192"/>
+          </a:xfrm>
+          <a:prstGeom prst="rect">
+            <a:avLst/>
+          </a:prstGeom>
+        </p:spPr>
+        <p:style>
+          <a:lnRef idx="2">
+            <a:schemeClr val="accent1">
+              <a:shade val="15000"/>
+            </a:schemeClr>
+          </a:lnRef>
+          <a:fillRef idx="1">
+            <a:schemeClr val="accent1"/>
+          </a:fillRef>
+          <a:effectRef idx="0">
+            <a:schemeClr val="accent1"/>
+          </a:effectRef>
+          <a:fontRef idx="minor">
+            <a:schemeClr val="lt1"/>
+          </a:fontRef>
+        </p:style>
+        <p:txBody>
+          <a:bodyPr rtlCol="0" anchor="ctr"/>
+          <a:lstStyle/>
+          <a:p>
+            <a:pPr algn="ctr"/>
+            <a:r>
+              <a:rPr lang="en-US" dirty="0"/>
+              <a:t>Add milk</a:t>
+            </a:r>
+          </a:p>
+        </p:txBody>
+      </p:sp>
+      <p:sp>
+        <p:nvSpPr>
+          <p:cNvPr id="11" name="Decision 10">
+            <a:extLst>
+              <a:ext uri="{FF2B5EF4-FFF2-40B4-BE49-F238E27FC236}">
+                <a16:creationId xmlns:a16="http://schemas.microsoft.com/office/drawing/2014/main" id="{62AF060D-B84D-A90A-E6EF-B8634B339DE6}"/>
+              </a:ext>
+            </a:extLst>
+          </p:cNvPr>
+          <p:cNvSpPr/>
+          <p:nvPr/>
+        </p:nvSpPr>
+        <p:spPr>
+          <a:xfrm>
+            <a:off x="8290558" y="2023023"/>
+            <a:ext cx="1673472" cy="1587012"/>
+          </a:xfrm>
+          <a:prstGeom prst="flowChartDecision">
+            <a:avLst/>
+          </a:prstGeom>
+          <a:solidFill>
+            <a:schemeClr val="accent2"/>
+          </a:solidFill>
+        </p:spPr>
+        <p:style>
+          <a:lnRef idx="2">
+            <a:schemeClr val="accent1">
+              <a:shade val="15000"/>
+            </a:schemeClr>
+          </a:lnRef>
+          <a:fillRef idx="1">
+            <a:schemeClr val="accent1"/>
+          </a:fillRef>
+          <a:effectRef idx="0">
+            <a:schemeClr val="accent1"/>
+          </a:effectRef>
+          <a:fontRef idx="minor">
+            <a:schemeClr val="lt1"/>
+          </a:fontRef>
+        </p:style>
+        <p:txBody>
+          <a:bodyPr rtlCol="0" anchor="ctr"/>
+          <a:lstStyle/>
+          <a:p>
+            <a:pPr algn="ctr"/>
+            <a:r>
+              <a:rPr lang="en-US" dirty="0"/>
+              <a:t>Has kettle boiled?</a:t>
+            </a:r>
+          </a:p>
+        </p:txBody>
+      </p:sp>
+      <p:sp>
+        <p:nvSpPr>
+          <p:cNvPr id="12" name="Rectangle 11">
+            <a:extLst>
+              <a:ext uri="{FF2B5EF4-FFF2-40B4-BE49-F238E27FC236}">
+                <a16:creationId xmlns:a16="http://schemas.microsoft.com/office/drawing/2014/main" id="{7A587BBF-E600-5805-E596-CC8BDA3FA6BA}"/>
+              </a:ext>
+            </a:extLst>
+          </p:cNvPr>
+          <p:cNvSpPr/>
+          <p:nvPr/>
+        </p:nvSpPr>
+        <p:spPr>
+          <a:xfrm>
+            <a:off x="10654811" y="2386929"/>
+            <a:ext cx="1397977" cy="923192"/>
+          </a:xfrm>
+          <a:prstGeom prst="rect">
+            <a:avLst/>
+          </a:prstGeom>
+        </p:spPr>
+        <p:style>
+          <a:lnRef idx="2">
+            <a:schemeClr val="accent1">
+              <a:shade val="15000"/>
+            </a:schemeClr>
+          </a:lnRef>
+          <a:fillRef idx="1">
+            <a:schemeClr val="accent1"/>
+          </a:fillRef>
+          <a:effectRef idx="0">
+            <a:schemeClr val="accent1"/>
+          </a:effectRef>
+          <a:fontRef idx="minor">
+            <a:schemeClr val="lt1"/>
+          </a:fontRef>
+        </p:style>
+        <p:txBody>
+          <a:bodyPr rtlCol="0" anchor="ctr"/>
+          <a:lstStyle/>
+          <a:p>
+            <a:pPr algn="ctr"/>
+            <a:r>
+              <a:rPr lang="en-US" dirty="0"/>
+              <a:t>Wait 30 seconds</a:t>
+            </a:r>
+          </a:p>
+        </p:txBody>
+      </p:sp>
+      <p:sp>
+        <p:nvSpPr>
+          <p:cNvPr id="13" name="Rectangle 12">
+            <a:extLst>
+              <a:ext uri="{FF2B5EF4-FFF2-40B4-BE49-F238E27FC236}">
+                <a16:creationId xmlns:a16="http://schemas.microsoft.com/office/drawing/2014/main" id="{720F0724-92B1-01EB-746F-ABE00008E3B6}"/>
+              </a:ext>
+            </a:extLst>
+          </p:cNvPr>
+          <p:cNvSpPr/>
+          <p:nvPr/>
+        </p:nvSpPr>
+        <p:spPr>
+          <a:xfrm>
+            <a:off x="8629981" y="4230783"/>
+            <a:ext cx="1196301" cy="923192"/>
+          </a:xfrm>
+          <a:prstGeom prst="rect">
+            <a:avLst/>
+          </a:prstGeom>
+        </p:spPr>
+        <p:style>
+          <a:lnRef idx="2">
+            <a:schemeClr val="accent1">
+              <a:shade val="15000"/>
+            </a:schemeClr>
+          </a:lnRef>
+          <a:fillRef idx="1">
+            <a:schemeClr val="accent1"/>
+          </a:fillRef>
+          <a:effectRef idx="0">
+            <a:schemeClr val="accent1"/>
+          </a:effectRef>
+          <a:fontRef idx="minor">
+            <a:schemeClr val="lt1"/>
+          </a:fontRef>
+        </p:style>
+        <p:txBody>
+          <a:bodyPr rtlCol="0" anchor="ctr"/>
+          <a:lstStyle/>
+          <a:p>
+            <a:pPr algn="ctr"/>
+            <a:r>
+              <a:rPr lang="en-US" dirty="0"/>
+              <a:t>Pour water into cup</a:t>
+            </a:r>
+          </a:p>
+        </p:txBody>
+      </p:sp>
+      <p:sp>
+        <p:nvSpPr>
+          <p:cNvPr id="15" name="Decision 14">
+            <a:extLst>
+              <a:ext uri="{FF2B5EF4-FFF2-40B4-BE49-F238E27FC236}">
+                <a16:creationId xmlns:a16="http://schemas.microsoft.com/office/drawing/2014/main" id="{EAB1AAB0-4447-2007-22BE-0E59D4AB3761}"/>
+              </a:ext>
+            </a:extLst>
+          </p:cNvPr>
+          <p:cNvSpPr/>
+          <p:nvPr/>
+        </p:nvSpPr>
+        <p:spPr>
+          <a:xfrm>
+            <a:off x="6077387" y="3874295"/>
+            <a:ext cx="1983396" cy="1587012"/>
+          </a:xfrm>
+          <a:prstGeom prst="flowChartDecision">
+            <a:avLst/>
+          </a:prstGeom>
+          <a:solidFill>
+            <a:schemeClr val="accent2"/>
+          </a:solidFill>
+        </p:spPr>
+        <p:style>
+          <a:lnRef idx="2">
+            <a:schemeClr val="accent1">
+              <a:shade val="15000"/>
+            </a:schemeClr>
+          </a:lnRef>
+          <a:fillRef idx="1">
+            <a:schemeClr val="accent1"/>
+          </a:fillRef>
+          <a:effectRef idx="0">
+            <a:schemeClr val="accent1"/>
+          </a:effectRef>
+          <a:fontRef idx="minor">
+            <a:schemeClr val="lt1"/>
+          </a:fontRef>
+        </p:style>
+        <p:txBody>
+          <a:bodyPr rtlCol="0" anchor="ctr"/>
+          <a:lstStyle/>
+          <a:p>
+            <a:pPr algn="ctr"/>
+            <a:r>
+              <a:rPr lang="en-US" dirty="0"/>
+              <a:t>Has tea steeped?</a:t>
+            </a:r>
+          </a:p>
+        </p:txBody>
+      </p:sp>
+      <p:sp>
+        <p:nvSpPr>
+          <p:cNvPr id="16" name="Rectangle 15">
+            <a:extLst>
+              <a:ext uri="{FF2B5EF4-FFF2-40B4-BE49-F238E27FC236}">
+                <a16:creationId xmlns:a16="http://schemas.microsoft.com/office/drawing/2014/main" id="{93D972C1-B09C-F1BE-95E0-EF9FAEB01346}"/>
+              </a:ext>
+            </a:extLst>
+          </p:cNvPr>
+          <p:cNvSpPr/>
+          <p:nvPr/>
+        </p:nvSpPr>
+        <p:spPr>
+          <a:xfrm>
+            <a:off x="6370095" y="6025481"/>
+            <a:ext cx="1397977" cy="612711"/>
+          </a:xfrm>
+          <a:prstGeom prst="rect">
+            <a:avLst/>
+          </a:prstGeom>
+        </p:spPr>
+        <p:style>
+          <a:lnRef idx="2">
+            <a:schemeClr val="accent1">
+              <a:shade val="15000"/>
+            </a:schemeClr>
+          </a:lnRef>
+          <a:fillRef idx="1">
+            <a:schemeClr val="accent1"/>
+          </a:fillRef>
+          <a:effectRef idx="0">
+            <a:schemeClr val="accent1"/>
+          </a:effectRef>
+          <a:fontRef idx="minor">
+            <a:schemeClr val="lt1"/>
+          </a:fontRef>
+        </p:style>
+        <p:txBody>
+          <a:bodyPr rtlCol="0" anchor="ctr"/>
+          <a:lstStyle/>
+          <a:p>
+            <a:pPr algn="ctr"/>
+            <a:r>
+              <a:rPr lang="en-US" dirty="0"/>
+              <a:t>Wait 10 seconds</a:t>
+            </a:r>
+          </a:p>
+        </p:txBody>
+      </p:sp>
+      <p:sp>
+        <p:nvSpPr>
+          <p:cNvPr id="17" name="Rectangle 16">
+            <a:extLst>
+              <a:ext uri="{FF2B5EF4-FFF2-40B4-BE49-F238E27FC236}">
+                <a16:creationId xmlns:a16="http://schemas.microsoft.com/office/drawing/2014/main" id="{29DF9C24-2369-683B-6228-446F16F450FA}"/>
+              </a:ext>
+            </a:extLst>
+          </p:cNvPr>
+          <p:cNvSpPr/>
+          <p:nvPr/>
+        </p:nvSpPr>
+        <p:spPr>
+          <a:xfrm>
+            <a:off x="4513562" y="4206205"/>
+            <a:ext cx="994627" cy="923192"/>
+          </a:xfrm>
+          <a:prstGeom prst="rect">
+            <a:avLst/>
+          </a:prstGeom>
+        </p:spPr>
+        <p:style>
+          <a:lnRef idx="2">
+            <a:schemeClr val="accent1">
+              <a:shade val="15000"/>
+            </a:schemeClr>
+          </a:lnRef>
+          <a:fillRef idx="1">
+            <a:schemeClr val="accent1"/>
+          </a:fillRef>
+          <a:effectRef idx="0">
+            <a:schemeClr val="accent1"/>
+          </a:effectRef>
+          <a:fontRef idx="minor">
+            <a:schemeClr val="lt1"/>
+          </a:fontRef>
+        </p:style>
+        <p:txBody>
+          <a:bodyPr rtlCol="0" anchor="ctr"/>
+          <a:lstStyle/>
+          <a:p>
+            <a:pPr algn="ctr"/>
+            <a:r>
+              <a:rPr lang="en-US" dirty="0"/>
+              <a:t>Remove teabag</a:t>
+            </a:r>
+          </a:p>
+        </p:txBody>
+      </p:sp>
+      <p:sp>
+        <p:nvSpPr>
+          <p:cNvPr id="18" name="Rounded Rectangle 17">
+            <a:extLst>
+              <a:ext uri="{FF2B5EF4-FFF2-40B4-BE49-F238E27FC236}">
+                <a16:creationId xmlns:a16="http://schemas.microsoft.com/office/drawing/2014/main" id="{B18DE44C-B6BA-53DF-6EC1-CA9C83C7672A}"/>
+              </a:ext>
+            </a:extLst>
+          </p:cNvPr>
+          <p:cNvSpPr/>
+          <p:nvPr/>
+        </p:nvSpPr>
+        <p:spPr>
+          <a:xfrm>
+            <a:off x="752110" y="4341082"/>
+            <a:ext cx="1397977" cy="465992"/>
+          </a:xfrm>
+          <a:prstGeom prst="roundRect">
+            <a:avLst/>
+          </a:prstGeom>
+        </p:spPr>
+        <p:style>
+          <a:lnRef idx="2">
+            <a:schemeClr val="accent6"/>
+          </a:lnRef>
+          <a:fillRef idx="1">
+            <a:schemeClr val="lt1"/>
+          </a:fillRef>
+          <a:effectRef idx="0">
+            <a:schemeClr val="accent6"/>
+          </a:effectRef>
+          <a:fontRef idx="minor">
+            <a:schemeClr val="dk1"/>
+          </a:fontRef>
+        </p:style>
+        <p:txBody>
+          <a:bodyPr rtlCol="0" anchor="ctr"/>
+          <a:lstStyle/>
+          <a:p>
+            <a:pPr algn="ctr"/>
+            <a:r>
+              <a:rPr lang="en-US" dirty="0"/>
+              <a:t>Tea is made</a:t>
+            </a:r>
+          </a:p>
+        </p:txBody>
+      </p:sp>
+      <p:cxnSp>
+        <p:nvCxnSpPr>
+          <p:cNvPr id="20" name="Straight Arrow Connector 19">
+            <a:extLst>
+              <a:ext uri="{FF2B5EF4-FFF2-40B4-BE49-F238E27FC236}">
+                <a16:creationId xmlns:a16="http://schemas.microsoft.com/office/drawing/2014/main" id="{34551062-A526-7F5F-B07A-365A15F10CD8}"/>
+              </a:ext>
+            </a:extLst>
+          </p:cNvPr>
+          <p:cNvCxnSpPr>
+            <a:cxnSpLocks/>
+          </p:cNvCxnSpPr>
+          <p:nvPr/>
+        </p:nvCxnSpPr>
+        <p:spPr>
+          <a:xfrm>
+            <a:off x="2154115" y="2826727"/>
+            <a:ext cx="585057" cy="0"/>
+          </a:xfrm>
+          <a:prstGeom prst="straightConnector1">
+            <a:avLst/>
+          </a:prstGeom>
+          <a:ln w="76200">
+            <a:solidFill>
+              <a:schemeClr val="accent6"/>
+            </a:solidFill>
+            <a:tailEnd type="triangle"/>
+          </a:ln>
+        </p:spPr>
+        <p:style>
+          <a:lnRef idx="2">
+            <a:schemeClr val="accent1"/>
+          </a:lnRef>
+          <a:fillRef idx="0">
+            <a:schemeClr val="accent1"/>
+          </a:fillRef>
+          <a:effectRef idx="1">
+            <a:schemeClr val="accent1"/>
+          </a:effectRef>
+          <a:fontRef idx="minor">
+            <a:schemeClr val="tx1"/>
+          </a:fontRef>
+        </p:style>
+      </p:cxnSp>
+      <p:cxnSp>
+        <p:nvCxnSpPr>
+          <p:cNvPr id="22" name="Straight Arrow Connector 21">
+            <a:extLst>
+              <a:ext uri="{FF2B5EF4-FFF2-40B4-BE49-F238E27FC236}">
+                <a16:creationId xmlns:a16="http://schemas.microsoft.com/office/drawing/2014/main" id="{316F2114-8D03-A3E7-F4DE-5A54D38A9982}"/>
+              </a:ext>
+            </a:extLst>
+          </p:cNvPr>
+          <p:cNvCxnSpPr>
+            <a:cxnSpLocks/>
+          </p:cNvCxnSpPr>
+          <p:nvPr/>
+        </p:nvCxnSpPr>
+        <p:spPr>
+          <a:xfrm>
+            <a:off x="4088423" y="2820865"/>
+            <a:ext cx="599343" cy="0"/>
+          </a:xfrm>
+          <a:prstGeom prst="straightConnector1">
+            <a:avLst/>
+          </a:prstGeom>
+          <a:ln w="76200">
+            <a:solidFill>
+              <a:schemeClr val="accent6"/>
+            </a:solidFill>
+            <a:tailEnd type="triangle"/>
+          </a:ln>
+        </p:spPr>
+        <p:style>
+          <a:lnRef idx="2">
+            <a:schemeClr val="accent1"/>
+          </a:lnRef>
+          <a:fillRef idx="0">
+            <a:schemeClr val="accent1"/>
+          </a:fillRef>
+          <a:effectRef idx="1">
+            <a:schemeClr val="accent1"/>
+          </a:effectRef>
+          <a:fontRef idx="minor">
+            <a:schemeClr val="tx1"/>
+          </a:fontRef>
+        </p:style>
+      </p:cxnSp>
+      <p:cxnSp>
+        <p:nvCxnSpPr>
+          <p:cNvPr id="26" name="Straight Arrow Connector 25">
+            <a:extLst>
+              <a:ext uri="{FF2B5EF4-FFF2-40B4-BE49-F238E27FC236}">
+                <a16:creationId xmlns:a16="http://schemas.microsoft.com/office/drawing/2014/main" id="{F9570409-B41E-2321-459E-1B2964F01364}"/>
+              </a:ext>
+            </a:extLst>
+          </p:cNvPr>
+          <p:cNvCxnSpPr>
+            <a:cxnSpLocks/>
+          </p:cNvCxnSpPr>
+          <p:nvPr/>
+        </p:nvCxnSpPr>
+        <p:spPr>
+          <a:xfrm>
+            <a:off x="5715290" y="2820865"/>
+            <a:ext cx="599343" cy="0"/>
+          </a:xfrm>
+          <a:prstGeom prst="straightConnector1">
+            <a:avLst/>
+          </a:prstGeom>
+          <a:ln w="76200">
+            <a:solidFill>
+              <a:schemeClr val="accent6"/>
+            </a:solidFill>
+            <a:tailEnd type="triangle"/>
+          </a:ln>
+        </p:spPr>
+        <p:style>
+          <a:lnRef idx="2">
+            <a:schemeClr val="accent1"/>
+          </a:lnRef>
+          <a:fillRef idx="0">
+            <a:schemeClr val="accent1"/>
+          </a:fillRef>
+          <a:effectRef idx="1">
+            <a:schemeClr val="accent1"/>
+          </a:effectRef>
+          <a:fontRef idx="minor">
+            <a:schemeClr val="tx1"/>
+          </a:fontRef>
+        </p:style>
+      </p:cxnSp>
+      <p:cxnSp>
+        <p:nvCxnSpPr>
+          <p:cNvPr id="27" name="Straight Arrow Connector 26">
+            <a:extLst>
+              <a:ext uri="{FF2B5EF4-FFF2-40B4-BE49-F238E27FC236}">
+                <a16:creationId xmlns:a16="http://schemas.microsoft.com/office/drawing/2014/main" id="{1946BDF2-C122-B5EA-8B03-FB84999CE96F}"/>
+              </a:ext>
+            </a:extLst>
+          </p:cNvPr>
+          <p:cNvCxnSpPr>
+            <a:cxnSpLocks/>
+          </p:cNvCxnSpPr>
+          <p:nvPr/>
+        </p:nvCxnSpPr>
+        <p:spPr>
+          <a:xfrm>
+            <a:off x="7656047" y="2820865"/>
+            <a:ext cx="599343" cy="0"/>
+          </a:xfrm>
+          <a:prstGeom prst="straightConnector1">
+            <a:avLst/>
+          </a:prstGeom>
+          <a:ln w="76200">
+            <a:solidFill>
+              <a:schemeClr val="accent6"/>
+            </a:solidFill>
+            <a:tailEnd type="triangle"/>
+          </a:ln>
+        </p:spPr>
+        <p:style>
+          <a:lnRef idx="2">
+            <a:schemeClr val="accent1"/>
+          </a:lnRef>
+          <a:fillRef idx="0">
+            <a:schemeClr val="accent1"/>
+          </a:fillRef>
+          <a:effectRef idx="1">
+            <a:schemeClr val="accent1"/>
+          </a:effectRef>
+          <a:fontRef idx="minor">
+            <a:schemeClr val="tx1"/>
+          </a:fontRef>
+        </p:style>
+      </p:cxnSp>
+      <p:cxnSp>
+        <p:nvCxnSpPr>
+          <p:cNvPr id="28" name="Straight Arrow Connector 27">
+            <a:extLst>
+              <a:ext uri="{FF2B5EF4-FFF2-40B4-BE49-F238E27FC236}">
+                <a16:creationId xmlns:a16="http://schemas.microsoft.com/office/drawing/2014/main" id="{C15A48CF-B21F-5AFB-CD47-B47E419CA92C}"/>
+              </a:ext>
+            </a:extLst>
+          </p:cNvPr>
+          <p:cNvCxnSpPr>
+            <a:cxnSpLocks/>
+          </p:cNvCxnSpPr>
+          <p:nvPr/>
+        </p:nvCxnSpPr>
+        <p:spPr>
+          <a:xfrm>
+            <a:off x="10055468" y="2820865"/>
+            <a:ext cx="599343" cy="0"/>
+          </a:xfrm>
+          <a:prstGeom prst="straightConnector1">
+            <a:avLst/>
+          </a:prstGeom>
+          <a:ln w="76200">
+            <a:solidFill>
+              <a:schemeClr val="accent6"/>
+            </a:solidFill>
+            <a:tailEnd type="triangle"/>
+          </a:ln>
+        </p:spPr>
+        <p:style>
+          <a:lnRef idx="2">
+            <a:schemeClr val="accent1"/>
+          </a:lnRef>
+          <a:fillRef idx="0">
+            <a:schemeClr val="accent1"/>
+          </a:fillRef>
+          <a:effectRef idx="1">
+            <a:schemeClr val="accent1"/>
+          </a:effectRef>
+          <a:fontRef idx="minor">
+            <a:schemeClr val="tx1"/>
+          </a:fontRef>
+        </p:style>
+      </p:cxnSp>
+      <p:cxnSp>
+        <p:nvCxnSpPr>
+          <p:cNvPr id="29" name="Straight Arrow Connector 28">
+            <a:extLst>
+              <a:ext uri="{FF2B5EF4-FFF2-40B4-BE49-F238E27FC236}">
+                <a16:creationId xmlns:a16="http://schemas.microsoft.com/office/drawing/2014/main" id="{6EAF4841-07A0-A92D-63FF-D490F7B58887}"/>
+              </a:ext>
+            </a:extLst>
+          </p:cNvPr>
+          <p:cNvCxnSpPr>
+            <a:cxnSpLocks/>
+          </p:cNvCxnSpPr>
+          <p:nvPr/>
+        </p:nvCxnSpPr>
+        <p:spPr>
+          <a:xfrm>
+            <a:off x="9139600" y="1469598"/>
+            <a:ext cx="0" cy="442180"/>
+          </a:xfrm>
+          <a:prstGeom prst="straightConnector1">
+            <a:avLst/>
+          </a:prstGeom>
+          <a:ln w="76200">
+            <a:solidFill>
+              <a:schemeClr val="accent6"/>
+            </a:solidFill>
+            <a:tailEnd type="triangle"/>
+          </a:ln>
+        </p:spPr>
+        <p:style>
+          <a:lnRef idx="2">
+            <a:schemeClr val="accent1"/>
+          </a:lnRef>
+          <a:fillRef idx="0">
+            <a:schemeClr val="accent1"/>
+          </a:fillRef>
+          <a:effectRef idx="1">
+            <a:schemeClr val="accent1"/>
+          </a:effectRef>
+          <a:fontRef idx="minor">
+            <a:schemeClr val="tx1"/>
+          </a:fontRef>
+        </p:style>
+      </p:cxnSp>
+      <p:cxnSp>
+        <p:nvCxnSpPr>
+          <p:cNvPr id="31" name="Straight Arrow Connector 30">
+            <a:extLst>
+              <a:ext uri="{FF2B5EF4-FFF2-40B4-BE49-F238E27FC236}">
+                <a16:creationId xmlns:a16="http://schemas.microsoft.com/office/drawing/2014/main" id="{807AA584-FA03-39FE-14E0-33C6017CD827}"/>
+              </a:ext>
+            </a:extLst>
+          </p:cNvPr>
+          <p:cNvCxnSpPr>
+            <a:cxnSpLocks/>
+          </p:cNvCxnSpPr>
+          <p:nvPr/>
+        </p:nvCxnSpPr>
+        <p:spPr>
+          <a:xfrm>
+            <a:off x="9127294" y="3653205"/>
+            <a:ext cx="0" cy="442180"/>
+          </a:xfrm>
+          <a:prstGeom prst="straightConnector1">
+            <a:avLst/>
+          </a:prstGeom>
+          <a:ln w="76200">
+            <a:solidFill>
+              <a:schemeClr val="accent6"/>
+            </a:solidFill>
+            <a:tailEnd type="triangle"/>
+          </a:ln>
+        </p:spPr>
+        <p:style>
+          <a:lnRef idx="2">
+            <a:schemeClr val="accent1"/>
+          </a:lnRef>
+          <a:fillRef idx="0">
+            <a:schemeClr val="accent1"/>
+          </a:fillRef>
+          <a:effectRef idx="1">
+            <a:schemeClr val="accent1"/>
+          </a:effectRef>
+          <a:fontRef idx="minor">
+            <a:schemeClr val="tx1"/>
+          </a:fontRef>
+        </p:style>
+      </p:cxnSp>
+      <p:cxnSp>
+        <p:nvCxnSpPr>
+          <p:cNvPr id="32" name="Straight Arrow Connector 31">
+            <a:extLst>
+              <a:ext uri="{FF2B5EF4-FFF2-40B4-BE49-F238E27FC236}">
+                <a16:creationId xmlns:a16="http://schemas.microsoft.com/office/drawing/2014/main" id="{D134B90F-23D1-0B25-B395-A1AC0251A44A}"/>
+              </a:ext>
+            </a:extLst>
+          </p:cNvPr>
+          <p:cNvCxnSpPr>
+            <a:cxnSpLocks/>
+          </p:cNvCxnSpPr>
+          <p:nvPr/>
+        </p:nvCxnSpPr>
+        <p:spPr>
+          <a:xfrm>
+            <a:off x="7069084" y="5494277"/>
+            <a:ext cx="0" cy="442180"/>
+          </a:xfrm>
+          <a:prstGeom prst="straightConnector1">
+            <a:avLst/>
+          </a:prstGeom>
+          <a:ln w="76200">
+            <a:solidFill>
+              <a:schemeClr val="accent6"/>
+            </a:solidFill>
+            <a:tailEnd type="triangle"/>
+          </a:ln>
+        </p:spPr>
+        <p:style>
+          <a:lnRef idx="2">
+            <a:schemeClr val="accent1"/>
+          </a:lnRef>
+          <a:fillRef idx="0">
+            <a:schemeClr val="accent1"/>
+          </a:fillRef>
+          <a:effectRef idx="1">
+            <a:schemeClr val="accent1"/>
+          </a:effectRef>
+          <a:fontRef idx="minor">
+            <a:schemeClr val="tx1"/>
+          </a:fontRef>
+        </p:style>
+      </p:cxnSp>
+      <p:cxnSp>
+        <p:nvCxnSpPr>
+          <p:cNvPr id="33" name="Straight Arrow Connector 32">
+            <a:extLst>
+              <a:ext uri="{FF2B5EF4-FFF2-40B4-BE49-F238E27FC236}">
+                <a16:creationId xmlns:a16="http://schemas.microsoft.com/office/drawing/2014/main" id="{4AB84D02-A7A2-D07F-2AAE-13DD39F3B271}"/>
+              </a:ext>
+            </a:extLst>
+          </p:cNvPr>
+          <p:cNvCxnSpPr>
+            <a:cxnSpLocks/>
+          </p:cNvCxnSpPr>
+          <p:nvPr/>
+        </p:nvCxnSpPr>
+        <p:spPr>
+          <a:xfrm flipH="1">
+            <a:off x="5607515" y="4667801"/>
+            <a:ext cx="407446" cy="0"/>
+          </a:xfrm>
+          <a:prstGeom prst="straightConnector1">
+            <a:avLst/>
+          </a:prstGeom>
+          <a:ln w="76200">
+            <a:solidFill>
+              <a:schemeClr val="accent6"/>
+            </a:solidFill>
+            <a:tailEnd type="triangle"/>
+          </a:ln>
+        </p:spPr>
+        <p:style>
+          <a:lnRef idx="2">
+            <a:schemeClr val="accent1"/>
+          </a:lnRef>
+          <a:fillRef idx="0">
+            <a:schemeClr val="accent1"/>
+          </a:fillRef>
+          <a:effectRef idx="1">
+            <a:schemeClr val="accent1"/>
+          </a:effectRef>
+          <a:fontRef idx="minor">
+            <a:schemeClr val="tx1"/>
+          </a:fontRef>
+        </p:style>
+      </p:cxnSp>
+      <p:cxnSp>
+        <p:nvCxnSpPr>
+          <p:cNvPr id="36" name="Straight Arrow Connector 35">
+            <a:extLst>
+              <a:ext uri="{FF2B5EF4-FFF2-40B4-BE49-F238E27FC236}">
+                <a16:creationId xmlns:a16="http://schemas.microsoft.com/office/drawing/2014/main" id="{C91877BD-4655-E742-1E3A-8BAFB5441D9F}"/>
+              </a:ext>
+            </a:extLst>
+          </p:cNvPr>
+          <p:cNvCxnSpPr>
+            <a:cxnSpLocks/>
+          </p:cNvCxnSpPr>
+          <p:nvPr/>
+        </p:nvCxnSpPr>
+        <p:spPr>
+          <a:xfrm flipH="1">
+            <a:off x="3980648" y="4616007"/>
+            <a:ext cx="407446" cy="0"/>
+          </a:xfrm>
+          <a:prstGeom prst="straightConnector1">
+            <a:avLst/>
+          </a:prstGeom>
+          <a:ln w="76200">
+            <a:solidFill>
+              <a:schemeClr val="accent6"/>
+            </a:solidFill>
+            <a:tailEnd type="triangle"/>
+          </a:ln>
+        </p:spPr>
+        <p:style>
+          <a:lnRef idx="2">
+            <a:schemeClr val="accent1"/>
+          </a:lnRef>
+          <a:fillRef idx="0">
+            <a:schemeClr val="accent1"/>
+          </a:fillRef>
+          <a:effectRef idx="1">
+            <a:schemeClr val="accent1"/>
+          </a:effectRef>
+          <a:fontRef idx="minor">
+            <a:schemeClr val="tx1"/>
+          </a:fontRef>
+        </p:style>
+      </p:cxnSp>
+      <p:cxnSp>
+        <p:nvCxnSpPr>
+          <p:cNvPr id="37" name="Straight Arrow Connector 36">
+            <a:extLst>
+              <a:ext uri="{FF2B5EF4-FFF2-40B4-BE49-F238E27FC236}">
+                <a16:creationId xmlns:a16="http://schemas.microsoft.com/office/drawing/2014/main" id="{FB86D970-3DE9-1C40-4F8F-57223C6BD2C9}"/>
+              </a:ext>
+            </a:extLst>
+          </p:cNvPr>
+          <p:cNvCxnSpPr>
+            <a:cxnSpLocks/>
+          </p:cNvCxnSpPr>
+          <p:nvPr/>
+        </p:nvCxnSpPr>
+        <p:spPr>
+          <a:xfrm flipH="1">
+            <a:off x="2254166" y="4574078"/>
+            <a:ext cx="407446" cy="0"/>
+          </a:xfrm>
+          <a:prstGeom prst="straightConnector1">
+            <a:avLst/>
+          </a:prstGeom>
+          <a:ln w="76200">
+            <a:solidFill>
+              <a:schemeClr val="accent6"/>
+            </a:solidFill>
+            <a:tailEnd type="triangle"/>
+          </a:ln>
+        </p:spPr>
+        <p:style>
+          <a:lnRef idx="2">
+            <a:schemeClr val="accent1"/>
+          </a:lnRef>
+          <a:fillRef idx="0">
+            <a:schemeClr val="accent1"/>
+          </a:fillRef>
+          <a:effectRef idx="1">
+            <a:schemeClr val="accent1"/>
+          </a:effectRef>
+          <a:fontRef idx="minor">
+            <a:schemeClr val="tx1"/>
+          </a:fontRef>
+        </p:style>
+      </p:cxnSp>
+      <p:cxnSp>
+        <p:nvCxnSpPr>
+          <p:cNvPr id="39" name="Straight Connector 38">
+            <a:extLst>
+              <a:ext uri="{FF2B5EF4-FFF2-40B4-BE49-F238E27FC236}">
+                <a16:creationId xmlns:a16="http://schemas.microsoft.com/office/drawing/2014/main" id="{23D123E2-82BB-0CF2-CD64-17F392C554BD}"/>
+              </a:ext>
+            </a:extLst>
+          </p:cNvPr>
+          <p:cNvCxnSpPr>
+            <a:cxnSpLocks/>
+          </p:cNvCxnSpPr>
+          <p:nvPr/>
+        </p:nvCxnSpPr>
+        <p:spPr>
+          <a:xfrm flipV="1">
+            <a:off x="11267710" y="1469598"/>
+            <a:ext cx="0" cy="802665"/>
+          </a:xfrm>
+          <a:prstGeom prst="line">
+            <a:avLst/>
+          </a:prstGeom>
+          <a:ln w="76200">
+            <a:solidFill>
+              <a:schemeClr val="accent6"/>
+            </a:solidFill>
+          </a:ln>
+        </p:spPr>
+        <p:style>
+          <a:lnRef idx="2">
+            <a:schemeClr val="accent1"/>
+          </a:lnRef>
+          <a:fillRef idx="0">
+            <a:schemeClr val="accent1"/>
+          </a:fillRef>
+          <a:effectRef idx="1">
+            <a:schemeClr val="accent1"/>
+          </a:effectRef>
+          <a:fontRef idx="minor">
+            <a:schemeClr val="tx1"/>
+          </a:fontRef>
+        </p:style>
+      </p:cxnSp>
+      <p:cxnSp>
+        <p:nvCxnSpPr>
+          <p:cNvPr id="41" name="Straight Connector 40">
+            <a:extLst>
+              <a:ext uri="{FF2B5EF4-FFF2-40B4-BE49-F238E27FC236}">
+                <a16:creationId xmlns:a16="http://schemas.microsoft.com/office/drawing/2014/main" id="{69302D18-CD1D-2814-8CDD-390E25F81AC4}"/>
+              </a:ext>
+            </a:extLst>
+          </p:cNvPr>
+          <p:cNvCxnSpPr>
+            <a:cxnSpLocks/>
+          </p:cNvCxnSpPr>
+          <p:nvPr/>
+        </p:nvCxnSpPr>
+        <p:spPr>
+          <a:xfrm>
+            <a:off x="9127294" y="1501472"/>
+            <a:ext cx="2140416" cy="0"/>
+          </a:xfrm>
+          <a:prstGeom prst="line">
+            <a:avLst/>
+          </a:prstGeom>
+          <a:ln w="76200">
+            <a:solidFill>
+              <a:schemeClr val="accent6"/>
+            </a:solidFill>
+          </a:ln>
+        </p:spPr>
+        <p:style>
+          <a:lnRef idx="2">
+            <a:schemeClr val="accent1"/>
+          </a:lnRef>
+          <a:fillRef idx="0">
+            <a:schemeClr val="accent1"/>
+          </a:fillRef>
+          <a:effectRef idx="1">
+            <a:schemeClr val="accent1"/>
+          </a:effectRef>
+          <a:fontRef idx="minor">
+            <a:schemeClr val="tx1"/>
+          </a:fontRef>
+        </p:style>
+      </p:cxnSp>
+      <p:cxnSp>
+        <p:nvCxnSpPr>
+          <p:cNvPr id="45" name="Straight Arrow Connector 44">
+            <a:extLst>
+              <a:ext uri="{FF2B5EF4-FFF2-40B4-BE49-F238E27FC236}">
+                <a16:creationId xmlns:a16="http://schemas.microsoft.com/office/drawing/2014/main" id="{4FE03817-AE61-5242-F6BA-47F958ACE063}"/>
+              </a:ext>
+            </a:extLst>
+          </p:cNvPr>
+          <p:cNvCxnSpPr>
+            <a:cxnSpLocks/>
+          </p:cNvCxnSpPr>
+          <p:nvPr/>
+        </p:nvCxnSpPr>
+        <p:spPr>
+          <a:xfrm flipH="1">
+            <a:off x="8118365" y="4667801"/>
+            <a:ext cx="437055" cy="0"/>
+          </a:xfrm>
+          <a:prstGeom prst="straightConnector1">
+            <a:avLst/>
+          </a:prstGeom>
+          <a:ln w="76200">
+            <a:solidFill>
+              <a:schemeClr val="accent6"/>
+            </a:solidFill>
+            <a:tailEnd type="triangle"/>
+          </a:ln>
+        </p:spPr>
+        <p:style>
+          <a:lnRef idx="2">
+            <a:schemeClr val="accent1"/>
+          </a:lnRef>
+          <a:fillRef idx="0">
+            <a:schemeClr val="accent1"/>
+          </a:fillRef>
+          <a:effectRef idx="1">
+            <a:schemeClr val="accent1"/>
+          </a:effectRef>
+          <a:fontRef idx="minor">
+            <a:schemeClr val="tx1"/>
+          </a:fontRef>
+        </p:style>
+      </p:cxnSp>
+      <p:cxnSp>
+        <p:nvCxnSpPr>
+          <p:cNvPr id="50" name="Straight Connector 49">
+            <a:extLst>
+              <a:ext uri="{FF2B5EF4-FFF2-40B4-BE49-F238E27FC236}">
+                <a16:creationId xmlns:a16="http://schemas.microsoft.com/office/drawing/2014/main" id="{6A4625DB-25B5-D432-2952-CCF6F842F117}"/>
+              </a:ext>
+            </a:extLst>
+          </p:cNvPr>
+          <p:cNvCxnSpPr>
+            <a:cxnSpLocks/>
+          </p:cNvCxnSpPr>
+          <p:nvPr/>
+        </p:nvCxnSpPr>
+        <p:spPr>
+          <a:xfrm>
+            <a:off x="7800962" y="6342730"/>
+            <a:ext cx="519642" cy="0"/>
+          </a:xfrm>
+          <a:prstGeom prst="line">
+            <a:avLst/>
+          </a:prstGeom>
+          <a:ln w="76200">
+            <a:solidFill>
+              <a:schemeClr val="accent6"/>
+            </a:solidFill>
+          </a:ln>
+        </p:spPr>
+        <p:style>
+          <a:lnRef idx="2">
+            <a:schemeClr val="accent1"/>
+          </a:lnRef>
+          <a:fillRef idx="0">
+            <a:schemeClr val="accent1"/>
+          </a:fillRef>
+          <a:effectRef idx="1">
+            <a:schemeClr val="accent1"/>
+          </a:effectRef>
+          <a:fontRef idx="minor">
+            <a:schemeClr val="tx1"/>
+          </a:fontRef>
+        </p:style>
+      </p:cxnSp>
+      <p:cxnSp>
+        <p:nvCxnSpPr>
+          <p:cNvPr id="52" name="Straight Arrow Connector 51">
+            <a:extLst>
+              <a:ext uri="{FF2B5EF4-FFF2-40B4-BE49-F238E27FC236}">
+                <a16:creationId xmlns:a16="http://schemas.microsoft.com/office/drawing/2014/main" id="{B4AB78D4-3236-69C1-03B9-859BF42104B5}"/>
+              </a:ext>
+            </a:extLst>
+          </p:cNvPr>
+          <p:cNvCxnSpPr>
+            <a:cxnSpLocks/>
+          </p:cNvCxnSpPr>
+          <p:nvPr/>
+        </p:nvCxnSpPr>
+        <p:spPr>
+          <a:xfrm flipH="1" flipV="1">
+            <a:off x="7599776" y="5128340"/>
+            <a:ext cx="712658" cy="1214390"/>
+          </a:xfrm>
+          <a:prstGeom prst="straightConnector1">
+            <a:avLst/>
+          </a:prstGeom>
+          <a:ln w="76200">
+            <a:solidFill>
+              <a:schemeClr val="accent6"/>
+            </a:solidFill>
+            <a:tailEnd type="triangle"/>
+          </a:ln>
+        </p:spPr>
+        <p:style>
+          <a:lnRef idx="2">
+            <a:schemeClr val="accent1"/>
+          </a:lnRef>
+          <a:fillRef idx="0">
+            <a:schemeClr val="accent1"/>
+          </a:fillRef>
+          <a:effectRef idx="1">
+            <a:schemeClr val="accent1"/>
+          </a:effectRef>
+          <a:fontRef idx="minor">
+            <a:schemeClr val="tx1"/>
+          </a:fontRef>
+        </p:style>
+      </p:cxnSp>
     </p:spTree>
     <p:extLst>
       <p:ext uri="{BB962C8B-B14F-4D97-AF65-F5344CB8AC3E}">
-        <p14:creationId xmlns:p14="http://schemas.microsoft.com/office/powerpoint/2010/main" val="690423791"/>
+        <p14:creationId xmlns:p14="http://schemas.microsoft.com/office/powerpoint/2010/main" val="704847650"/>
       </p:ext>
     </p:extLst>
   </p:cSld>
@@ -4341,6 +6846,2326 @@
 </file>
 
 <file path=ppt/slides/slide11.xml><?xml version="1.0" encoding="utf-8"?>
+<p:sld xmlns:a="http://schemas.openxmlformats.org/drawingml/2006/main" xmlns:r="http://schemas.openxmlformats.org/officeDocument/2006/relationships" xmlns:p="http://schemas.openxmlformats.org/presentationml/2006/main">
+  <p:cSld>
+    <p:spTree>
+      <p:nvGrpSpPr>
+        <p:cNvPr id="1" name="">
+          <a:extLst>
+            <a:ext uri="{FF2B5EF4-FFF2-40B4-BE49-F238E27FC236}">
+              <a16:creationId xmlns:a16="http://schemas.microsoft.com/office/drawing/2014/main" id="{88DCBFB1-0857-988C-4047-4A2521C7CCEB}"/>
+            </a:ext>
+          </a:extLst>
+        </p:cNvPr>
+        <p:cNvGrpSpPr/>
+        <p:nvPr/>
+      </p:nvGrpSpPr>
+      <p:grpSpPr>
+        <a:xfrm>
+          <a:off x="0" y="0"/>
+          <a:ext cx="0" cy="0"/>
+          <a:chOff x="0" y="0"/>
+          <a:chExt cx="0" cy="0"/>
+        </a:xfrm>
+      </p:grpSpPr>
+      <p:sp>
+        <p:nvSpPr>
+          <p:cNvPr id="2" name="Title 1">
+            <a:extLst>
+              <a:ext uri="{FF2B5EF4-FFF2-40B4-BE49-F238E27FC236}">
+                <a16:creationId xmlns:a16="http://schemas.microsoft.com/office/drawing/2014/main" id="{4A528524-C52B-E556-60D4-D9A2717B63BF}"/>
+              </a:ext>
+            </a:extLst>
+          </p:cNvPr>
+          <p:cNvSpPr>
+            <a:spLocks noGrp="1"/>
+          </p:cNvSpPr>
+          <p:nvPr>
+            <p:ph type="title"/>
+          </p:nvPr>
+        </p:nvSpPr>
+        <p:spPr/>
+        <p:txBody>
+          <a:bodyPr/>
+          <a:lstStyle/>
+          <a:p>
+            <a:r>
+              <a:rPr lang="en-US" dirty="0"/>
+              <a:t>Designing algorithms</a:t>
+            </a:r>
+          </a:p>
+        </p:txBody>
+      </p:sp>
+      <p:sp>
+        <p:nvSpPr>
+          <p:cNvPr id="3" name="Content Placeholder 2">
+            <a:extLst>
+              <a:ext uri="{FF2B5EF4-FFF2-40B4-BE49-F238E27FC236}">
+                <a16:creationId xmlns:a16="http://schemas.microsoft.com/office/drawing/2014/main" id="{F96A6F84-FF5F-C22E-C169-997C265EF58A}"/>
+              </a:ext>
+            </a:extLst>
+          </p:cNvPr>
+          <p:cNvSpPr>
+            <a:spLocks noGrp="1"/>
+          </p:cNvSpPr>
+          <p:nvPr>
+            <p:ph idx="1"/>
+          </p:nvPr>
+        </p:nvSpPr>
+        <p:spPr>
+          <a:xfrm>
+            <a:off x="752110" y="1704025"/>
+            <a:ext cx="10515600" cy="4351338"/>
+          </a:xfrm>
+        </p:spPr>
+        <p:txBody>
+          <a:bodyPr>
+            <a:normAutofit/>
+          </a:bodyPr>
+          <a:lstStyle/>
+          <a:p>
+            <a:pPr marL="0" indent="0">
+              <a:buNone/>
+            </a:pPr>
+            <a:r>
+              <a:rPr lang="en-US" dirty="0"/>
+              <a:t>Example:  An algorithm for making a cup of tea.</a:t>
+            </a:r>
+          </a:p>
+          <a:p>
+            <a:pPr marL="0" indent="0">
+              <a:buNone/>
+            </a:pPr>
+            <a:endParaRPr lang="en-US" dirty="0"/>
+          </a:p>
+          <a:p>
+            <a:pPr marL="0" indent="0">
+              <a:buNone/>
+            </a:pPr>
+            <a:endParaRPr lang="en-US" dirty="0"/>
+          </a:p>
+          <a:p>
+            <a:pPr marL="0" indent="0">
+              <a:buNone/>
+            </a:pPr>
+            <a:endParaRPr lang="en-US" dirty="0"/>
+          </a:p>
+        </p:txBody>
+      </p:sp>
+      <p:sp>
+        <p:nvSpPr>
+          <p:cNvPr id="4" name="Rounded Rectangle 3">
+            <a:extLst>
+              <a:ext uri="{FF2B5EF4-FFF2-40B4-BE49-F238E27FC236}">
+                <a16:creationId xmlns:a16="http://schemas.microsoft.com/office/drawing/2014/main" id="{55212863-A943-37B7-6FF6-1C8C2259EB6A}"/>
+              </a:ext>
+            </a:extLst>
+          </p:cNvPr>
+          <p:cNvSpPr/>
+          <p:nvPr/>
+        </p:nvSpPr>
+        <p:spPr>
+          <a:xfrm>
+            <a:off x="838200" y="2583533"/>
+            <a:ext cx="1247773" cy="465992"/>
+          </a:xfrm>
+          <a:prstGeom prst="roundRect">
+            <a:avLst/>
+          </a:prstGeom>
+        </p:spPr>
+        <p:style>
+          <a:lnRef idx="2">
+            <a:schemeClr val="accent6"/>
+          </a:lnRef>
+          <a:fillRef idx="1">
+            <a:schemeClr val="lt1"/>
+          </a:fillRef>
+          <a:effectRef idx="0">
+            <a:schemeClr val="accent6"/>
+          </a:effectRef>
+          <a:fontRef idx="minor">
+            <a:schemeClr val="dk1"/>
+          </a:fontRef>
+        </p:style>
+        <p:txBody>
+          <a:bodyPr rtlCol="0" anchor="ctr"/>
+          <a:lstStyle/>
+          <a:p>
+            <a:pPr algn="ctr"/>
+            <a:r>
+              <a:rPr lang="en-US" dirty="0"/>
+              <a:t>Make tea</a:t>
+            </a:r>
+          </a:p>
+        </p:txBody>
+      </p:sp>
+      <p:sp>
+        <p:nvSpPr>
+          <p:cNvPr id="5" name="Rectangle 4">
+            <a:extLst>
+              <a:ext uri="{FF2B5EF4-FFF2-40B4-BE49-F238E27FC236}">
+                <a16:creationId xmlns:a16="http://schemas.microsoft.com/office/drawing/2014/main" id="{4CBCD867-9F53-22DC-7616-C422FA9DCC94}"/>
+              </a:ext>
+            </a:extLst>
+          </p:cNvPr>
+          <p:cNvSpPr/>
+          <p:nvPr/>
+        </p:nvSpPr>
+        <p:spPr>
+          <a:xfrm>
+            <a:off x="2776755" y="2354933"/>
+            <a:ext cx="1247773" cy="923192"/>
+          </a:xfrm>
+          <a:prstGeom prst="rect">
+            <a:avLst/>
+          </a:prstGeom>
+        </p:spPr>
+        <p:style>
+          <a:lnRef idx="2">
+            <a:schemeClr val="accent1">
+              <a:shade val="15000"/>
+            </a:schemeClr>
+          </a:lnRef>
+          <a:fillRef idx="1">
+            <a:schemeClr val="accent1"/>
+          </a:fillRef>
+          <a:effectRef idx="0">
+            <a:schemeClr val="accent1"/>
+          </a:effectRef>
+          <a:fontRef idx="minor">
+            <a:schemeClr val="lt1"/>
+          </a:fontRef>
+        </p:style>
+        <p:txBody>
+          <a:bodyPr rtlCol="0" anchor="ctr"/>
+          <a:lstStyle/>
+          <a:p>
+            <a:pPr algn="ctr"/>
+            <a:r>
+              <a:rPr lang="en-US" dirty="0"/>
+              <a:t>Fill kettle with water</a:t>
+            </a:r>
+          </a:p>
+        </p:txBody>
+      </p:sp>
+      <p:sp>
+        <p:nvSpPr>
+          <p:cNvPr id="6" name="Rectangle 5">
+            <a:extLst>
+              <a:ext uri="{FF2B5EF4-FFF2-40B4-BE49-F238E27FC236}">
+                <a16:creationId xmlns:a16="http://schemas.microsoft.com/office/drawing/2014/main" id="{21D2C4C3-E667-DF6F-9BF5-1013CD72E16E}"/>
+              </a:ext>
+            </a:extLst>
+          </p:cNvPr>
+          <p:cNvSpPr/>
+          <p:nvPr/>
+        </p:nvSpPr>
+        <p:spPr>
+          <a:xfrm>
+            <a:off x="4715310" y="2365131"/>
+            <a:ext cx="943709" cy="923192"/>
+          </a:xfrm>
+          <a:prstGeom prst="rect">
+            <a:avLst/>
+          </a:prstGeom>
+        </p:spPr>
+        <p:style>
+          <a:lnRef idx="2">
+            <a:schemeClr val="accent1">
+              <a:shade val="15000"/>
+            </a:schemeClr>
+          </a:lnRef>
+          <a:fillRef idx="1">
+            <a:schemeClr val="accent1"/>
+          </a:fillRef>
+          <a:effectRef idx="0">
+            <a:schemeClr val="accent1"/>
+          </a:effectRef>
+          <a:fontRef idx="minor">
+            <a:schemeClr val="lt1"/>
+          </a:fontRef>
+        </p:style>
+        <p:txBody>
+          <a:bodyPr rtlCol="0" anchor="ctr"/>
+          <a:lstStyle/>
+          <a:p>
+            <a:pPr algn="ctr"/>
+            <a:r>
+              <a:rPr lang="en-US" dirty="0"/>
+              <a:t>Turn on kettle</a:t>
+            </a:r>
+          </a:p>
+        </p:txBody>
+      </p:sp>
+      <p:sp>
+        <p:nvSpPr>
+          <p:cNvPr id="9" name="Rectangle 8">
+            <a:extLst>
+              <a:ext uri="{FF2B5EF4-FFF2-40B4-BE49-F238E27FC236}">
+                <a16:creationId xmlns:a16="http://schemas.microsoft.com/office/drawing/2014/main" id="{DE48C099-C1FD-3E62-06EB-57D58852BD43}"/>
+              </a:ext>
+            </a:extLst>
+          </p:cNvPr>
+          <p:cNvSpPr/>
+          <p:nvPr/>
+        </p:nvSpPr>
+        <p:spPr>
+          <a:xfrm>
+            <a:off x="6349801" y="2386929"/>
+            <a:ext cx="1249975" cy="923192"/>
+          </a:xfrm>
+          <a:prstGeom prst="rect">
+            <a:avLst/>
+          </a:prstGeom>
+        </p:spPr>
+        <p:style>
+          <a:lnRef idx="2">
+            <a:schemeClr val="accent1">
+              <a:shade val="15000"/>
+            </a:schemeClr>
+          </a:lnRef>
+          <a:fillRef idx="1">
+            <a:schemeClr val="accent1"/>
+          </a:fillRef>
+          <a:effectRef idx="0">
+            <a:schemeClr val="accent1"/>
+          </a:effectRef>
+          <a:fontRef idx="minor">
+            <a:schemeClr val="lt1"/>
+          </a:fontRef>
+        </p:style>
+        <p:txBody>
+          <a:bodyPr rtlCol="0" anchor="ctr"/>
+          <a:lstStyle/>
+          <a:p>
+            <a:pPr algn="ctr"/>
+            <a:r>
+              <a:rPr lang="en-US" dirty="0"/>
+              <a:t>Put teabag in cup</a:t>
+            </a:r>
+          </a:p>
+        </p:txBody>
+      </p:sp>
+      <p:sp>
+        <p:nvSpPr>
+          <p:cNvPr id="11" name="Decision 10">
+            <a:extLst>
+              <a:ext uri="{FF2B5EF4-FFF2-40B4-BE49-F238E27FC236}">
+                <a16:creationId xmlns:a16="http://schemas.microsoft.com/office/drawing/2014/main" id="{FFBE2043-8B6B-E4C9-7651-E0AA4F027AED}"/>
+              </a:ext>
+            </a:extLst>
+          </p:cNvPr>
+          <p:cNvSpPr/>
+          <p:nvPr/>
+        </p:nvSpPr>
+        <p:spPr>
+          <a:xfrm>
+            <a:off x="8290558" y="2023023"/>
+            <a:ext cx="1673472" cy="1587012"/>
+          </a:xfrm>
+          <a:prstGeom prst="flowChartDecision">
+            <a:avLst/>
+          </a:prstGeom>
+          <a:solidFill>
+            <a:schemeClr val="accent2"/>
+          </a:solidFill>
+        </p:spPr>
+        <p:style>
+          <a:lnRef idx="2">
+            <a:schemeClr val="accent1">
+              <a:shade val="15000"/>
+            </a:schemeClr>
+          </a:lnRef>
+          <a:fillRef idx="1">
+            <a:schemeClr val="accent1"/>
+          </a:fillRef>
+          <a:effectRef idx="0">
+            <a:schemeClr val="accent1"/>
+          </a:effectRef>
+          <a:fontRef idx="minor">
+            <a:schemeClr val="lt1"/>
+          </a:fontRef>
+        </p:style>
+        <p:txBody>
+          <a:bodyPr rtlCol="0" anchor="ctr"/>
+          <a:lstStyle/>
+          <a:p>
+            <a:pPr algn="ctr"/>
+            <a:r>
+              <a:rPr lang="en-US" dirty="0"/>
+              <a:t>Has kettle boiled?</a:t>
+            </a:r>
+          </a:p>
+        </p:txBody>
+      </p:sp>
+      <p:sp>
+        <p:nvSpPr>
+          <p:cNvPr id="12" name="Rectangle 11">
+            <a:extLst>
+              <a:ext uri="{FF2B5EF4-FFF2-40B4-BE49-F238E27FC236}">
+                <a16:creationId xmlns:a16="http://schemas.microsoft.com/office/drawing/2014/main" id="{7C6CB1C2-9774-5011-75CE-3CDC8E233A55}"/>
+              </a:ext>
+            </a:extLst>
+          </p:cNvPr>
+          <p:cNvSpPr/>
+          <p:nvPr/>
+        </p:nvSpPr>
+        <p:spPr>
+          <a:xfrm>
+            <a:off x="10654811" y="2386929"/>
+            <a:ext cx="1397977" cy="923192"/>
+          </a:xfrm>
+          <a:prstGeom prst="rect">
+            <a:avLst/>
+          </a:prstGeom>
+        </p:spPr>
+        <p:style>
+          <a:lnRef idx="2">
+            <a:schemeClr val="accent1">
+              <a:shade val="15000"/>
+            </a:schemeClr>
+          </a:lnRef>
+          <a:fillRef idx="1">
+            <a:schemeClr val="accent1"/>
+          </a:fillRef>
+          <a:effectRef idx="0">
+            <a:schemeClr val="accent1"/>
+          </a:effectRef>
+          <a:fontRef idx="minor">
+            <a:schemeClr val="lt1"/>
+          </a:fontRef>
+        </p:style>
+        <p:txBody>
+          <a:bodyPr rtlCol="0" anchor="ctr"/>
+          <a:lstStyle/>
+          <a:p>
+            <a:pPr algn="ctr"/>
+            <a:r>
+              <a:rPr lang="en-US" dirty="0"/>
+              <a:t>Wait 30 seconds</a:t>
+            </a:r>
+          </a:p>
+        </p:txBody>
+      </p:sp>
+      <p:sp>
+        <p:nvSpPr>
+          <p:cNvPr id="13" name="Rectangle 12">
+            <a:extLst>
+              <a:ext uri="{FF2B5EF4-FFF2-40B4-BE49-F238E27FC236}">
+                <a16:creationId xmlns:a16="http://schemas.microsoft.com/office/drawing/2014/main" id="{D8499CEE-1FBB-F8C7-8A42-3BFAB003449A}"/>
+              </a:ext>
+            </a:extLst>
+          </p:cNvPr>
+          <p:cNvSpPr/>
+          <p:nvPr/>
+        </p:nvSpPr>
+        <p:spPr>
+          <a:xfrm>
+            <a:off x="8629981" y="4230783"/>
+            <a:ext cx="1196301" cy="923192"/>
+          </a:xfrm>
+          <a:prstGeom prst="rect">
+            <a:avLst/>
+          </a:prstGeom>
+        </p:spPr>
+        <p:style>
+          <a:lnRef idx="2">
+            <a:schemeClr val="accent1">
+              <a:shade val="15000"/>
+            </a:schemeClr>
+          </a:lnRef>
+          <a:fillRef idx="1">
+            <a:schemeClr val="accent1"/>
+          </a:fillRef>
+          <a:effectRef idx="0">
+            <a:schemeClr val="accent1"/>
+          </a:effectRef>
+          <a:fontRef idx="minor">
+            <a:schemeClr val="lt1"/>
+          </a:fontRef>
+        </p:style>
+        <p:txBody>
+          <a:bodyPr rtlCol="0" anchor="ctr"/>
+          <a:lstStyle/>
+          <a:p>
+            <a:pPr algn="ctr"/>
+            <a:r>
+              <a:rPr lang="en-US" dirty="0"/>
+              <a:t>Pour water into cup</a:t>
+            </a:r>
+          </a:p>
+        </p:txBody>
+      </p:sp>
+      <p:sp>
+        <p:nvSpPr>
+          <p:cNvPr id="15" name="Decision 14">
+            <a:extLst>
+              <a:ext uri="{FF2B5EF4-FFF2-40B4-BE49-F238E27FC236}">
+                <a16:creationId xmlns:a16="http://schemas.microsoft.com/office/drawing/2014/main" id="{4F5D41A1-A0FA-8E17-0AB6-863F99A0E3F0}"/>
+              </a:ext>
+            </a:extLst>
+          </p:cNvPr>
+          <p:cNvSpPr/>
+          <p:nvPr/>
+        </p:nvSpPr>
+        <p:spPr>
+          <a:xfrm>
+            <a:off x="6077387" y="3874295"/>
+            <a:ext cx="1983396" cy="1587012"/>
+          </a:xfrm>
+          <a:prstGeom prst="flowChartDecision">
+            <a:avLst/>
+          </a:prstGeom>
+          <a:solidFill>
+            <a:schemeClr val="accent2"/>
+          </a:solidFill>
+        </p:spPr>
+        <p:style>
+          <a:lnRef idx="2">
+            <a:schemeClr val="accent1">
+              <a:shade val="15000"/>
+            </a:schemeClr>
+          </a:lnRef>
+          <a:fillRef idx="1">
+            <a:schemeClr val="accent1"/>
+          </a:fillRef>
+          <a:effectRef idx="0">
+            <a:schemeClr val="accent1"/>
+          </a:effectRef>
+          <a:fontRef idx="minor">
+            <a:schemeClr val="lt1"/>
+          </a:fontRef>
+        </p:style>
+        <p:txBody>
+          <a:bodyPr rtlCol="0" anchor="ctr"/>
+          <a:lstStyle/>
+          <a:p>
+            <a:pPr algn="ctr"/>
+            <a:r>
+              <a:rPr lang="en-US" dirty="0"/>
+              <a:t>Has tea steeped?</a:t>
+            </a:r>
+          </a:p>
+        </p:txBody>
+      </p:sp>
+      <p:sp>
+        <p:nvSpPr>
+          <p:cNvPr id="16" name="Rectangle 15">
+            <a:extLst>
+              <a:ext uri="{FF2B5EF4-FFF2-40B4-BE49-F238E27FC236}">
+                <a16:creationId xmlns:a16="http://schemas.microsoft.com/office/drawing/2014/main" id="{290851C4-DA9B-67CE-B764-D47C704A01EF}"/>
+              </a:ext>
+            </a:extLst>
+          </p:cNvPr>
+          <p:cNvSpPr/>
+          <p:nvPr/>
+        </p:nvSpPr>
+        <p:spPr>
+          <a:xfrm>
+            <a:off x="6370095" y="6025481"/>
+            <a:ext cx="1397977" cy="612711"/>
+          </a:xfrm>
+          <a:prstGeom prst="rect">
+            <a:avLst/>
+          </a:prstGeom>
+        </p:spPr>
+        <p:style>
+          <a:lnRef idx="2">
+            <a:schemeClr val="accent1">
+              <a:shade val="15000"/>
+            </a:schemeClr>
+          </a:lnRef>
+          <a:fillRef idx="1">
+            <a:schemeClr val="accent1"/>
+          </a:fillRef>
+          <a:effectRef idx="0">
+            <a:schemeClr val="accent1"/>
+          </a:effectRef>
+          <a:fontRef idx="minor">
+            <a:schemeClr val="lt1"/>
+          </a:fontRef>
+        </p:style>
+        <p:txBody>
+          <a:bodyPr rtlCol="0" anchor="ctr"/>
+          <a:lstStyle/>
+          <a:p>
+            <a:pPr algn="ctr"/>
+            <a:r>
+              <a:rPr lang="en-US" dirty="0"/>
+              <a:t>Wait 10 seconds</a:t>
+            </a:r>
+          </a:p>
+        </p:txBody>
+      </p:sp>
+      <p:sp>
+        <p:nvSpPr>
+          <p:cNvPr id="17" name="Rectangle 16">
+            <a:extLst>
+              <a:ext uri="{FF2B5EF4-FFF2-40B4-BE49-F238E27FC236}">
+                <a16:creationId xmlns:a16="http://schemas.microsoft.com/office/drawing/2014/main" id="{563838C6-2B20-7DD8-95B7-68A79F85D2E5}"/>
+              </a:ext>
+            </a:extLst>
+          </p:cNvPr>
+          <p:cNvSpPr/>
+          <p:nvPr/>
+        </p:nvSpPr>
+        <p:spPr>
+          <a:xfrm>
+            <a:off x="4513562" y="4206205"/>
+            <a:ext cx="994627" cy="923192"/>
+          </a:xfrm>
+          <a:prstGeom prst="rect">
+            <a:avLst/>
+          </a:prstGeom>
+        </p:spPr>
+        <p:style>
+          <a:lnRef idx="2">
+            <a:schemeClr val="accent1">
+              <a:shade val="15000"/>
+            </a:schemeClr>
+          </a:lnRef>
+          <a:fillRef idx="1">
+            <a:schemeClr val="accent1"/>
+          </a:fillRef>
+          <a:effectRef idx="0">
+            <a:schemeClr val="accent1"/>
+          </a:effectRef>
+          <a:fontRef idx="minor">
+            <a:schemeClr val="lt1"/>
+          </a:fontRef>
+        </p:style>
+        <p:txBody>
+          <a:bodyPr rtlCol="0" anchor="ctr"/>
+          <a:lstStyle/>
+          <a:p>
+            <a:pPr algn="ctr"/>
+            <a:r>
+              <a:rPr lang="en-US" dirty="0"/>
+              <a:t>Remove teabag</a:t>
+            </a:r>
+          </a:p>
+        </p:txBody>
+      </p:sp>
+      <p:sp>
+        <p:nvSpPr>
+          <p:cNvPr id="18" name="Rounded Rectangle 17">
+            <a:extLst>
+              <a:ext uri="{FF2B5EF4-FFF2-40B4-BE49-F238E27FC236}">
+                <a16:creationId xmlns:a16="http://schemas.microsoft.com/office/drawing/2014/main" id="{130D2E1E-7D6E-565D-DD97-7F0470318855}"/>
+              </a:ext>
+            </a:extLst>
+          </p:cNvPr>
+          <p:cNvSpPr/>
+          <p:nvPr/>
+        </p:nvSpPr>
+        <p:spPr>
+          <a:xfrm>
+            <a:off x="4167268" y="5768447"/>
+            <a:ext cx="1397977" cy="465992"/>
+          </a:xfrm>
+          <a:prstGeom prst="roundRect">
+            <a:avLst/>
+          </a:prstGeom>
+        </p:spPr>
+        <p:style>
+          <a:lnRef idx="2">
+            <a:schemeClr val="accent6"/>
+          </a:lnRef>
+          <a:fillRef idx="1">
+            <a:schemeClr val="lt1"/>
+          </a:fillRef>
+          <a:effectRef idx="0">
+            <a:schemeClr val="accent6"/>
+          </a:effectRef>
+          <a:fontRef idx="minor">
+            <a:schemeClr val="dk1"/>
+          </a:fontRef>
+        </p:style>
+        <p:txBody>
+          <a:bodyPr rtlCol="0" anchor="ctr"/>
+          <a:lstStyle/>
+          <a:p>
+            <a:pPr algn="ctr"/>
+            <a:r>
+              <a:rPr lang="en-US" dirty="0"/>
+              <a:t>Tea is made</a:t>
+            </a:r>
+          </a:p>
+        </p:txBody>
+      </p:sp>
+      <p:cxnSp>
+        <p:nvCxnSpPr>
+          <p:cNvPr id="20" name="Straight Arrow Connector 19">
+            <a:extLst>
+              <a:ext uri="{FF2B5EF4-FFF2-40B4-BE49-F238E27FC236}">
+                <a16:creationId xmlns:a16="http://schemas.microsoft.com/office/drawing/2014/main" id="{DF08D3B6-3D2B-B493-18FD-77DBB6F923F7}"/>
+              </a:ext>
+            </a:extLst>
+          </p:cNvPr>
+          <p:cNvCxnSpPr>
+            <a:cxnSpLocks/>
+          </p:cNvCxnSpPr>
+          <p:nvPr/>
+        </p:nvCxnSpPr>
+        <p:spPr>
+          <a:xfrm>
+            <a:off x="2154115" y="2826727"/>
+            <a:ext cx="585057" cy="0"/>
+          </a:xfrm>
+          <a:prstGeom prst="straightConnector1">
+            <a:avLst/>
+          </a:prstGeom>
+          <a:ln w="76200">
+            <a:solidFill>
+              <a:schemeClr val="accent6"/>
+            </a:solidFill>
+            <a:tailEnd type="triangle"/>
+          </a:ln>
+        </p:spPr>
+        <p:style>
+          <a:lnRef idx="2">
+            <a:schemeClr val="accent1"/>
+          </a:lnRef>
+          <a:fillRef idx="0">
+            <a:schemeClr val="accent1"/>
+          </a:fillRef>
+          <a:effectRef idx="1">
+            <a:schemeClr val="accent1"/>
+          </a:effectRef>
+          <a:fontRef idx="minor">
+            <a:schemeClr val="tx1"/>
+          </a:fontRef>
+        </p:style>
+      </p:cxnSp>
+      <p:cxnSp>
+        <p:nvCxnSpPr>
+          <p:cNvPr id="22" name="Straight Arrow Connector 21">
+            <a:extLst>
+              <a:ext uri="{FF2B5EF4-FFF2-40B4-BE49-F238E27FC236}">
+                <a16:creationId xmlns:a16="http://schemas.microsoft.com/office/drawing/2014/main" id="{ADD3603C-32C8-D8A7-4C14-E8AAC46DF886}"/>
+              </a:ext>
+            </a:extLst>
+          </p:cNvPr>
+          <p:cNvCxnSpPr>
+            <a:cxnSpLocks/>
+          </p:cNvCxnSpPr>
+          <p:nvPr/>
+        </p:nvCxnSpPr>
+        <p:spPr>
+          <a:xfrm>
+            <a:off x="4088423" y="2820865"/>
+            <a:ext cx="599343" cy="0"/>
+          </a:xfrm>
+          <a:prstGeom prst="straightConnector1">
+            <a:avLst/>
+          </a:prstGeom>
+          <a:ln w="76200">
+            <a:solidFill>
+              <a:schemeClr val="accent6"/>
+            </a:solidFill>
+            <a:tailEnd type="triangle"/>
+          </a:ln>
+        </p:spPr>
+        <p:style>
+          <a:lnRef idx="2">
+            <a:schemeClr val="accent1"/>
+          </a:lnRef>
+          <a:fillRef idx="0">
+            <a:schemeClr val="accent1"/>
+          </a:fillRef>
+          <a:effectRef idx="1">
+            <a:schemeClr val="accent1"/>
+          </a:effectRef>
+          <a:fontRef idx="minor">
+            <a:schemeClr val="tx1"/>
+          </a:fontRef>
+        </p:style>
+      </p:cxnSp>
+      <p:cxnSp>
+        <p:nvCxnSpPr>
+          <p:cNvPr id="26" name="Straight Arrow Connector 25">
+            <a:extLst>
+              <a:ext uri="{FF2B5EF4-FFF2-40B4-BE49-F238E27FC236}">
+                <a16:creationId xmlns:a16="http://schemas.microsoft.com/office/drawing/2014/main" id="{4C428C1C-CCFF-FAE1-FDDA-4EDB2968D79A}"/>
+              </a:ext>
+            </a:extLst>
+          </p:cNvPr>
+          <p:cNvCxnSpPr>
+            <a:cxnSpLocks/>
+          </p:cNvCxnSpPr>
+          <p:nvPr/>
+        </p:nvCxnSpPr>
+        <p:spPr>
+          <a:xfrm>
+            <a:off x="5715290" y="2820865"/>
+            <a:ext cx="599343" cy="0"/>
+          </a:xfrm>
+          <a:prstGeom prst="straightConnector1">
+            <a:avLst/>
+          </a:prstGeom>
+          <a:ln w="76200">
+            <a:solidFill>
+              <a:schemeClr val="accent6"/>
+            </a:solidFill>
+            <a:tailEnd type="triangle"/>
+          </a:ln>
+        </p:spPr>
+        <p:style>
+          <a:lnRef idx="2">
+            <a:schemeClr val="accent1"/>
+          </a:lnRef>
+          <a:fillRef idx="0">
+            <a:schemeClr val="accent1"/>
+          </a:fillRef>
+          <a:effectRef idx="1">
+            <a:schemeClr val="accent1"/>
+          </a:effectRef>
+          <a:fontRef idx="minor">
+            <a:schemeClr val="tx1"/>
+          </a:fontRef>
+        </p:style>
+      </p:cxnSp>
+      <p:cxnSp>
+        <p:nvCxnSpPr>
+          <p:cNvPr id="27" name="Straight Arrow Connector 26">
+            <a:extLst>
+              <a:ext uri="{FF2B5EF4-FFF2-40B4-BE49-F238E27FC236}">
+                <a16:creationId xmlns:a16="http://schemas.microsoft.com/office/drawing/2014/main" id="{BBE7CA64-DEE4-86EA-369C-9BAC1EEA394D}"/>
+              </a:ext>
+            </a:extLst>
+          </p:cNvPr>
+          <p:cNvCxnSpPr>
+            <a:cxnSpLocks/>
+          </p:cNvCxnSpPr>
+          <p:nvPr/>
+        </p:nvCxnSpPr>
+        <p:spPr>
+          <a:xfrm>
+            <a:off x="7656047" y="2820865"/>
+            <a:ext cx="599343" cy="0"/>
+          </a:xfrm>
+          <a:prstGeom prst="straightConnector1">
+            <a:avLst/>
+          </a:prstGeom>
+          <a:ln w="76200">
+            <a:solidFill>
+              <a:schemeClr val="accent6"/>
+            </a:solidFill>
+            <a:tailEnd type="triangle"/>
+          </a:ln>
+        </p:spPr>
+        <p:style>
+          <a:lnRef idx="2">
+            <a:schemeClr val="accent1"/>
+          </a:lnRef>
+          <a:fillRef idx="0">
+            <a:schemeClr val="accent1"/>
+          </a:fillRef>
+          <a:effectRef idx="1">
+            <a:schemeClr val="accent1"/>
+          </a:effectRef>
+          <a:fontRef idx="minor">
+            <a:schemeClr val="tx1"/>
+          </a:fontRef>
+        </p:style>
+      </p:cxnSp>
+      <p:cxnSp>
+        <p:nvCxnSpPr>
+          <p:cNvPr id="28" name="Straight Arrow Connector 27">
+            <a:extLst>
+              <a:ext uri="{FF2B5EF4-FFF2-40B4-BE49-F238E27FC236}">
+                <a16:creationId xmlns:a16="http://schemas.microsoft.com/office/drawing/2014/main" id="{9940A01A-9DA0-E7B9-0C96-AB57C9182A66}"/>
+              </a:ext>
+            </a:extLst>
+          </p:cNvPr>
+          <p:cNvCxnSpPr>
+            <a:cxnSpLocks/>
+          </p:cNvCxnSpPr>
+          <p:nvPr/>
+        </p:nvCxnSpPr>
+        <p:spPr>
+          <a:xfrm>
+            <a:off x="10055468" y="2820865"/>
+            <a:ext cx="599343" cy="0"/>
+          </a:xfrm>
+          <a:prstGeom prst="straightConnector1">
+            <a:avLst/>
+          </a:prstGeom>
+          <a:ln w="76200">
+            <a:solidFill>
+              <a:schemeClr val="accent6"/>
+            </a:solidFill>
+            <a:tailEnd type="triangle"/>
+          </a:ln>
+        </p:spPr>
+        <p:style>
+          <a:lnRef idx="2">
+            <a:schemeClr val="accent1"/>
+          </a:lnRef>
+          <a:fillRef idx="0">
+            <a:schemeClr val="accent1"/>
+          </a:fillRef>
+          <a:effectRef idx="1">
+            <a:schemeClr val="accent1"/>
+          </a:effectRef>
+          <a:fontRef idx="minor">
+            <a:schemeClr val="tx1"/>
+          </a:fontRef>
+        </p:style>
+      </p:cxnSp>
+      <p:cxnSp>
+        <p:nvCxnSpPr>
+          <p:cNvPr id="29" name="Straight Arrow Connector 28">
+            <a:extLst>
+              <a:ext uri="{FF2B5EF4-FFF2-40B4-BE49-F238E27FC236}">
+                <a16:creationId xmlns:a16="http://schemas.microsoft.com/office/drawing/2014/main" id="{940F9387-9834-9382-A4C2-CD4715201AAE}"/>
+              </a:ext>
+            </a:extLst>
+          </p:cNvPr>
+          <p:cNvCxnSpPr>
+            <a:cxnSpLocks/>
+          </p:cNvCxnSpPr>
+          <p:nvPr/>
+        </p:nvCxnSpPr>
+        <p:spPr>
+          <a:xfrm>
+            <a:off x="9139600" y="1469598"/>
+            <a:ext cx="0" cy="442180"/>
+          </a:xfrm>
+          <a:prstGeom prst="straightConnector1">
+            <a:avLst/>
+          </a:prstGeom>
+          <a:ln w="76200">
+            <a:solidFill>
+              <a:schemeClr val="accent6"/>
+            </a:solidFill>
+            <a:tailEnd type="triangle"/>
+          </a:ln>
+        </p:spPr>
+        <p:style>
+          <a:lnRef idx="2">
+            <a:schemeClr val="accent1"/>
+          </a:lnRef>
+          <a:fillRef idx="0">
+            <a:schemeClr val="accent1"/>
+          </a:fillRef>
+          <a:effectRef idx="1">
+            <a:schemeClr val="accent1"/>
+          </a:effectRef>
+          <a:fontRef idx="minor">
+            <a:schemeClr val="tx1"/>
+          </a:fontRef>
+        </p:style>
+      </p:cxnSp>
+      <p:cxnSp>
+        <p:nvCxnSpPr>
+          <p:cNvPr id="31" name="Straight Arrow Connector 30">
+            <a:extLst>
+              <a:ext uri="{FF2B5EF4-FFF2-40B4-BE49-F238E27FC236}">
+                <a16:creationId xmlns:a16="http://schemas.microsoft.com/office/drawing/2014/main" id="{C22BB892-946F-E3C7-E4F7-947F5C47E7AB}"/>
+              </a:ext>
+            </a:extLst>
+          </p:cNvPr>
+          <p:cNvCxnSpPr>
+            <a:cxnSpLocks/>
+          </p:cNvCxnSpPr>
+          <p:nvPr/>
+        </p:nvCxnSpPr>
+        <p:spPr>
+          <a:xfrm>
+            <a:off x="9127294" y="3653205"/>
+            <a:ext cx="0" cy="442180"/>
+          </a:xfrm>
+          <a:prstGeom prst="straightConnector1">
+            <a:avLst/>
+          </a:prstGeom>
+          <a:ln w="76200">
+            <a:solidFill>
+              <a:schemeClr val="accent6"/>
+            </a:solidFill>
+            <a:tailEnd type="triangle"/>
+          </a:ln>
+        </p:spPr>
+        <p:style>
+          <a:lnRef idx="2">
+            <a:schemeClr val="accent1"/>
+          </a:lnRef>
+          <a:fillRef idx="0">
+            <a:schemeClr val="accent1"/>
+          </a:fillRef>
+          <a:effectRef idx="1">
+            <a:schemeClr val="accent1"/>
+          </a:effectRef>
+          <a:fontRef idx="minor">
+            <a:schemeClr val="tx1"/>
+          </a:fontRef>
+        </p:style>
+      </p:cxnSp>
+      <p:cxnSp>
+        <p:nvCxnSpPr>
+          <p:cNvPr id="32" name="Straight Arrow Connector 31">
+            <a:extLst>
+              <a:ext uri="{FF2B5EF4-FFF2-40B4-BE49-F238E27FC236}">
+                <a16:creationId xmlns:a16="http://schemas.microsoft.com/office/drawing/2014/main" id="{77410BC2-DF65-836B-9673-57F3A6DCE37B}"/>
+              </a:ext>
+            </a:extLst>
+          </p:cNvPr>
+          <p:cNvCxnSpPr>
+            <a:cxnSpLocks/>
+          </p:cNvCxnSpPr>
+          <p:nvPr/>
+        </p:nvCxnSpPr>
+        <p:spPr>
+          <a:xfrm>
+            <a:off x="7069084" y="5494277"/>
+            <a:ext cx="0" cy="442180"/>
+          </a:xfrm>
+          <a:prstGeom prst="straightConnector1">
+            <a:avLst/>
+          </a:prstGeom>
+          <a:ln w="76200">
+            <a:solidFill>
+              <a:schemeClr val="accent6"/>
+            </a:solidFill>
+            <a:tailEnd type="triangle"/>
+          </a:ln>
+        </p:spPr>
+        <p:style>
+          <a:lnRef idx="2">
+            <a:schemeClr val="accent1"/>
+          </a:lnRef>
+          <a:fillRef idx="0">
+            <a:schemeClr val="accent1"/>
+          </a:fillRef>
+          <a:effectRef idx="1">
+            <a:schemeClr val="accent1"/>
+          </a:effectRef>
+          <a:fontRef idx="minor">
+            <a:schemeClr val="tx1"/>
+          </a:fontRef>
+        </p:style>
+      </p:cxnSp>
+      <p:cxnSp>
+        <p:nvCxnSpPr>
+          <p:cNvPr id="33" name="Straight Arrow Connector 32">
+            <a:extLst>
+              <a:ext uri="{FF2B5EF4-FFF2-40B4-BE49-F238E27FC236}">
+                <a16:creationId xmlns:a16="http://schemas.microsoft.com/office/drawing/2014/main" id="{1ED1C10C-31DE-6F71-F7E6-C4371A576E16}"/>
+              </a:ext>
+            </a:extLst>
+          </p:cNvPr>
+          <p:cNvCxnSpPr>
+            <a:cxnSpLocks/>
+          </p:cNvCxnSpPr>
+          <p:nvPr/>
+        </p:nvCxnSpPr>
+        <p:spPr>
+          <a:xfrm flipH="1">
+            <a:off x="5607515" y="4667801"/>
+            <a:ext cx="407446" cy="0"/>
+          </a:xfrm>
+          <a:prstGeom prst="straightConnector1">
+            <a:avLst/>
+          </a:prstGeom>
+          <a:ln w="76200">
+            <a:solidFill>
+              <a:schemeClr val="accent6"/>
+            </a:solidFill>
+            <a:tailEnd type="triangle"/>
+          </a:ln>
+        </p:spPr>
+        <p:style>
+          <a:lnRef idx="2">
+            <a:schemeClr val="accent1"/>
+          </a:lnRef>
+          <a:fillRef idx="0">
+            <a:schemeClr val="accent1"/>
+          </a:fillRef>
+          <a:effectRef idx="1">
+            <a:schemeClr val="accent1"/>
+          </a:effectRef>
+          <a:fontRef idx="minor">
+            <a:schemeClr val="tx1"/>
+          </a:fontRef>
+        </p:style>
+      </p:cxnSp>
+      <p:cxnSp>
+        <p:nvCxnSpPr>
+          <p:cNvPr id="36" name="Straight Arrow Connector 35">
+            <a:extLst>
+              <a:ext uri="{FF2B5EF4-FFF2-40B4-BE49-F238E27FC236}">
+                <a16:creationId xmlns:a16="http://schemas.microsoft.com/office/drawing/2014/main" id="{5CE19E5F-2300-3A09-8B0C-A7A9BE62E86D}"/>
+              </a:ext>
+            </a:extLst>
+          </p:cNvPr>
+          <p:cNvCxnSpPr>
+            <a:cxnSpLocks/>
+          </p:cNvCxnSpPr>
+          <p:nvPr/>
+        </p:nvCxnSpPr>
+        <p:spPr>
+          <a:xfrm flipH="1">
+            <a:off x="3980648" y="4616007"/>
+            <a:ext cx="407446" cy="0"/>
+          </a:xfrm>
+          <a:prstGeom prst="straightConnector1">
+            <a:avLst/>
+          </a:prstGeom>
+          <a:ln w="76200">
+            <a:solidFill>
+              <a:schemeClr val="accent6"/>
+            </a:solidFill>
+            <a:tailEnd type="triangle"/>
+          </a:ln>
+        </p:spPr>
+        <p:style>
+          <a:lnRef idx="2">
+            <a:schemeClr val="accent1"/>
+          </a:lnRef>
+          <a:fillRef idx="0">
+            <a:schemeClr val="accent1"/>
+          </a:fillRef>
+          <a:effectRef idx="1">
+            <a:schemeClr val="accent1"/>
+          </a:effectRef>
+          <a:fontRef idx="minor">
+            <a:schemeClr val="tx1"/>
+          </a:fontRef>
+        </p:style>
+      </p:cxnSp>
+      <p:cxnSp>
+        <p:nvCxnSpPr>
+          <p:cNvPr id="37" name="Straight Arrow Connector 36">
+            <a:extLst>
+              <a:ext uri="{FF2B5EF4-FFF2-40B4-BE49-F238E27FC236}">
+                <a16:creationId xmlns:a16="http://schemas.microsoft.com/office/drawing/2014/main" id="{C1BA1B7D-FD8A-DA63-0FA0-A456053C97AC}"/>
+              </a:ext>
+            </a:extLst>
+          </p:cNvPr>
+          <p:cNvCxnSpPr>
+            <a:cxnSpLocks/>
+          </p:cNvCxnSpPr>
+          <p:nvPr/>
+        </p:nvCxnSpPr>
+        <p:spPr>
+          <a:xfrm flipH="1">
+            <a:off x="2254166" y="4574078"/>
+            <a:ext cx="407446" cy="0"/>
+          </a:xfrm>
+          <a:prstGeom prst="straightConnector1">
+            <a:avLst/>
+          </a:prstGeom>
+          <a:ln w="76200">
+            <a:solidFill>
+              <a:schemeClr val="accent6"/>
+            </a:solidFill>
+            <a:tailEnd type="triangle"/>
+          </a:ln>
+        </p:spPr>
+        <p:style>
+          <a:lnRef idx="2">
+            <a:schemeClr val="accent1"/>
+          </a:lnRef>
+          <a:fillRef idx="0">
+            <a:schemeClr val="accent1"/>
+          </a:fillRef>
+          <a:effectRef idx="1">
+            <a:schemeClr val="accent1"/>
+          </a:effectRef>
+          <a:fontRef idx="minor">
+            <a:schemeClr val="tx1"/>
+          </a:fontRef>
+        </p:style>
+      </p:cxnSp>
+      <p:cxnSp>
+        <p:nvCxnSpPr>
+          <p:cNvPr id="39" name="Straight Connector 38">
+            <a:extLst>
+              <a:ext uri="{FF2B5EF4-FFF2-40B4-BE49-F238E27FC236}">
+                <a16:creationId xmlns:a16="http://schemas.microsoft.com/office/drawing/2014/main" id="{C0FB1F7B-6982-22DF-60A5-2CA62EA8C959}"/>
+              </a:ext>
+            </a:extLst>
+          </p:cNvPr>
+          <p:cNvCxnSpPr>
+            <a:cxnSpLocks/>
+          </p:cNvCxnSpPr>
+          <p:nvPr/>
+        </p:nvCxnSpPr>
+        <p:spPr>
+          <a:xfrm flipV="1">
+            <a:off x="11267710" y="1469598"/>
+            <a:ext cx="0" cy="802665"/>
+          </a:xfrm>
+          <a:prstGeom prst="line">
+            <a:avLst/>
+          </a:prstGeom>
+          <a:ln w="76200">
+            <a:solidFill>
+              <a:schemeClr val="accent6"/>
+            </a:solidFill>
+          </a:ln>
+        </p:spPr>
+        <p:style>
+          <a:lnRef idx="2">
+            <a:schemeClr val="accent1"/>
+          </a:lnRef>
+          <a:fillRef idx="0">
+            <a:schemeClr val="accent1"/>
+          </a:fillRef>
+          <a:effectRef idx="1">
+            <a:schemeClr val="accent1"/>
+          </a:effectRef>
+          <a:fontRef idx="minor">
+            <a:schemeClr val="tx1"/>
+          </a:fontRef>
+        </p:style>
+      </p:cxnSp>
+      <p:cxnSp>
+        <p:nvCxnSpPr>
+          <p:cNvPr id="41" name="Straight Connector 40">
+            <a:extLst>
+              <a:ext uri="{FF2B5EF4-FFF2-40B4-BE49-F238E27FC236}">
+                <a16:creationId xmlns:a16="http://schemas.microsoft.com/office/drawing/2014/main" id="{78857C21-FF34-8127-2AAF-8FA3FB7507A0}"/>
+              </a:ext>
+            </a:extLst>
+          </p:cNvPr>
+          <p:cNvCxnSpPr>
+            <a:cxnSpLocks/>
+          </p:cNvCxnSpPr>
+          <p:nvPr/>
+        </p:nvCxnSpPr>
+        <p:spPr>
+          <a:xfrm>
+            <a:off x="9127294" y="1501472"/>
+            <a:ext cx="2140416" cy="0"/>
+          </a:xfrm>
+          <a:prstGeom prst="line">
+            <a:avLst/>
+          </a:prstGeom>
+          <a:ln w="76200">
+            <a:solidFill>
+              <a:schemeClr val="accent6"/>
+            </a:solidFill>
+          </a:ln>
+        </p:spPr>
+        <p:style>
+          <a:lnRef idx="2">
+            <a:schemeClr val="accent1"/>
+          </a:lnRef>
+          <a:fillRef idx="0">
+            <a:schemeClr val="accent1"/>
+          </a:fillRef>
+          <a:effectRef idx="1">
+            <a:schemeClr val="accent1"/>
+          </a:effectRef>
+          <a:fontRef idx="minor">
+            <a:schemeClr val="tx1"/>
+          </a:fontRef>
+        </p:style>
+      </p:cxnSp>
+      <p:cxnSp>
+        <p:nvCxnSpPr>
+          <p:cNvPr id="45" name="Straight Arrow Connector 44">
+            <a:extLst>
+              <a:ext uri="{FF2B5EF4-FFF2-40B4-BE49-F238E27FC236}">
+                <a16:creationId xmlns:a16="http://schemas.microsoft.com/office/drawing/2014/main" id="{7509C28F-A4CA-F845-3C1D-196C32739D60}"/>
+              </a:ext>
+            </a:extLst>
+          </p:cNvPr>
+          <p:cNvCxnSpPr>
+            <a:cxnSpLocks/>
+          </p:cNvCxnSpPr>
+          <p:nvPr/>
+        </p:nvCxnSpPr>
+        <p:spPr>
+          <a:xfrm flipH="1">
+            <a:off x="8118365" y="4667801"/>
+            <a:ext cx="437055" cy="0"/>
+          </a:xfrm>
+          <a:prstGeom prst="straightConnector1">
+            <a:avLst/>
+          </a:prstGeom>
+          <a:ln w="76200">
+            <a:solidFill>
+              <a:schemeClr val="accent6"/>
+            </a:solidFill>
+            <a:tailEnd type="triangle"/>
+          </a:ln>
+        </p:spPr>
+        <p:style>
+          <a:lnRef idx="2">
+            <a:schemeClr val="accent1"/>
+          </a:lnRef>
+          <a:fillRef idx="0">
+            <a:schemeClr val="accent1"/>
+          </a:fillRef>
+          <a:effectRef idx="1">
+            <a:schemeClr val="accent1"/>
+          </a:effectRef>
+          <a:fontRef idx="minor">
+            <a:schemeClr val="tx1"/>
+          </a:fontRef>
+        </p:style>
+      </p:cxnSp>
+      <p:cxnSp>
+        <p:nvCxnSpPr>
+          <p:cNvPr id="50" name="Straight Connector 49">
+            <a:extLst>
+              <a:ext uri="{FF2B5EF4-FFF2-40B4-BE49-F238E27FC236}">
+                <a16:creationId xmlns:a16="http://schemas.microsoft.com/office/drawing/2014/main" id="{267B7B5D-3B43-699C-FE56-483823CF00A3}"/>
+              </a:ext>
+            </a:extLst>
+          </p:cNvPr>
+          <p:cNvCxnSpPr>
+            <a:cxnSpLocks/>
+          </p:cNvCxnSpPr>
+          <p:nvPr/>
+        </p:nvCxnSpPr>
+        <p:spPr>
+          <a:xfrm>
+            <a:off x="7800962" y="6342730"/>
+            <a:ext cx="519642" cy="0"/>
+          </a:xfrm>
+          <a:prstGeom prst="line">
+            <a:avLst/>
+          </a:prstGeom>
+          <a:ln w="76200">
+            <a:solidFill>
+              <a:schemeClr val="accent6"/>
+            </a:solidFill>
+          </a:ln>
+        </p:spPr>
+        <p:style>
+          <a:lnRef idx="2">
+            <a:schemeClr val="accent1"/>
+          </a:lnRef>
+          <a:fillRef idx="0">
+            <a:schemeClr val="accent1"/>
+          </a:fillRef>
+          <a:effectRef idx="1">
+            <a:schemeClr val="accent1"/>
+          </a:effectRef>
+          <a:fontRef idx="minor">
+            <a:schemeClr val="tx1"/>
+          </a:fontRef>
+        </p:style>
+      </p:cxnSp>
+      <p:cxnSp>
+        <p:nvCxnSpPr>
+          <p:cNvPr id="52" name="Straight Arrow Connector 51">
+            <a:extLst>
+              <a:ext uri="{FF2B5EF4-FFF2-40B4-BE49-F238E27FC236}">
+                <a16:creationId xmlns:a16="http://schemas.microsoft.com/office/drawing/2014/main" id="{4CCEAEA5-A03D-00B7-8D6C-0C076EF29D73}"/>
+              </a:ext>
+            </a:extLst>
+          </p:cNvPr>
+          <p:cNvCxnSpPr>
+            <a:cxnSpLocks/>
+          </p:cNvCxnSpPr>
+          <p:nvPr/>
+        </p:nvCxnSpPr>
+        <p:spPr>
+          <a:xfrm flipH="1" flipV="1">
+            <a:off x="7599776" y="5128340"/>
+            <a:ext cx="712658" cy="1214390"/>
+          </a:xfrm>
+          <a:prstGeom prst="straightConnector1">
+            <a:avLst/>
+          </a:prstGeom>
+          <a:ln w="76200">
+            <a:solidFill>
+              <a:schemeClr val="accent6"/>
+            </a:solidFill>
+            <a:tailEnd type="triangle"/>
+          </a:ln>
+        </p:spPr>
+        <p:style>
+          <a:lnRef idx="2">
+            <a:schemeClr val="accent1"/>
+          </a:lnRef>
+          <a:fillRef idx="0">
+            <a:schemeClr val="accent1"/>
+          </a:fillRef>
+          <a:effectRef idx="1">
+            <a:schemeClr val="accent1"/>
+          </a:effectRef>
+          <a:fontRef idx="minor">
+            <a:schemeClr val="tx1"/>
+          </a:fontRef>
+        </p:style>
+      </p:cxnSp>
+      <p:sp>
+        <p:nvSpPr>
+          <p:cNvPr id="19" name="Rectangle 18">
+            <a:extLst>
+              <a:ext uri="{FF2B5EF4-FFF2-40B4-BE49-F238E27FC236}">
+                <a16:creationId xmlns:a16="http://schemas.microsoft.com/office/drawing/2014/main" id="{A3353916-2170-51C0-E568-08E23F1CA200}"/>
+              </a:ext>
+            </a:extLst>
+          </p:cNvPr>
+          <p:cNvSpPr/>
+          <p:nvPr/>
+        </p:nvSpPr>
+        <p:spPr>
+          <a:xfrm>
+            <a:off x="2885012" y="4167830"/>
+            <a:ext cx="994627" cy="923192"/>
+          </a:xfrm>
+          <a:prstGeom prst="rect">
+            <a:avLst/>
+          </a:prstGeom>
+        </p:spPr>
+        <p:style>
+          <a:lnRef idx="2">
+            <a:schemeClr val="accent1">
+              <a:shade val="15000"/>
+            </a:schemeClr>
+          </a:lnRef>
+          <a:fillRef idx="1">
+            <a:schemeClr val="accent1"/>
+          </a:fillRef>
+          <a:effectRef idx="0">
+            <a:schemeClr val="accent1"/>
+          </a:effectRef>
+          <a:fontRef idx="minor">
+            <a:schemeClr val="lt1"/>
+          </a:fontRef>
+        </p:style>
+        <p:txBody>
+          <a:bodyPr rtlCol="0" anchor="ctr"/>
+          <a:lstStyle/>
+          <a:p>
+            <a:pPr algn="ctr"/>
+            <a:r>
+              <a:rPr lang="en-US" dirty="0"/>
+              <a:t>Open fridge</a:t>
+            </a:r>
+          </a:p>
+        </p:txBody>
+      </p:sp>
+      <p:sp>
+        <p:nvSpPr>
+          <p:cNvPr id="21" name="Rectangle 20">
+            <a:extLst>
+              <a:ext uri="{FF2B5EF4-FFF2-40B4-BE49-F238E27FC236}">
+                <a16:creationId xmlns:a16="http://schemas.microsoft.com/office/drawing/2014/main" id="{5E683000-B2D4-1D08-61E0-CC80163BC30B}"/>
+              </a:ext>
+            </a:extLst>
+          </p:cNvPr>
+          <p:cNvSpPr/>
+          <p:nvPr/>
+        </p:nvSpPr>
+        <p:spPr>
+          <a:xfrm>
+            <a:off x="924290" y="4112482"/>
+            <a:ext cx="1161683" cy="923192"/>
+          </a:xfrm>
+          <a:prstGeom prst="rect">
+            <a:avLst/>
+          </a:prstGeom>
+        </p:spPr>
+        <p:style>
+          <a:lnRef idx="2">
+            <a:schemeClr val="accent1">
+              <a:shade val="15000"/>
+            </a:schemeClr>
+          </a:lnRef>
+          <a:fillRef idx="1">
+            <a:schemeClr val="accent1"/>
+          </a:fillRef>
+          <a:effectRef idx="0">
+            <a:schemeClr val="accent1"/>
+          </a:effectRef>
+          <a:fontRef idx="minor">
+            <a:schemeClr val="lt1"/>
+          </a:fontRef>
+        </p:style>
+        <p:txBody>
+          <a:bodyPr rtlCol="0" anchor="ctr"/>
+          <a:lstStyle/>
+          <a:p>
+            <a:pPr algn="ctr"/>
+            <a:r>
+              <a:rPr lang="en-US" dirty="0"/>
+              <a:t>Remove milk from fridge</a:t>
+            </a:r>
+          </a:p>
+        </p:txBody>
+      </p:sp>
+      <p:sp>
+        <p:nvSpPr>
+          <p:cNvPr id="23" name="Rectangle 22">
+            <a:extLst>
+              <a:ext uri="{FF2B5EF4-FFF2-40B4-BE49-F238E27FC236}">
+                <a16:creationId xmlns:a16="http://schemas.microsoft.com/office/drawing/2014/main" id="{8FBF1C1E-75B6-BE61-FFF2-B33C3065A15E}"/>
+              </a:ext>
+            </a:extLst>
+          </p:cNvPr>
+          <p:cNvSpPr/>
+          <p:nvPr/>
+        </p:nvSpPr>
+        <p:spPr>
+          <a:xfrm>
+            <a:off x="924290" y="5555373"/>
+            <a:ext cx="994627" cy="923192"/>
+          </a:xfrm>
+          <a:prstGeom prst="rect">
+            <a:avLst/>
+          </a:prstGeom>
+        </p:spPr>
+        <p:style>
+          <a:lnRef idx="2">
+            <a:schemeClr val="accent1">
+              <a:shade val="15000"/>
+            </a:schemeClr>
+          </a:lnRef>
+          <a:fillRef idx="1">
+            <a:schemeClr val="accent1"/>
+          </a:fillRef>
+          <a:effectRef idx="0">
+            <a:schemeClr val="accent1"/>
+          </a:effectRef>
+          <a:fontRef idx="minor">
+            <a:schemeClr val="lt1"/>
+          </a:fontRef>
+        </p:style>
+        <p:txBody>
+          <a:bodyPr rtlCol="0" anchor="ctr"/>
+          <a:lstStyle/>
+          <a:p>
+            <a:pPr algn="ctr"/>
+            <a:r>
+              <a:rPr lang="en-US" dirty="0"/>
+              <a:t>Pour milk into cup</a:t>
+            </a:r>
+          </a:p>
+        </p:txBody>
+      </p:sp>
+      <p:sp>
+        <p:nvSpPr>
+          <p:cNvPr id="24" name="Rectangle 23">
+            <a:extLst>
+              <a:ext uri="{FF2B5EF4-FFF2-40B4-BE49-F238E27FC236}">
+                <a16:creationId xmlns:a16="http://schemas.microsoft.com/office/drawing/2014/main" id="{ECCEAE1D-25B9-2E4C-4A40-19585D4B7991}"/>
+              </a:ext>
+            </a:extLst>
+          </p:cNvPr>
+          <p:cNvSpPr/>
+          <p:nvPr/>
+        </p:nvSpPr>
+        <p:spPr>
+          <a:xfrm>
+            <a:off x="2488981" y="5544250"/>
+            <a:ext cx="1147596" cy="923192"/>
+          </a:xfrm>
+          <a:prstGeom prst="rect">
+            <a:avLst/>
+          </a:prstGeom>
+        </p:spPr>
+        <p:style>
+          <a:lnRef idx="2">
+            <a:schemeClr val="accent1">
+              <a:shade val="15000"/>
+            </a:schemeClr>
+          </a:lnRef>
+          <a:fillRef idx="1">
+            <a:schemeClr val="accent1"/>
+          </a:fillRef>
+          <a:effectRef idx="0">
+            <a:schemeClr val="accent1"/>
+          </a:effectRef>
+          <a:fontRef idx="minor">
+            <a:schemeClr val="lt1"/>
+          </a:fontRef>
+        </p:style>
+        <p:txBody>
+          <a:bodyPr rtlCol="0" anchor="ctr"/>
+          <a:lstStyle/>
+          <a:p>
+            <a:pPr algn="ctr"/>
+            <a:r>
+              <a:rPr lang="en-US" dirty="0"/>
+              <a:t>Put milk back into fridge</a:t>
+            </a:r>
+          </a:p>
+        </p:txBody>
+      </p:sp>
+      <p:cxnSp>
+        <p:nvCxnSpPr>
+          <p:cNvPr id="25" name="Straight Arrow Connector 24">
+            <a:extLst>
+              <a:ext uri="{FF2B5EF4-FFF2-40B4-BE49-F238E27FC236}">
+                <a16:creationId xmlns:a16="http://schemas.microsoft.com/office/drawing/2014/main" id="{5DD11AB1-ED71-EA33-8EEA-6487804F2C5F}"/>
+              </a:ext>
+            </a:extLst>
+          </p:cNvPr>
+          <p:cNvCxnSpPr>
+            <a:cxnSpLocks/>
+          </p:cNvCxnSpPr>
+          <p:nvPr/>
+        </p:nvCxnSpPr>
+        <p:spPr>
+          <a:xfrm>
+            <a:off x="1483170" y="5052097"/>
+            <a:ext cx="0" cy="442180"/>
+          </a:xfrm>
+          <a:prstGeom prst="straightConnector1">
+            <a:avLst/>
+          </a:prstGeom>
+          <a:ln w="76200">
+            <a:solidFill>
+              <a:schemeClr val="accent6"/>
+            </a:solidFill>
+            <a:tailEnd type="triangle"/>
+          </a:ln>
+        </p:spPr>
+        <p:style>
+          <a:lnRef idx="2">
+            <a:schemeClr val="accent1"/>
+          </a:lnRef>
+          <a:fillRef idx="0">
+            <a:schemeClr val="accent1"/>
+          </a:fillRef>
+          <a:effectRef idx="1">
+            <a:schemeClr val="accent1"/>
+          </a:effectRef>
+          <a:fontRef idx="minor">
+            <a:schemeClr val="tx1"/>
+          </a:fontRef>
+        </p:style>
+      </p:cxnSp>
+      <p:cxnSp>
+        <p:nvCxnSpPr>
+          <p:cNvPr id="30" name="Straight Arrow Connector 29">
+            <a:extLst>
+              <a:ext uri="{FF2B5EF4-FFF2-40B4-BE49-F238E27FC236}">
+                <a16:creationId xmlns:a16="http://schemas.microsoft.com/office/drawing/2014/main" id="{5781F7F3-BF39-0117-D998-09ABE195439C}"/>
+              </a:ext>
+            </a:extLst>
+          </p:cNvPr>
+          <p:cNvCxnSpPr>
+            <a:cxnSpLocks/>
+          </p:cNvCxnSpPr>
+          <p:nvPr/>
+        </p:nvCxnSpPr>
+        <p:spPr>
+          <a:xfrm>
+            <a:off x="1961637" y="5953591"/>
+            <a:ext cx="466696" cy="0"/>
+          </a:xfrm>
+          <a:prstGeom prst="straightConnector1">
+            <a:avLst/>
+          </a:prstGeom>
+          <a:ln w="76200">
+            <a:solidFill>
+              <a:schemeClr val="accent6"/>
+            </a:solidFill>
+            <a:tailEnd type="triangle"/>
+          </a:ln>
+        </p:spPr>
+        <p:style>
+          <a:lnRef idx="2">
+            <a:schemeClr val="accent1"/>
+          </a:lnRef>
+          <a:fillRef idx="0">
+            <a:schemeClr val="accent1"/>
+          </a:fillRef>
+          <a:effectRef idx="1">
+            <a:schemeClr val="accent1"/>
+          </a:effectRef>
+          <a:fontRef idx="minor">
+            <a:schemeClr val="tx1"/>
+          </a:fontRef>
+        </p:style>
+      </p:cxnSp>
+      <p:cxnSp>
+        <p:nvCxnSpPr>
+          <p:cNvPr id="38" name="Straight Arrow Connector 37">
+            <a:extLst>
+              <a:ext uri="{FF2B5EF4-FFF2-40B4-BE49-F238E27FC236}">
+                <a16:creationId xmlns:a16="http://schemas.microsoft.com/office/drawing/2014/main" id="{AE77609B-082C-A7B4-AB4B-78CFE17BCBB7}"/>
+              </a:ext>
+            </a:extLst>
+          </p:cNvPr>
+          <p:cNvCxnSpPr>
+            <a:cxnSpLocks/>
+          </p:cNvCxnSpPr>
+          <p:nvPr/>
+        </p:nvCxnSpPr>
+        <p:spPr>
+          <a:xfrm>
+            <a:off x="3670471" y="5968837"/>
+            <a:ext cx="418336" cy="0"/>
+          </a:xfrm>
+          <a:prstGeom prst="straightConnector1">
+            <a:avLst/>
+          </a:prstGeom>
+          <a:ln w="76200">
+            <a:solidFill>
+              <a:schemeClr val="accent6"/>
+            </a:solidFill>
+            <a:tailEnd type="triangle"/>
+          </a:ln>
+        </p:spPr>
+        <p:style>
+          <a:lnRef idx="2">
+            <a:schemeClr val="accent1"/>
+          </a:lnRef>
+          <a:fillRef idx="0">
+            <a:schemeClr val="accent1"/>
+          </a:fillRef>
+          <a:effectRef idx="1">
+            <a:schemeClr val="accent1"/>
+          </a:effectRef>
+          <a:fontRef idx="minor">
+            <a:schemeClr val="tx1"/>
+          </a:fontRef>
+        </p:style>
+      </p:cxnSp>
+    </p:spTree>
+    <p:extLst>
+      <p:ext uri="{BB962C8B-B14F-4D97-AF65-F5344CB8AC3E}">
+        <p14:creationId xmlns:p14="http://schemas.microsoft.com/office/powerpoint/2010/main" val="3926886840"/>
+      </p:ext>
+    </p:extLst>
+  </p:cSld>
+  <p:clrMapOvr>
+    <a:masterClrMapping/>
+  </p:clrMapOvr>
+</p:sld>
+</file>
+
+<file path=ppt/slides/slide12.xml><?xml version="1.0" encoding="utf-8"?>
+<p:sld xmlns:a="http://schemas.openxmlformats.org/drawingml/2006/main" xmlns:r="http://schemas.openxmlformats.org/officeDocument/2006/relationships" xmlns:p="http://schemas.openxmlformats.org/presentationml/2006/main">
+  <p:cSld>
+    <p:spTree>
+      <p:nvGrpSpPr>
+        <p:cNvPr id="1" name="">
+          <a:extLst>
+            <a:ext uri="{FF2B5EF4-FFF2-40B4-BE49-F238E27FC236}">
+              <a16:creationId xmlns:a16="http://schemas.microsoft.com/office/drawing/2014/main" id="{A0B480A9-C6EE-DA1E-73D9-1842F6849CA3}"/>
+            </a:ext>
+          </a:extLst>
+        </p:cNvPr>
+        <p:cNvGrpSpPr/>
+        <p:nvPr/>
+      </p:nvGrpSpPr>
+      <p:grpSpPr>
+        <a:xfrm>
+          <a:off x="0" y="0"/>
+          <a:ext cx="0" cy="0"/>
+          <a:chOff x="0" y="0"/>
+          <a:chExt cx="0" cy="0"/>
+        </a:xfrm>
+      </p:grpSpPr>
+      <p:sp>
+        <p:nvSpPr>
+          <p:cNvPr id="2" name="Title 1">
+            <a:extLst>
+              <a:ext uri="{FF2B5EF4-FFF2-40B4-BE49-F238E27FC236}">
+                <a16:creationId xmlns:a16="http://schemas.microsoft.com/office/drawing/2014/main" id="{23106E28-099A-F4E8-11DB-A1B01046D4E8}"/>
+              </a:ext>
+            </a:extLst>
+          </p:cNvPr>
+          <p:cNvSpPr>
+            <a:spLocks noGrp="1"/>
+          </p:cNvSpPr>
+          <p:nvPr>
+            <p:ph type="title"/>
+          </p:nvPr>
+        </p:nvSpPr>
+        <p:spPr/>
+        <p:txBody>
+          <a:bodyPr/>
+          <a:lstStyle/>
+          <a:p>
+            <a:r>
+              <a:rPr lang="en-US" dirty="0"/>
+              <a:t>Designing algorithms</a:t>
+            </a:r>
+          </a:p>
+        </p:txBody>
+      </p:sp>
+      <p:sp>
+        <p:nvSpPr>
+          <p:cNvPr id="3" name="Content Placeholder 2">
+            <a:extLst>
+              <a:ext uri="{FF2B5EF4-FFF2-40B4-BE49-F238E27FC236}">
+                <a16:creationId xmlns:a16="http://schemas.microsoft.com/office/drawing/2014/main" id="{4B431144-E82E-90AD-AF48-22442A92625E}"/>
+              </a:ext>
+            </a:extLst>
+          </p:cNvPr>
+          <p:cNvSpPr>
+            <a:spLocks noGrp="1"/>
+          </p:cNvSpPr>
+          <p:nvPr>
+            <p:ph idx="1"/>
+          </p:nvPr>
+        </p:nvSpPr>
+        <p:spPr>
+          <a:xfrm>
+            <a:off x="752110" y="1704025"/>
+            <a:ext cx="10515600" cy="4351338"/>
+          </a:xfrm>
+        </p:spPr>
+        <p:txBody>
+          <a:bodyPr>
+            <a:normAutofit/>
+          </a:bodyPr>
+          <a:lstStyle/>
+          <a:p>
+            <a:pPr marL="0" indent="0">
+              <a:buNone/>
+            </a:pPr>
+            <a:r>
+              <a:rPr lang="en-US" dirty="0"/>
+              <a:t>Example:  An algorithm for making a cup of tea.</a:t>
+            </a:r>
+          </a:p>
+          <a:p>
+            <a:pPr marL="0" indent="0">
+              <a:buNone/>
+            </a:pPr>
+            <a:endParaRPr lang="en-US" dirty="0"/>
+          </a:p>
+          <a:p>
+            <a:pPr marL="0" indent="0">
+              <a:buNone/>
+            </a:pPr>
+            <a:endParaRPr lang="en-US" dirty="0"/>
+          </a:p>
+          <a:p>
+            <a:pPr marL="0" indent="0">
+              <a:buNone/>
+            </a:pPr>
+            <a:endParaRPr lang="en-US" dirty="0"/>
+          </a:p>
+        </p:txBody>
+      </p:sp>
+      <p:sp>
+        <p:nvSpPr>
+          <p:cNvPr id="4" name="Rounded Rectangle 3">
+            <a:extLst>
+              <a:ext uri="{FF2B5EF4-FFF2-40B4-BE49-F238E27FC236}">
+                <a16:creationId xmlns:a16="http://schemas.microsoft.com/office/drawing/2014/main" id="{029EBFDC-F668-AA39-12AE-F693912FA7C1}"/>
+              </a:ext>
+            </a:extLst>
+          </p:cNvPr>
+          <p:cNvSpPr/>
+          <p:nvPr/>
+        </p:nvSpPr>
+        <p:spPr>
+          <a:xfrm>
+            <a:off x="838200" y="2583533"/>
+            <a:ext cx="1247773" cy="465992"/>
+          </a:xfrm>
+          <a:prstGeom prst="roundRect">
+            <a:avLst/>
+          </a:prstGeom>
+        </p:spPr>
+        <p:style>
+          <a:lnRef idx="2">
+            <a:schemeClr val="accent6"/>
+          </a:lnRef>
+          <a:fillRef idx="1">
+            <a:schemeClr val="lt1"/>
+          </a:fillRef>
+          <a:effectRef idx="0">
+            <a:schemeClr val="accent6"/>
+          </a:effectRef>
+          <a:fontRef idx="minor">
+            <a:schemeClr val="dk1"/>
+          </a:fontRef>
+        </p:style>
+        <p:txBody>
+          <a:bodyPr rtlCol="0" anchor="ctr"/>
+          <a:lstStyle/>
+          <a:p>
+            <a:pPr algn="ctr"/>
+            <a:r>
+              <a:rPr lang="en-US" dirty="0"/>
+              <a:t>Make tea</a:t>
+            </a:r>
+          </a:p>
+        </p:txBody>
+      </p:sp>
+      <p:sp>
+        <p:nvSpPr>
+          <p:cNvPr id="6" name="Rectangle 5">
+            <a:extLst>
+              <a:ext uri="{FF2B5EF4-FFF2-40B4-BE49-F238E27FC236}">
+                <a16:creationId xmlns:a16="http://schemas.microsoft.com/office/drawing/2014/main" id="{32CC9F86-C414-3853-1DF1-0764D227AD7F}"/>
+              </a:ext>
+            </a:extLst>
+          </p:cNvPr>
+          <p:cNvSpPr/>
+          <p:nvPr/>
+        </p:nvSpPr>
+        <p:spPr>
+          <a:xfrm>
+            <a:off x="3003669" y="2399263"/>
+            <a:ext cx="943709" cy="923192"/>
+          </a:xfrm>
+          <a:prstGeom prst="rect">
+            <a:avLst/>
+          </a:prstGeom>
+        </p:spPr>
+        <p:style>
+          <a:lnRef idx="2">
+            <a:schemeClr val="accent1">
+              <a:shade val="15000"/>
+            </a:schemeClr>
+          </a:lnRef>
+          <a:fillRef idx="1">
+            <a:schemeClr val="accent1"/>
+          </a:fillRef>
+          <a:effectRef idx="0">
+            <a:schemeClr val="accent1"/>
+          </a:effectRef>
+          <a:fontRef idx="minor">
+            <a:schemeClr val="lt1"/>
+          </a:fontRef>
+        </p:style>
+        <p:txBody>
+          <a:bodyPr rtlCol="0" anchor="ctr"/>
+          <a:lstStyle/>
+          <a:p>
+            <a:pPr algn="ctr"/>
+            <a:r>
+              <a:rPr lang="en-US" dirty="0"/>
+              <a:t>Boil kettle</a:t>
+            </a:r>
+          </a:p>
+        </p:txBody>
+      </p:sp>
+      <p:sp>
+        <p:nvSpPr>
+          <p:cNvPr id="9" name="Rectangle 8">
+            <a:extLst>
+              <a:ext uri="{FF2B5EF4-FFF2-40B4-BE49-F238E27FC236}">
+                <a16:creationId xmlns:a16="http://schemas.microsoft.com/office/drawing/2014/main" id="{569A2EF3-A350-9184-C222-37F82810B639}"/>
+              </a:ext>
+            </a:extLst>
+          </p:cNvPr>
+          <p:cNvSpPr/>
+          <p:nvPr/>
+        </p:nvSpPr>
+        <p:spPr>
+          <a:xfrm>
+            <a:off x="4733485" y="2399263"/>
+            <a:ext cx="1249975" cy="923192"/>
+          </a:xfrm>
+          <a:prstGeom prst="rect">
+            <a:avLst/>
+          </a:prstGeom>
+        </p:spPr>
+        <p:style>
+          <a:lnRef idx="2">
+            <a:schemeClr val="accent1">
+              <a:shade val="15000"/>
+            </a:schemeClr>
+          </a:lnRef>
+          <a:fillRef idx="1">
+            <a:schemeClr val="accent1"/>
+          </a:fillRef>
+          <a:effectRef idx="0">
+            <a:schemeClr val="accent1"/>
+          </a:effectRef>
+          <a:fontRef idx="minor">
+            <a:schemeClr val="lt1"/>
+          </a:fontRef>
+        </p:style>
+        <p:txBody>
+          <a:bodyPr rtlCol="0" anchor="ctr"/>
+          <a:lstStyle/>
+          <a:p>
+            <a:pPr algn="ctr"/>
+            <a:r>
+              <a:rPr lang="en-US" dirty="0"/>
+              <a:t>Put teabag in cup</a:t>
+            </a:r>
+          </a:p>
+        </p:txBody>
+      </p:sp>
+      <p:sp>
+        <p:nvSpPr>
+          <p:cNvPr id="13" name="Rectangle 12">
+            <a:extLst>
+              <a:ext uri="{FF2B5EF4-FFF2-40B4-BE49-F238E27FC236}">
+                <a16:creationId xmlns:a16="http://schemas.microsoft.com/office/drawing/2014/main" id="{37CB827C-B373-1A29-CEDD-EBEDA5028B0E}"/>
+              </a:ext>
+            </a:extLst>
+          </p:cNvPr>
+          <p:cNvSpPr/>
+          <p:nvPr/>
+        </p:nvSpPr>
+        <p:spPr>
+          <a:xfrm>
+            <a:off x="6732452" y="2399263"/>
+            <a:ext cx="1196301" cy="923192"/>
+          </a:xfrm>
+          <a:prstGeom prst="rect">
+            <a:avLst/>
+          </a:prstGeom>
+        </p:spPr>
+        <p:style>
+          <a:lnRef idx="2">
+            <a:schemeClr val="accent1">
+              <a:shade val="15000"/>
+            </a:schemeClr>
+          </a:lnRef>
+          <a:fillRef idx="1">
+            <a:schemeClr val="accent1"/>
+          </a:fillRef>
+          <a:effectRef idx="0">
+            <a:schemeClr val="accent1"/>
+          </a:effectRef>
+          <a:fontRef idx="minor">
+            <a:schemeClr val="lt1"/>
+          </a:fontRef>
+        </p:style>
+        <p:txBody>
+          <a:bodyPr rtlCol="0" anchor="ctr"/>
+          <a:lstStyle/>
+          <a:p>
+            <a:pPr algn="ctr"/>
+            <a:r>
+              <a:rPr lang="en-US" dirty="0"/>
+              <a:t>Pour water into cup</a:t>
+            </a:r>
+          </a:p>
+        </p:txBody>
+      </p:sp>
+      <p:sp>
+        <p:nvSpPr>
+          <p:cNvPr id="18" name="Rounded Rectangle 17">
+            <a:extLst>
+              <a:ext uri="{FF2B5EF4-FFF2-40B4-BE49-F238E27FC236}">
+                <a16:creationId xmlns:a16="http://schemas.microsoft.com/office/drawing/2014/main" id="{9BA30C45-F29A-6574-B8E3-9214A8AD2610}"/>
+              </a:ext>
+            </a:extLst>
+          </p:cNvPr>
+          <p:cNvSpPr/>
+          <p:nvPr/>
+        </p:nvSpPr>
+        <p:spPr>
+          <a:xfrm>
+            <a:off x="10134230" y="2627863"/>
+            <a:ext cx="1397977" cy="465992"/>
+          </a:xfrm>
+          <a:prstGeom prst="roundRect">
+            <a:avLst/>
+          </a:prstGeom>
+        </p:spPr>
+        <p:style>
+          <a:lnRef idx="2">
+            <a:schemeClr val="accent6"/>
+          </a:lnRef>
+          <a:fillRef idx="1">
+            <a:schemeClr val="lt1"/>
+          </a:fillRef>
+          <a:effectRef idx="0">
+            <a:schemeClr val="accent6"/>
+          </a:effectRef>
+          <a:fontRef idx="minor">
+            <a:schemeClr val="dk1"/>
+          </a:fontRef>
+        </p:style>
+        <p:txBody>
+          <a:bodyPr rtlCol="0" anchor="ctr"/>
+          <a:lstStyle/>
+          <a:p>
+            <a:pPr algn="ctr"/>
+            <a:r>
+              <a:rPr lang="en-US" dirty="0"/>
+              <a:t>Tea is made</a:t>
+            </a:r>
+          </a:p>
+        </p:txBody>
+      </p:sp>
+      <p:cxnSp>
+        <p:nvCxnSpPr>
+          <p:cNvPr id="20" name="Straight Arrow Connector 19">
+            <a:extLst>
+              <a:ext uri="{FF2B5EF4-FFF2-40B4-BE49-F238E27FC236}">
+                <a16:creationId xmlns:a16="http://schemas.microsoft.com/office/drawing/2014/main" id="{B7F966EF-9DFD-3E5D-6C17-B32251857242}"/>
+              </a:ext>
+            </a:extLst>
+          </p:cNvPr>
+          <p:cNvCxnSpPr>
+            <a:cxnSpLocks/>
+          </p:cNvCxnSpPr>
+          <p:nvPr/>
+        </p:nvCxnSpPr>
+        <p:spPr>
+          <a:xfrm>
+            <a:off x="2154115" y="2860859"/>
+            <a:ext cx="585057" cy="0"/>
+          </a:xfrm>
+          <a:prstGeom prst="straightConnector1">
+            <a:avLst/>
+          </a:prstGeom>
+          <a:ln w="76200">
+            <a:solidFill>
+              <a:schemeClr val="accent6"/>
+            </a:solidFill>
+            <a:tailEnd type="triangle"/>
+          </a:ln>
+        </p:spPr>
+        <p:style>
+          <a:lnRef idx="2">
+            <a:schemeClr val="accent1"/>
+          </a:lnRef>
+          <a:fillRef idx="0">
+            <a:schemeClr val="accent1"/>
+          </a:fillRef>
+          <a:effectRef idx="1">
+            <a:schemeClr val="accent1"/>
+          </a:effectRef>
+          <a:fontRef idx="minor">
+            <a:schemeClr val="tx1"/>
+          </a:fontRef>
+        </p:style>
+      </p:cxnSp>
+      <p:cxnSp>
+        <p:nvCxnSpPr>
+          <p:cNvPr id="22" name="Straight Arrow Connector 21">
+            <a:extLst>
+              <a:ext uri="{FF2B5EF4-FFF2-40B4-BE49-F238E27FC236}">
+                <a16:creationId xmlns:a16="http://schemas.microsoft.com/office/drawing/2014/main" id="{88D0AFD8-040B-89D7-F652-E0AC01E3E863}"/>
+              </a:ext>
+            </a:extLst>
+          </p:cNvPr>
+          <p:cNvCxnSpPr>
+            <a:cxnSpLocks/>
+          </p:cNvCxnSpPr>
+          <p:nvPr/>
+        </p:nvCxnSpPr>
+        <p:spPr>
+          <a:xfrm>
+            <a:off x="4088423" y="2860859"/>
+            <a:ext cx="599343" cy="0"/>
+          </a:xfrm>
+          <a:prstGeom prst="straightConnector1">
+            <a:avLst/>
+          </a:prstGeom>
+          <a:ln w="76200">
+            <a:solidFill>
+              <a:schemeClr val="accent6"/>
+            </a:solidFill>
+            <a:tailEnd type="triangle"/>
+          </a:ln>
+        </p:spPr>
+        <p:style>
+          <a:lnRef idx="2">
+            <a:schemeClr val="accent1"/>
+          </a:lnRef>
+          <a:fillRef idx="0">
+            <a:schemeClr val="accent1"/>
+          </a:fillRef>
+          <a:effectRef idx="1">
+            <a:schemeClr val="accent1"/>
+          </a:effectRef>
+          <a:fontRef idx="minor">
+            <a:schemeClr val="tx1"/>
+          </a:fontRef>
+        </p:style>
+      </p:cxnSp>
+      <p:cxnSp>
+        <p:nvCxnSpPr>
+          <p:cNvPr id="26" name="Straight Arrow Connector 25">
+            <a:extLst>
+              <a:ext uri="{FF2B5EF4-FFF2-40B4-BE49-F238E27FC236}">
+                <a16:creationId xmlns:a16="http://schemas.microsoft.com/office/drawing/2014/main" id="{93CC1D0D-2EBF-CA36-5A28-946DF8B5DBF2}"/>
+              </a:ext>
+            </a:extLst>
+          </p:cNvPr>
+          <p:cNvCxnSpPr>
+            <a:cxnSpLocks/>
+          </p:cNvCxnSpPr>
+          <p:nvPr/>
+        </p:nvCxnSpPr>
+        <p:spPr>
+          <a:xfrm>
+            <a:off x="6009910" y="2860859"/>
+            <a:ext cx="599343" cy="0"/>
+          </a:xfrm>
+          <a:prstGeom prst="straightConnector1">
+            <a:avLst/>
+          </a:prstGeom>
+          <a:ln w="76200">
+            <a:solidFill>
+              <a:schemeClr val="accent6"/>
+            </a:solidFill>
+            <a:tailEnd type="triangle"/>
+          </a:ln>
+        </p:spPr>
+        <p:style>
+          <a:lnRef idx="2">
+            <a:schemeClr val="accent1"/>
+          </a:lnRef>
+          <a:fillRef idx="0">
+            <a:schemeClr val="accent1"/>
+          </a:fillRef>
+          <a:effectRef idx="1">
+            <a:schemeClr val="accent1"/>
+          </a:effectRef>
+          <a:fontRef idx="minor">
+            <a:schemeClr val="tx1"/>
+          </a:fontRef>
+        </p:style>
+      </p:cxnSp>
+      <p:cxnSp>
+        <p:nvCxnSpPr>
+          <p:cNvPr id="38" name="Straight Arrow Connector 37">
+            <a:extLst>
+              <a:ext uri="{FF2B5EF4-FFF2-40B4-BE49-F238E27FC236}">
+                <a16:creationId xmlns:a16="http://schemas.microsoft.com/office/drawing/2014/main" id="{D9D604DF-A66B-5735-1F5C-E61721CD2E4F}"/>
+              </a:ext>
+            </a:extLst>
+          </p:cNvPr>
+          <p:cNvCxnSpPr>
+            <a:cxnSpLocks/>
+          </p:cNvCxnSpPr>
+          <p:nvPr/>
+        </p:nvCxnSpPr>
+        <p:spPr>
+          <a:xfrm>
+            <a:off x="7992126" y="2860859"/>
+            <a:ext cx="418336" cy="0"/>
+          </a:xfrm>
+          <a:prstGeom prst="straightConnector1">
+            <a:avLst/>
+          </a:prstGeom>
+          <a:ln w="76200">
+            <a:solidFill>
+              <a:schemeClr val="accent6"/>
+            </a:solidFill>
+            <a:tailEnd type="triangle"/>
+          </a:ln>
+        </p:spPr>
+        <p:style>
+          <a:lnRef idx="2">
+            <a:schemeClr val="accent1"/>
+          </a:lnRef>
+          <a:fillRef idx="0">
+            <a:schemeClr val="accent1"/>
+          </a:fillRef>
+          <a:effectRef idx="1">
+            <a:schemeClr val="accent1"/>
+          </a:effectRef>
+          <a:fontRef idx="minor">
+            <a:schemeClr val="tx1"/>
+          </a:fontRef>
+        </p:style>
+      </p:cxnSp>
+      <p:sp>
+        <p:nvSpPr>
+          <p:cNvPr id="7" name="Rectangle 6">
+            <a:extLst>
+              <a:ext uri="{FF2B5EF4-FFF2-40B4-BE49-F238E27FC236}">
+                <a16:creationId xmlns:a16="http://schemas.microsoft.com/office/drawing/2014/main" id="{52FBC4F4-A0D3-1682-B5B7-BD6E5C8B2212}"/>
+              </a:ext>
+            </a:extLst>
+          </p:cNvPr>
+          <p:cNvSpPr/>
+          <p:nvPr/>
+        </p:nvSpPr>
+        <p:spPr>
+          <a:xfrm>
+            <a:off x="8473835" y="2399263"/>
+            <a:ext cx="1077788" cy="923192"/>
+          </a:xfrm>
+          <a:prstGeom prst="rect">
+            <a:avLst/>
+          </a:prstGeom>
+        </p:spPr>
+        <p:style>
+          <a:lnRef idx="2">
+            <a:schemeClr val="accent1">
+              <a:shade val="15000"/>
+            </a:schemeClr>
+          </a:lnRef>
+          <a:fillRef idx="1">
+            <a:schemeClr val="accent1"/>
+          </a:fillRef>
+          <a:effectRef idx="0">
+            <a:schemeClr val="accent1"/>
+          </a:effectRef>
+          <a:fontRef idx="minor">
+            <a:schemeClr val="lt1"/>
+          </a:fontRef>
+        </p:style>
+        <p:txBody>
+          <a:bodyPr rtlCol="0" anchor="ctr"/>
+          <a:lstStyle/>
+          <a:p>
+            <a:pPr algn="ctr"/>
+            <a:r>
+              <a:rPr lang="en-US" dirty="0"/>
+              <a:t>Add milk</a:t>
+            </a:r>
+          </a:p>
+        </p:txBody>
+      </p:sp>
+      <p:cxnSp>
+        <p:nvCxnSpPr>
+          <p:cNvPr id="8" name="Straight Arrow Connector 7">
+            <a:extLst>
+              <a:ext uri="{FF2B5EF4-FFF2-40B4-BE49-F238E27FC236}">
+                <a16:creationId xmlns:a16="http://schemas.microsoft.com/office/drawing/2014/main" id="{03B971EF-6EC3-B04D-DAD7-F60C64FD61DF}"/>
+              </a:ext>
+            </a:extLst>
+          </p:cNvPr>
+          <p:cNvCxnSpPr>
+            <a:cxnSpLocks/>
+          </p:cNvCxnSpPr>
+          <p:nvPr/>
+        </p:nvCxnSpPr>
+        <p:spPr>
+          <a:xfrm>
+            <a:off x="9636995" y="2860859"/>
+            <a:ext cx="418336" cy="0"/>
+          </a:xfrm>
+          <a:prstGeom prst="straightConnector1">
+            <a:avLst/>
+          </a:prstGeom>
+          <a:ln w="76200">
+            <a:solidFill>
+              <a:schemeClr val="accent6"/>
+            </a:solidFill>
+            <a:tailEnd type="triangle"/>
+          </a:ln>
+        </p:spPr>
+        <p:style>
+          <a:lnRef idx="2">
+            <a:schemeClr val="accent1"/>
+          </a:lnRef>
+          <a:fillRef idx="0">
+            <a:schemeClr val="accent1"/>
+          </a:fillRef>
+          <a:effectRef idx="1">
+            <a:schemeClr val="accent1"/>
+          </a:effectRef>
+          <a:fontRef idx="minor">
+            <a:schemeClr val="tx1"/>
+          </a:fontRef>
+        </p:style>
+      </p:cxnSp>
+    </p:spTree>
+    <p:extLst>
+      <p:ext uri="{BB962C8B-B14F-4D97-AF65-F5344CB8AC3E}">
+        <p14:creationId xmlns:p14="http://schemas.microsoft.com/office/powerpoint/2010/main" val="3765792024"/>
+      </p:ext>
+    </p:extLst>
+  </p:cSld>
+  <p:clrMapOvr>
+    <a:masterClrMapping/>
+  </p:clrMapOvr>
+</p:sld>
+</file>
+
+<file path=ppt/slides/slide13.xml><?xml version="1.0" encoding="utf-8"?>
 <p:sld xmlns:a="http://schemas.openxmlformats.org/drawingml/2006/main" xmlns:r="http://schemas.openxmlformats.org/officeDocument/2006/relationships" xmlns:p="http://schemas.openxmlformats.org/presentationml/2006/main">
   <p:cSld>
     <p:spTree>
@@ -4432,7 +9257,7 @@
             </a:pPr>
             <a:r>
               <a:rPr lang="en-US" dirty="0"/>
-              <a:t>Finding the roots of a quadratic equation.</a:t>
+              <a:t>Finding the greatest common divisor of two positive numbers.</a:t>
             </a:r>
           </a:p>
           <a:p>
@@ -4441,7 +9266,7 @@
             </a:pPr>
             <a:r>
               <a:rPr lang="en-US" dirty="0"/>
-              <a:t>Finding all primes between two numbers.</a:t>
+              <a:t>Finding all primes between two positive numbers.</a:t>
             </a:r>
           </a:p>
           <a:p>
@@ -4450,7 +9275,7 @@
             </a:pPr>
             <a:r>
               <a:rPr lang="en-US" dirty="0"/>
-              <a:t>Sorting a list of real numbers by size.</a:t>
+              <a:t>Converting a decimal number into binary.</a:t>
             </a:r>
           </a:p>
           <a:p>
@@ -4465,7 +9290,7 @@
             </a:pPr>
             <a:r>
               <a:rPr lang="en-US" dirty="0"/>
-              <a:t>Share a summary of your algorithm on Menti, code: XXXX</a:t>
+              <a:t>Share a summary of your algorithm on Menti, code: 4154 2054</a:t>
             </a:r>
           </a:p>
           <a:p>
@@ -4489,7 +9314,7 @@
 </p:sld>
 </file>
 
-<file path=ppt/slides/slide12.xml><?xml version="1.0" encoding="utf-8"?>
+<file path=ppt/slides/slide14.xml><?xml version="1.0" encoding="utf-8"?>
 <p:sld xmlns:a="http://schemas.openxmlformats.org/drawingml/2006/main" xmlns:r="http://schemas.openxmlformats.org/officeDocument/2006/relationships" xmlns:p="http://schemas.openxmlformats.org/presentationml/2006/main">
   <p:cSld>
     <p:spTree>
@@ -4622,7 +9447,7 @@
 </p:sld>
 </file>
 
-<file path=ppt/slides/slide13.xml><?xml version="1.0" encoding="utf-8"?>
+<file path=ppt/slides/slide15.xml><?xml version="1.0" encoding="utf-8"?>
 <p:sld xmlns:a="http://schemas.openxmlformats.org/drawingml/2006/main" xmlns:r="http://schemas.openxmlformats.org/officeDocument/2006/relationships" xmlns:p="http://schemas.openxmlformats.org/presentationml/2006/main">
   <p:cSld>
     <p:spTree>
@@ -5352,7 +10177,7 @@
 </p:sld>
 </file>
 
-<file path=ppt/slides/slide14.xml><?xml version="1.0" encoding="utf-8"?>
+<file path=ppt/slides/slide16.xml><?xml version="1.0" encoding="utf-8"?>
 <p:sld xmlns:a="http://schemas.openxmlformats.org/drawingml/2006/main" xmlns:r="http://schemas.openxmlformats.org/officeDocument/2006/relationships" xmlns:p="http://schemas.openxmlformats.org/presentationml/2006/main">
   <p:cSld>
     <p:spTree>
@@ -6118,7 +10943,7 @@
 </p:sld>
 </file>
 
-<file path=ppt/slides/slide15.xml><?xml version="1.0" encoding="utf-8"?>
+<file path=ppt/slides/slide17.xml><?xml version="1.0" encoding="utf-8"?>
 <p:sld xmlns:a="http://schemas.openxmlformats.org/drawingml/2006/main" xmlns:r="http://schemas.openxmlformats.org/officeDocument/2006/relationships" xmlns:p="http://schemas.openxmlformats.org/presentationml/2006/main">
   <p:cSld>
     <p:spTree>
@@ -6255,7 +11080,7 @@
 </p:sld>
 </file>
 
-<file path=ppt/slides/slide16.xml><?xml version="1.0" encoding="utf-8"?>
+<file path=ppt/slides/slide18.xml><?xml version="1.0" encoding="utf-8"?>
 <p:sld xmlns:a="http://schemas.openxmlformats.org/drawingml/2006/main" xmlns:r="http://schemas.openxmlformats.org/officeDocument/2006/relationships" xmlns:p="http://schemas.openxmlformats.org/presentationml/2006/main">
   <p:cSld>
     <p:spTree>
@@ -6598,7 +11423,7 @@
 </p:sld>
 </file>
 
-<file path=ppt/slides/slide17.xml><?xml version="1.0" encoding="utf-8"?>
+<file path=ppt/slides/slide19.xml><?xml version="1.0" encoding="utf-8"?>
 <p:sld xmlns:a="http://schemas.openxmlformats.org/drawingml/2006/main" xmlns:r="http://schemas.openxmlformats.org/officeDocument/2006/relationships" xmlns:p="http://schemas.openxmlformats.org/presentationml/2006/main">
   <p:cSld>
     <p:spTree>
@@ -7029,7 +11854,166 @@
 </p:sld>
 </file>
 
-<file path=ppt/slides/slide18.xml><?xml version="1.0" encoding="utf-8"?>
+<file path=ppt/slides/slide2.xml><?xml version="1.0" encoding="utf-8"?>
+<p:sld xmlns:a="http://schemas.openxmlformats.org/drawingml/2006/main" xmlns:r="http://schemas.openxmlformats.org/officeDocument/2006/relationships" xmlns:p="http://schemas.openxmlformats.org/presentationml/2006/main">
+  <p:cSld>
+    <p:spTree>
+      <p:nvGrpSpPr>
+        <p:cNvPr id="1" name=""/>
+        <p:cNvGrpSpPr/>
+        <p:nvPr/>
+      </p:nvGrpSpPr>
+      <p:grpSpPr>
+        <a:xfrm>
+          <a:off x="0" y="0"/>
+          <a:ext cx="0" cy="0"/>
+          <a:chOff x="0" y="0"/>
+          <a:chExt cx="0" cy="0"/>
+        </a:xfrm>
+      </p:grpSpPr>
+      <p:sp>
+        <p:nvSpPr>
+          <p:cNvPr id="2" name="Title 1">
+            <a:extLst>
+              <a:ext uri="{FF2B5EF4-FFF2-40B4-BE49-F238E27FC236}">
+                <a16:creationId xmlns:a16="http://schemas.microsoft.com/office/drawing/2014/main" id="{54CF3570-0929-E058-0272-7E63BE9A4F1C}"/>
+              </a:ext>
+            </a:extLst>
+          </p:cNvPr>
+          <p:cNvSpPr>
+            <a:spLocks noGrp="1"/>
+          </p:cNvSpPr>
+          <p:nvPr>
+            <p:ph type="title"/>
+          </p:nvPr>
+        </p:nvSpPr>
+        <p:spPr/>
+        <p:txBody>
+          <a:bodyPr/>
+          <a:lstStyle/>
+          <a:p>
+            <a:r>
+              <a:rPr lang="en-US" dirty="0"/>
+              <a:t>What do you already know?	</a:t>
+            </a:r>
+          </a:p>
+        </p:txBody>
+      </p:sp>
+      <p:sp>
+        <p:nvSpPr>
+          <p:cNvPr id="3" name="Content Placeholder 2">
+            <a:extLst>
+              <a:ext uri="{FF2B5EF4-FFF2-40B4-BE49-F238E27FC236}">
+                <a16:creationId xmlns:a16="http://schemas.microsoft.com/office/drawing/2014/main" id="{3C3BB22B-D79B-E146-DB08-CE5D6A63AE5D}"/>
+              </a:ext>
+            </a:extLst>
+          </p:cNvPr>
+          <p:cNvSpPr>
+            <a:spLocks noGrp="1"/>
+          </p:cNvSpPr>
+          <p:nvPr>
+            <p:ph idx="1"/>
+          </p:nvPr>
+        </p:nvSpPr>
+        <p:spPr>
+          <a:xfrm>
+            <a:off x="838200" y="1825624"/>
+            <a:ext cx="10515600" cy="4449051"/>
+          </a:xfrm>
+        </p:spPr>
+        <p:txBody>
+          <a:bodyPr>
+            <a:normAutofit lnSpcReduction="10000"/>
+          </a:bodyPr>
+          <a:lstStyle/>
+          <a:p>
+            <a:r>
+              <a:rPr lang="en-US" dirty="0"/>
+              <a:t>How much do you remember from Monday? </a:t>
+            </a:r>
+            <a:r>
+              <a:rPr lang="en-US" dirty="0" err="1"/>
+              <a:t>Menti.com</a:t>
+            </a:r>
+            <a:r>
+              <a:rPr lang="en-US" dirty="0"/>
+              <a:t>, code 6437 9999</a:t>
+            </a:r>
+          </a:p>
+          <a:p>
+            <a:r>
+              <a:rPr lang="en-US" dirty="0"/>
+              <a:t>What do we mean by the word </a:t>
+            </a:r>
+            <a:r>
+              <a:rPr lang="en-US" i="1" dirty="0"/>
+              <a:t>algorithm?</a:t>
+            </a:r>
+            <a:endParaRPr lang="en-US" dirty="0"/>
+          </a:p>
+          <a:p>
+            <a:r>
+              <a:rPr lang="en-US" dirty="0"/>
+              <a:t>What do we mean by the word </a:t>
+            </a:r>
+            <a:r>
+              <a:rPr lang="en-US" i="1" dirty="0"/>
+              <a:t>computer program?</a:t>
+            </a:r>
+          </a:p>
+          <a:p>
+            <a:endParaRPr lang="en-US" i="1" dirty="0"/>
+          </a:p>
+          <a:p>
+            <a:r>
+              <a:rPr lang="en-US" dirty="0"/>
+              <a:t>Are these the same thing? Are they different? (if so, how?).</a:t>
+            </a:r>
+          </a:p>
+          <a:p>
+            <a:endParaRPr lang="en-US" dirty="0"/>
+          </a:p>
+          <a:p>
+            <a:pPr marL="0" indent="0">
+              <a:buNone/>
+            </a:pPr>
+            <a:r>
+              <a:rPr lang="en-US" dirty="0"/>
+              <a:t>Please discuss these questions with the people on your table (~ 5 minutes) and then </a:t>
+            </a:r>
+            <a:r>
+              <a:rPr lang="en-US" dirty="0" err="1"/>
+              <a:t>summarise</a:t>
+            </a:r>
+            <a:r>
+              <a:rPr lang="en-US" dirty="0"/>
+              <a:t> your answer on </a:t>
+            </a:r>
+            <a:r>
+              <a:rPr lang="en-US" dirty="0" err="1"/>
+              <a:t>menti</a:t>
+            </a:r>
+            <a:r>
+              <a:rPr lang="en-US" dirty="0"/>
+              <a:t> with code: 4154 2054</a:t>
+            </a:r>
+          </a:p>
+        </p:txBody>
+      </p:sp>
+    </p:spTree>
+    <p:extLst>
+      <p:ext uri="{BB962C8B-B14F-4D97-AF65-F5344CB8AC3E}">
+        <p14:creationId xmlns:p14="http://schemas.microsoft.com/office/powerpoint/2010/main" val="2343005188"/>
+      </p:ext>
+    </p:extLst>
+  </p:cSld>
+  <p:clrMapOvr>
+    <a:masterClrMapping/>
+  </p:clrMapOvr>
+</p:sld>
+</file>
+
+<file path=ppt/slides/slide20.xml><?xml version="1.0" encoding="utf-8"?>
 <p:sld xmlns:a="http://schemas.openxmlformats.org/drawingml/2006/main" xmlns:r="http://schemas.openxmlformats.org/officeDocument/2006/relationships" xmlns:p="http://schemas.openxmlformats.org/presentationml/2006/main">
   <p:cSld>
     <p:spTree>
@@ -7759,7 +12743,7 @@
 </p:sld>
 </file>
 
-<file path=ppt/slides/slide19.xml><?xml version="1.0" encoding="utf-8"?>
+<file path=ppt/slides/slide21.xml><?xml version="1.0" encoding="utf-8"?>
 <p:sld xmlns:a="http://schemas.openxmlformats.org/drawingml/2006/main" xmlns:r="http://schemas.openxmlformats.org/officeDocument/2006/relationships" xmlns:p="http://schemas.openxmlformats.org/presentationml/2006/main">
   <p:cSld>
     <p:spTree>
@@ -7825,7 +12809,7 @@
         <p:spPr>
           <a:xfrm>
             <a:off x="923544" y="1527048"/>
-            <a:ext cx="10177272" cy="4647426"/>
+            <a:ext cx="10177272" cy="954107"/>
           </a:xfrm>
           <a:prstGeom prst="rect">
             <a:avLst/>
@@ -7840,6 +12824,105 @@
           <a:p>
             <a:r>
               <a:rPr lang="en-US" sz="2800" dirty="0"/>
+              <a:t>A CPU can electronically perform a limited number of instructions. </a:t>
+            </a:r>
+          </a:p>
+        </p:txBody>
+      </p:sp>
+    </p:spTree>
+    <p:extLst>
+      <p:ext uri="{BB962C8B-B14F-4D97-AF65-F5344CB8AC3E}">
+        <p14:creationId xmlns:p14="http://schemas.microsoft.com/office/powerpoint/2010/main" val="1781179640"/>
+      </p:ext>
+    </p:extLst>
+  </p:cSld>
+  <p:clrMapOvr>
+    <a:masterClrMapping/>
+  </p:clrMapOvr>
+</p:sld>
+</file>
+
+<file path=ppt/slides/slide22.xml><?xml version="1.0" encoding="utf-8"?>
+<p:sld xmlns:a="http://schemas.openxmlformats.org/drawingml/2006/main" xmlns:r="http://schemas.openxmlformats.org/officeDocument/2006/relationships" xmlns:p="http://schemas.openxmlformats.org/presentationml/2006/main">
+  <p:cSld>
+    <p:spTree>
+      <p:nvGrpSpPr>
+        <p:cNvPr id="1" name="">
+          <a:extLst>
+            <a:ext uri="{FF2B5EF4-FFF2-40B4-BE49-F238E27FC236}">
+              <a16:creationId xmlns:a16="http://schemas.microsoft.com/office/drawing/2014/main" id="{C56D60D1-65A0-75DB-D872-6D4F6BB7F031}"/>
+            </a:ext>
+          </a:extLst>
+        </p:cNvPr>
+        <p:cNvGrpSpPr/>
+        <p:nvPr/>
+      </p:nvGrpSpPr>
+      <p:grpSpPr>
+        <a:xfrm>
+          <a:off x="0" y="0"/>
+          <a:ext cx="0" cy="0"/>
+          <a:chOff x="0" y="0"/>
+          <a:chExt cx="0" cy="0"/>
+        </a:xfrm>
+      </p:grpSpPr>
+      <p:sp>
+        <p:nvSpPr>
+          <p:cNvPr id="2" name="Title 1">
+            <a:extLst>
+              <a:ext uri="{FF2B5EF4-FFF2-40B4-BE49-F238E27FC236}">
+                <a16:creationId xmlns:a16="http://schemas.microsoft.com/office/drawing/2014/main" id="{12703625-D0BB-906D-11CF-A46B81C53557}"/>
+              </a:ext>
+            </a:extLst>
+          </p:cNvPr>
+          <p:cNvSpPr>
+            <a:spLocks noGrp="1"/>
+          </p:cNvSpPr>
+          <p:nvPr>
+            <p:ph type="title"/>
+          </p:nvPr>
+        </p:nvSpPr>
+        <p:spPr/>
+        <p:txBody>
+          <a:bodyPr/>
+          <a:lstStyle/>
+          <a:p>
+            <a:r>
+              <a:rPr lang="en-US" dirty="0"/>
+              <a:t>How a computer executes algorithms</a:t>
+            </a:r>
+          </a:p>
+        </p:txBody>
+      </p:sp>
+      <p:sp>
+        <p:nvSpPr>
+          <p:cNvPr id="40" name="TextBox 39">
+            <a:extLst>
+              <a:ext uri="{FF2B5EF4-FFF2-40B4-BE49-F238E27FC236}">
+                <a16:creationId xmlns:a16="http://schemas.microsoft.com/office/drawing/2014/main" id="{7680F1C2-933E-0BC7-A088-1EB69406BACC}"/>
+              </a:ext>
+            </a:extLst>
+          </p:cNvPr>
+          <p:cNvSpPr txBox="1"/>
+          <p:nvPr/>
+        </p:nvSpPr>
+        <p:spPr>
+          <a:xfrm>
+            <a:off x="923544" y="1527048"/>
+            <a:ext cx="10177272" cy="2492990"/>
+          </a:xfrm>
+          <a:prstGeom prst="rect">
+            <a:avLst/>
+          </a:prstGeom>
+          <a:noFill/>
+        </p:spPr>
+        <p:txBody>
+          <a:bodyPr wrap="square" rtlCol="0">
+            <a:spAutoFit/>
+          </a:bodyPr>
+          <a:lstStyle/>
+          <a:p>
+            <a:r>
+              <a:rPr lang="en-US" sz="2800" dirty="0"/>
               <a:t>A CPU can electronically perform a limited number of instructions. These are:</a:t>
             </a:r>
           </a:p>
@@ -7892,24 +12975,6 @@
             <a:r>
               <a:rPr lang="en-US" dirty="0"/>
               <a:t> is value 1 greater than value 2).</a:t>
-            </a:r>
-          </a:p>
-          <a:p>
-            <a:pPr lvl="1"/>
-            <a:endParaRPr lang="en-US" sz="2800" dirty="0"/>
-          </a:p>
-          <a:p>
-            <a:r>
-              <a:rPr lang="en-US" sz="2800" dirty="0"/>
-              <a:t>A computer program is a list of these instructions. The CPU will execute each instruction in the list sequentially, using a special </a:t>
-            </a:r>
-            <a:r>
-              <a:rPr lang="en-US" sz="2800" i="1" dirty="0"/>
-              <a:t>program counter</a:t>
-            </a:r>
-            <a:r>
-              <a:rPr lang="en-US" sz="2800" dirty="0"/>
-              <a:t> variable to keep track of which instruction should be executed next. </a:t>
             </a:r>
           </a:p>
         </p:txBody>
@@ -7919,7 +12984,7 @@
           <p:cNvPr id="41" name="Picture 40" descr="A screen shot of a computer&#10;&#10;AI-generated content may be incorrect.">
             <a:extLst>
               <a:ext uri="{FF2B5EF4-FFF2-40B4-BE49-F238E27FC236}">
-                <a16:creationId xmlns:a16="http://schemas.microsoft.com/office/drawing/2014/main" id="{D11BDCCD-CDA8-C142-7492-6E3B0E7301C3}"/>
+                <a16:creationId xmlns:a16="http://schemas.microsoft.com/office/drawing/2014/main" id="{C6912690-0B8D-E770-EE3E-889E8AE2ADE5}"/>
               </a:ext>
             </a:extLst>
           </p:cNvPr>
@@ -7947,7 +13012,7 @@
     </p:spTree>
     <p:extLst>
       <p:ext uri="{BB962C8B-B14F-4D97-AF65-F5344CB8AC3E}">
-        <p14:creationId xmlns:p14="http://schemas.microsoft.com/office/powerpoint/2010/main" val="1781179640"/>
+        <p14:creationId xmlns:p14="http://schemas.microsoft.com/office/powerpoint/2010/main" val="337175999"/>
       </p:ext>
     </p:extLst>
   </p:cSld>
@@ -7957,12 +13022,18 @@
 </p:sld>
 </file>
 
-<file path=ppt/slides/slide2.xml><?xml version="1.0" encoding="utf-8"?>
+<file path=ppt/slides/slide23.xml><?xml version="1.0" encoding="utf-8"?>
 <p:sld xmlns:a="http://schemas.openxmlformats.org/drawingml/2006/main" xmlns:r="http://schemas.openxmlformats.org/officeDocument/2006/relationships" xmlns:p="http://schemas.openxmlformats.org/presentationml/2006/main">
   <p:cSld>
     <p:spTree>
       <p:nvGrpSpPr>
-        <p:cNvPr id="1" name=""/>
+        <p:cNvPr id="1" name="">
+          <a:extLst>
+            <a:ext uri="{FF2B5EF4-FFF2-40B4-BE49-F238E27FC236}">
+              <a16:creationId xmlns:a16="http://schemas.microsoft.com/office/drawing/2014/main" id="{E09263C1-DFD1-E7A3-2DD4-143762BA5F2D}"/>
+            </a:ext>
+          </a:extLst>
+        </p:cNvPr>
         <p:cNvGrpSpPr/>
         <p:nvPr/>
       </p:nvGrpSpPr>
@@ -7979,7 +13050,7 @@
           <p:cNvPr id="2" name="Title 1">
             <a:extLst>
               <a:ext uri="{FF2B5EF4-FFF2-40B4-BE49-F238E27FC236}">
-                <a16:creationId xmlns:a16="http://schemas.microsoft.com/office/drawing/2014/main" id="{54CF3570-0929-E058-0272-7E63BE9A4F1C}"/>
+                <a16:creationId xmlns:a16="http://schemas.microsoft.com/office/drawing/2014/main" id="{1494DEB2-0E2D-E7F4-CECE-3B7FE1C0474D}"/>
               </a:ext>
             </a:extLst>
           </p:cNvPr>
@@ -7997,95 +13068,149 @@
           <a:p>
             <a:r>
               <a:rPr lang="en-US" dirty="0"/>
-              <a:t>What do you already know?	</a:t>
+              <a:t>How a computer executes algorithms</a:t>
             </a:r>
           </a:p>
         </p:txBody>
       </p:sp>
       <p:sp>
         <p:nvSpPr>
-          <p:cNvPr id="3" name="Content Placeholder 2">
-            <a:extLst>
-              <a:ext uri="{FF2B5EF4-FFF2-40B4-BE49-F238E27FC236}">
-                <a16:creationId xmlns:a16="http://schemas.microsoft.com/office/drawing/2014/main" id="{3C3BB22B-D79B-E146-DB08-CE5D6A63AE5D}"/>
-              </a:ext>
-            </a:extLst>
-          </p:cNvPr>
-          <p:cNvSpPr>
-            <a:spLocks noGrp="1"/>
-          </p:cNvSpPr>
-          <p:nvPr>
-            <p:ph idx="1"/>
-          </p:nvPr>
+          <p:cNvPr id="40" name="TextBox 39">
+            <a:extLst>
+              <a:ext uri="{FF2B5EF4-FFF2-40B4-BE49-F238E27FC236}">
+                <a16:creationId xmlns:a16="http://schemas.microsoft.com/office/drawing/2014/main" id="{2B8F822F-739F-97B0-066F-737AB5E38D8F}"/>
+              </a:ext>
+            </a:extLst>
+          </p:cNvPr>
+          <p:cNvSpPr txBox="1"/>
+          <p:nvPr/>
         </p:nvSpPr>
-        <p:spPr/>
+        <p:spPr>
+          <a:xfrm>
+            <a:off x="923544" y="1527048"/>
+            <a:ext cx="10177272" cy="4647426"/>
+          </a:xfrm>
+          <a:prstGeom prst="rect">
+            <a:avLst/>
+          </a:prstGeom>
+          <a:noFill/>
+        </p:spPr>
         <p:txBody>
-          <a:bodyPr/>
+          <a:bodyPr wrap="square" rtlCol="0">
+            <a:spAutoFit/>
+          </a:bodyPr>
           <a:lstStyle/>
           <a:p>
             <a:r>
+              <a:rPr lang="en-US" sz="2800" dirty="0"/>
+              <a:t>A CPU can electronically perform a limited number of instructions. These are:</a:t>
+            </a:r>
+          </a:p>
+          <a:p>
+            <a:endParaRPr lang="en-US" sz="2800" dirty="0"/>
+          </a:p>
+          <a:p>
+            <a:pPr marL="742950" lvl="1" indent="-285750">
+              <a:buFont typeface="Arial" panose="020B0604020202020204" pitchFamily="34" charset="0"/>
+              <a:buChar char="•"/>
+            </a:pPr>
+            <a:r>
               <a:rPr lang="en-US" dirty="0"/>
-              <a:t>What do we mean by the word </a:t>
-            </a:r>
-            <a:r>
-              <a:rPr lang="en-US" i="1" dirty="0"/>
-              <a:t>algorithm?</a:t>
-            </a:r>
-            <a:endParaRPr lang="en-US" dirty="0"/>
-          </a:p>
-          <a:p>
+              <a:t>Read / write data from memory.</a:t>
+            </a:r>
+          </a:p>
+          <a:p>
+            <a:pPr marL="742950" lvl="1" indent="-285750">
+              <a:buFont typeface="Arial" panose="020B0604020202020204" pitchFamily="34" charset="0"/>
+              <a:buChar char="•"/>
+            </a:pPr>
             <a:r>
               <a:rPr lang="en-US" dirty="0"/>
-              <a:t>What do we mean by the word </a:t>
-            </a:r>
-            <a:r>
-              <a:rPr lang="en-US" i="1" dirty="0"/>
-              <a:t>computer program?</a:t>
-            </a:r>
-          </a:p>
-          <a:p>
-            <a:endParaRPr lang="en-US" i="1" dirty="0"/>
-          </a:p>
-          <a:p>
+              <a:t>Handle input / output.</a:t>
+            </a:r>
+          </a:p>
+          <a:p>
+            <a:pPr marL="742950" lvl="1" indent="-285750">
+              <a:buFont typeface="Arial" panose="020B0604020202020204" pitchFamily="34" charset="0"/>
+              <a:buChar char="•"/>
+            </a:pPr>
             <a:r>
               <a:rPr lang="en-US" dirty="0"/>
-              <a:t>Are these the same thing? Are they different? (if so, how?).</a:t>
-            </a:r>
-          </a:p>
-          <a:p>
-            <a:endParaRPr lang="en-US" dirty="0"/>
-          </a:p>
-          <a:p>
-            <a:pPr marL="0" indent="0">
-              <a:buNone/>
+              <a:t>Basic arithmetic operations (add, subtract, multiply divide).</a:t>
+            </a:r>
+          </a:p>
+          <a:p>
+            <a:pPr marL="742950" lvl="1" indent="-285750">
+              <a:buFont typeface="Arial" panose="020B0604020202020204" pitchFamily="34" charset="0"/>
+              <a:buChar char="•"/>
             </a:pPr>
             <a:r>
               <a:rPr lang="en-US" dirty="0"/>
-              <a:t>Please discuss these questions with the people on your table (~ 5 minutes) and then </a:t>
+              <a:t>Comparisons (</a:t>
             </a:r>
             <a:r>
               <a:rPr lang="en-US" dirty="0" err="1"/>
-              <a:t>summarise</a:t>
+              <a:t>i.e</a:t>
             </a:r>
             <a:r>
               <a:rPr lang="en-US" dirty="0"/>
-              <a:t> your answer on </a:t>
-            </a:r>
-            <a:r>
-              <a:rPr lang="en-US" dirty="0" err="1"/>
-              <a:t>menti</a:t>
-            </a:r>
-            <a:r>
-              <a:rPr lang="en-US" dirty="0"/>
-              <a:t> with code: XXXX</a:t>
+              <a:t> is value 1 greater than value 2).</a:t>
+            </a:r>
+          </a:p>
+          <a:p>
+            <a:pPr lvl="1"/>
+            <a:endParaRPr lang="en-US" sz="2800" dirty="0"/>
+          </a:p>
+          <a:p>
+            <a:r>
+              <a:rPr lang="en-US" sz="2800" dirty="0"/>
+              <a:t>A computer program is a list of these instructions. The CPU will execute each instruction in the list sequentially, using a special </a:t>
+            </a:r>
+            <a:r>
+              <a:rPr lang="en-US" sz="2800" i="1" dirty="0"/>
+              <a:t>program counter</a:t>
+            </a:r>
+            <a:r>
+              <a:rPr lang="en-US" sz="2800" dirty="0"/>
+              <a:t> variable to keep track of which instruction should be executed next. </a:t>
             </a:r>
           </a:p>
         </p:txBody>
       </p:sp>
+      <p:pic>
+        <p:nvPicPr>
+          <p:cNvPr id="41" name="Picture 40" descr="A screen shot of a computer&#10;&#10;AI-generated content may be incorrect.">
+            <a:extLst>
+              <a:ext uri="{FF2B5EF4-FFF2-40B4-BE49-F238E27FC236}">
+                <a16:creationId xmlns:a16="http://schemas.microsoft.com/office/drawing/2014/main" id="{82E7BF55-277D-40A1-E352-CCBED745458D}"/>
+              </a:ext>
+            </a:extLst>
+          </p:cNvPr>
+          <p:cNvPicPr>
+            <a:picLocks noChangeAspect="1"/>
+          </p:cNvPicPr>
+          <p:nvPr/>
+        </p:nvPicPr>
+        <p:blipFill>
+          <a:blip r:embed="rId2"/>
+          <a:stretch>
+            <a:fillRect/>
+          </a:stretch>
+        </p:blipFill>
+        <p:spPr>
+          <a:xfrm>
+            <a:off x="8025384" y="2276056"/>
+            <a:ext cx="2425288" cy="1807077"/>
+          </a:xfrm>
+          <a:prstGeom prst="rect">
+            <a:avLst/>
+          </a:prstGeom>
+        </p:spPr>
+      </p:pic>
     </p:spTree>
     <p:extLst>
       <p:ext uri="{BB962C8B-B14F-4D97-AF65-F5344CB8AC3E}">
-        <p14:creationId xmlns:p14="http://schemas.microsoft.com/office/powerpoint/2010/main" val="2343005188"/>
+        <p14:creationId xmlns:p14="http://schemas.microsoft.com/office/powerpoint/2010/main" val="3497437243"/>
       </p:ext>
     </p:extLst>
   </p:cSld>
@@ -8095,7 +13220,7 @@
 </p:sld>
 </file>
 
-<file path=ppt/slides/slide20.xml><?xml version="1.0" encoding="utf-8"?>
+<file path=ppt/slides/slide24.xml><?xml version="1.0" encoding="utf-8"?>
 <p:sld xmlns:a="http://schemas.openxmlformats.org/drawingml/2006/main" xmlns:r="http://schemas.openxmlformats.org/officeDocument/2006/relationships" xmlns:p="http://schemas.openxmlformats.org/presentationml/2006/main">
   <p:cSld>
     <p:spTree>
@@ -8553,7 +13678,7 @@
 </p:sld>
 </file>
 
-<file path=ppt/slides/slide21.xml><?xml version="1.0" encoding="utf-8"?>
+<file path=ppt/slides/slide25.xml><?xml version="1.0" encoding="utf-8"?>
 <p:sld xmlns:a="http://schemas.openxmlformats.org/drawingml/2006/main" xmlns:r="http://schemas.openxmlformats.org/officeDocument/2006/relationships" xmlns:p="http://schemas.openxmlformats.org/presentationml/2006/main">
   <p:cSld>
     <p:spTree>
@@ -9081,7 +14206,7 @@
 </p:sld>
 </file>
 
-<file path=ppt/slides/slide22.xml><?xml version="1.0" encoding="utf-8"?>
+<file path=ppt/slides/slide26.xml><?xml version="1.0" encoding="utf-8"?>
 <p:sld xmlns:a="http://schemas.openxmlformats.org/drawingml/2006/main" xmlns:r="http://schemas.openxmlformats.org/officeDocument/2006/relationships" xmlns:p="http://schemas.openxmlformats.org/presentationml/2006/main">
   <p:cSld>
     <p:spTree>
@@ -9658,7 +14783,7 @@
 </p:sld>
 </file>
 
-<file path=ppt/slides/slide23.xml><?xml version="1.0" encoding="utf-8"?>
+<file path=ppt/slides/slide27.xml><?xml version="1.0" encoding="utf-8"?>
 <p:sld xmlns:a="http://schemas.openxmlformats.org/drawingml/2006/main" xmlns:r="http://schemas.openxmlformats.org/officeDocument/2006/relationships" xmlns:p="http://schemas.openxmlformats.org/presentationml/2006/main">
   <p:cSld>
     <p:spTree>
@@ -10522,7 +15647,7 @@
 </p:sld>
 </file>
 
-<file path=ppt/slides/slide24.xml><?xml version="1.0" encoding="utf-8"?>
+<file path=ppt/slides/slide28.xml><?xml version="1.0" encoding="utf-8"?>
 <p:sld xmlns:a="http://schemas.openxmlformats.org/drawingml/2006/main" xmlns:r="http://schemas.openxmlformats.org/officeDocument/2006/relationships" xmlns:p="http://schemas.openxmlformats.org/presentationml/2006/main">
   <p:cSld>
     <p:spTree>
@@ -10699,7 +15824,7 @@
 </p:sld>
 </file>
 
-<file path=ppt/slides/slide25.xml><?xml version="1.0" encoding="utf-8"?>
+<file path=ppt/slides/slide29.xml><?xml version="1.0" encoding="utf-8"?>
 <p:sld xmlns:a="http://schemas.openxmlformats.org/drawingml/2006/main" xmlns:r="http://schemas.openxmlformats.org/officeDocument/2006/relationships" xmlns:p="http://schemas.openxmlformats.org/presentationml/2006/main">
   <p:cSld>
     <p:spTree>
@@ -11204,7 +16329,93 @@
 </p:sld>
 </file>
 
-<file path=ppt/slides/slide26.xml><?xml version="1.0" encoding="utf-8"?>
+<file path=ppt/slides/slide3.xml><?xml version="1.0" encoding="utf-8"?>
+<p:sld xmlns:a="http://schemas.openxmlformats.org/drawingml/2006/main" xmlns:r="http://schemas.openxmlformats.org/officeDocument/2006/relationships" xmlns:p="http://schemas.openxmlformats.org/presentationml/2006/main">
+  <p:cSld>
+    <p:spTree>
+      <p:nvGrpSpPr>
+        <p:cNvPr id="1" name=""/>
+        <p:cNvGrpSpPr/>
+        <p:nvPr/>
+      </p:nvGrpSpPr>
+      <p:grpSpPr>
+        <a:xfrm>
+          <a:off x="0" y="0"/>
+          <a:ext cx="0" cy="0"/>
+          <a:chOff x="0" y="0"/>
+          <a:chExt cx="0" cy="0"/>
+        </a:xfrm>
+      </p:grpSpPr>
+      <p:sp>
+        <p:nvSpPr>
+          <p:cNvPr id="2" name="Title 1">
+            <a:extLst>
+              <a:ext uri="{FF2B5EF4-FFF2-40B4-BE49-F238E27FC236}">
+                <a16:creationId xmlns:a16="http://schemas.microsoft.com/office/drawing/2014/main" id="{FD0601CB-C244-1CF5-571C-4CFA71916AA1}"/>
+              </a:ext>
+            </a:extLst>
+          </p:cNvPr>
+          <p:cNvSpPr>
+            <a:spLocks noGrp="1"/>
+          </p:cNvSpPr>
+          <p:nvPr>
+            <p:ph type="title"/>
+          </p:nvPr>
+        </p:nvSpPr>
+        <p:spPr/>
+        <p:txBody>
+          <a:bodyPr/>
+          <a:lstStyle/>
+          <a:p>
+            <a:r>
+              <a:rPr lang="en-US" dirty="0"/>
+              <a:t>What do you already know?</a:t>
+            </a:r>
+          </a:p>
+        </p:txBody>
+      </p:sp>
+      <p:sp>
+        <p:nvSpPr>
+          <p:cNvPr id="3" name="Content Placeholder 2">
+            <a:extLst>
+              <a:ext uri="{FF2B5EF4-FFF2-40B4-BE49-F238E27FC236}">
+                <a16:creationId xmlns:a16="http://schemas.microsoft.com/office/drawing/2014/main" id="{FFCDE803-633B-E2AA-6B43-F65A1927B9B1}"/>
+              </a:ext>
+            </a:extLst>
+          </p:cNvPr>
+          <p:cNvSpPr>
+            <a:spLocks noGrp="1"/>
+          </p:cNvSpPr>
+          <p:nvPr>
+            <p:ph idx="1"/>
+          </p:nvPr>
+        </p:nvSpPr>
+        <p:spPr/>
+        <p:txBody>
+          <a:bodyPr/>
+          <a:lstStyle/>
+          <a:p>
+            <a:r>
+              <a:rPr lang="en-US" dirty="0"/>
+              <a:t>(Brief review of Menti answers)</a:t>
+            </a:r>
+          </a:p>
+        </p:txBody>
+      </p:sp>
+    </p:spTree>
+    <p:extLst>
+      <p:ext uri="{BB962C8B-B14F-4D97-AF65-F5344CB8AC3E}">
+        <p14:creationId xmlns:p14="http://schemas.microsoft.com/office/powerpoint/2010/main" val="3878556393"/>
+      </p:ext>
+    </p:extLst>
+  </p:cSld>
+  <p:clrMapOvr>
+    <a:masterClrMapping/>
+  </p:clrMapOvr>
+</p:sld>
+</file>
+
+<file path=ppt/slides/slide30.xml><?xml version="1.0" encoding="utf-8"?>
 <p:sld xmlns:a="http://schemas.openxmlformats.org/drawingml/2006/main" xmlns:r="http://schemas.openxmlformats.org/officeDocument/2006/relationships" xmlns:p="http://schemas.openxmlformats.org/presentationml/2006/main">
   <p:cSld>
     <p:spTree>
@@ -11709,7 +16920,7 @@
 </p:sld>
 </file>
 
-<file path=ppt/slides/slide27.xml><?xml version="1.0" encoding="utf-8"?>
+<file path=ppt/slides/slide31.xml><?xml version="1.0" encoding="utf-8"?>
 <p:sld xmlns:a="http://schemas.openxmlformats.org/drawingml/2006/main" xmlns:r="http://schemas.openxmlformats.org/officeDocument/2006/relationships" xmlns:p="http://schemas.openxmlformats.org/presentationml/2006/main">
   <p:cSld>
     <p:spTree>
@@ -12263,7 +17474,7 @@
 </p:sld>
 </file>
 
-<file path=ppt/slides/slide28.xml><?xml version="1.0" encoding="utf-8"?>
+<file path=ppt/slides/slide32.xml><?xml version="1.0" encoding="utf-8"?>
 <p:sld xmlns:a="http://schemas.openxmlformats.org/drawingml/2006/main" xmlns:r="http://schemas.openxmlformats.org/officeDocument/2006/relationships" xmlns:p="http://schemas.openxmlformats.org/presentationml/2006/main">
   <p:cSld>
     <p:spTree>
@@ -12866,7 +18077,7 @@
 </p:sld>
 </file>
 
-<file path=ppt/slides/slide29.xml><?xml version="1.0" encoding="utf-8"?>
+<file path=ppt/slides/slide33.xml><?xml version="1.0" encoding="utf-8"?>
 <p:sld xmlns:a="http://schemas.openxmlformats.org/drawingml/2006/main" xmlns:r="http://schemas.openxmlformats.org/officeDocument/2006/relationships" xmlns:p="http://schemas.openxmlformats.org/presentationml/2006/main">
   <p:cSld>
     <p:spTree>
@@ -12992,93 +18203,7 @@
 </p:sld>
 </file>
 
-<file path=ppt/slides/slide3.xml><?xml version="1.0" encoding="utf-8"?>
-<p:sld xmlns:a="http://schemas.openxmlformats.org/drawingml/2006/main" xmlns:r="http://schemas.openxmlformats.org/officeDocument/2006/relationships" xmlns:p="http://schemas.openxmlformats.org/presentationml/2006/main">
-  <p:cSld>
-    <p:spTree>
-      <p:nvGrpSpPr>
-        <p:cNvPr id="1" name=""/>
-        <p:cNvGrpSpPr/>
-        <p:nvPr/>
-      </p:nvGrpSpPr>
-      <p:grpSpPr>
-        <a:xfrm>
-          <a:off x="0" y="0"/>
-          <a:ext cx="0" cy="0"/>
-          <a:chOff x="0" y="0"/>
-          <a:chExt cx="0" cy="0"/>
-        </a:xfrm>
-      </p:grpSpPr>
-      <p:sp>
-        <p:nvSpPr>
-          <p:cNvPr id="2" name="Title 1">
-            <a:extLst>
-              <a:ext uri="{FF2B5EF4-FFF2-40B4-BE49-F238E27FC236}">
-                <a16:creationId xmlns:a16="http://schemas.microsoft.com/office/drawing/2014/main" id="{FD0601CB-C244-1CF5-571C-4CFA71916AA1}"/>
-              </a:ext>
-            </a:extLst>
-          </p:cNvPr>
-          <p:cNvSpPr>
-            <a:spLocks noGrp="1"/>
-          </p:cNvSpPr>
-          <p:nvPr>
-            <p:ph type="title"/>
-          </p:nvPr>
-        </p:nvSpPr>
-        <p:spPr/>
-        <p:txBody>
-          <a:bodyPr/>
-          <a:lstStyle/>
-          <a:p>
-            <a:r>
-              <a:rPr lang="en-US" dirty="0"/>
-              <a:t>What do you already know?</a:t>
-            </a:r>
-          </a:p>
-        </p:txBody>
-      </p:sp>
-      <p:sp>
-        <p:nvSpPr>
-          <p:cNvPr id="3" name="Content Placeholder 2">
-            <a:extLst>
-              <a:ext uri="{FF2B5EF4-FFF2-40B4-BE49-F238E27FC236}">
-                <a16:creationId xmlns:a16="http://schemas.microsoft.com/office/drawing/2014/main" id="{FFCDE803-633B-E2AA-6B43-F65A1927B9B1}"/>
-              </a:ext>
-            </a:extLst>
-          </p:cNvPr>
-          <p:cNvSpPr>
-            <a:spLocks noGrp="1"/>
-          </p:cNvSpPr>
-          <p:nvPr>
-            <p:ph idx="1"/>
-          </p:nvPr>
-        </p:nvSpPr>
-        <p:spPr/>
-        <p:txBody>
-          <a:bodyPr/>
-          <a:lstStyle/>
-          <a:p>
-            <a:r>
-              <a:rPr lang="en-US" dirty="0"/>
-              <a:t>(Brief review of Menti answers)</a:t>
-            </a:r>
-          </a:p>
-        </p:txBody>
-      </p:sp>
-    </p:spTree>
-    <p:extLst>
-      <p:ext uri="{BB962C8B-B14F-4D97-AF65-F5344CB8AC3E}">
-        <p14:creationId xmlns:p14="http://schemas.microsoft.com/office/powerpoint/2010/main" val="3878556393"/>
-      </p:ext>
-    </p:extLst>
-  </p:cSld>
-  <p:clrMapOvr>
-    <a:masterClrMapping/>
-  </p:clrMapOvr>
-</p:sld>
-</file>
-
-<file path=ppt/slides/slide30.xml><?xml version="1.0" encoding="utf-8"?>
+<file path=ppt/slides/slide34.xml><?xml version="1.0" encoding="utf-8"?>
 <p:sld xmlns:a="http://schemas.openxmlformats.org/drawingml/2006/main" xmlns:r="http://schemas.openxmlformats.org/officeDocument/2006/relationships" xmlns:p="http://schemas.openxmlformats.org/presentationml/2006/main">
   <p:cSld>
     <p:spTree>
@@ -13235,7 +18360,7 @@
 </p:sld>
 </file>
 
-<file path=ppt/slides/slide31.xml><?xml version="1.0" encoding="utf-8"?>
+<file path=ppt/slides/slide35.xml><?xml version="1.0" encoding="utf-8"?>
 <p:sld xmlns:a="http://schemas.openxmlformats.org/drawingml/2006/main" xmlns:r="http://schemas.openxmlformats.org/officeDocument/2006/relationships" xmlns:p="http://schemas.openxmlformats.org/presentationml/2006/main">
   <p:cSld>
     <p:spTree>
@@ -13383,7 +18508,7 @@
 </p:sld>
 </file>
 
-<file path=ppt/slides/slide32.xml><?xml version="1.0" encoding="utf-8"?>
+<file path=ppt/slides/slide36.xml><?xml version="1.0" encoding="utf-8"?>
 <p:sld xmlns:a="http://schemas.openxmlformats.org/drawingml/2006/main" xmlns:r="http://schemas.openxmlformats.org/officeDocument/2006/relationships" xmlns:p="http://schemas.openxmlformats.org/presentationml/2006/main">
   <p:cSld>
     <p:spTree>
@@ -13578,7 +18703,7 @@
 </p:sld>
 </file>
 
-<file path=ppt/slides/slide33.xml><?xml version="1.0" encoding="utf-8"?>
+<file path=ppt/slides/slide37.xml><?xml version="1.0" encoding="utf-8"?>
 <p:sld xmlns:a="http://schemas.openxmlformats.org/drawingml/2006/main" xmlns:r="http://schemas.openxmlformats.org/officeDocument/2006/relationships" xmlns:p="http://schemas.openxmlformats.org/presentationml/2006/main">
   <p:cSld>
     <p:spTree>
@@ -13727,7 +18852,7 @@
 </p:sld>
 </file>
 
-<file path=ppt/slides/slide34.xml><?xml version="1.0" encoding="utf-8"?>
+<file path=ppt/slides/slide38.xml><?xml version="1.0" encoding="utf-8"?>
 <p:sld xmlns:a="http://schemas.openxmlformats.org/drawingml/2006/main" xmlns:r="http://schemas.openxmlformats.org/officeDocument/2006/relationships" xmlns:p="http://schemas.openxmlformats.org/presentationml/2006/main">
   <p:cSld>
     <p:spTree>
@@ -13924,7 +19049,7 @@
 </p:sld>
 </file>
 
-<file path=ppt/slides/slide35.xml><?xml version="1.0" encoding="utf-8"?>
+<file path=ppt/slides/slide39.xml><?xml version="1.0" encoding="utf-8"?>
 <p:sld xmlns:a="http://schemas.openxmlformats.org/drawingml/2006/main" xmlns:r="http://schemas.openxmlformats.org/officeDocument/2006/relationships" xmlns:p="http://schemas.openxmlformats.org/presentationml/2006/main">
   <p:cSld>
     <p:spTree>
@@ -14142,27 +19267,19 @@
             </a:r>
             <a:r>
               <a:rPr lang="en-US" sz="2800" i="1" dirty="0"/>
-              <a:t>syntax). </a:t>
+              <a:t>syntax), </a:t>
             </a:r>
             <a:r>
               <a:rPr lang="en-US" sz="2800" dirty="0"/>
-              <a:t>One of your main jobs in this course is to learn what to </a:t>
-            </a:r>
-            <a:r>
-              <a:rPr lang="en-US" sz="2800" dirty="0" err="1"/>
-              <a:t>recognise</a:t>
+              <a:t>or you’ll get an error.</a:t>
+            </a:r>
+            <a:r>
+              <a:rPr lang="en-US" sz="2800" i="1" dirty="0"/>
+              <a:t> </a:t>
             </a:r>
             <a:r>
               <a:rPr lang="en-US" sz="2800" dirty="0"/>
-              <a:t> what is and isn’t valid Python </a:t>
-            </a:r>
-            <a:r>
-              <a:rPr lang="en-US" sz="2800" i="1" dirty="0"/>
-              <a:t>syntax</a:t>
-            </a:r>
-            <a:r>
-              <a:rPr lang="en-US" sz="2800" dirty="0"/>
-              <a:t>. A second main job is to understand the </a:t>
+              <a:t>One of your main jobs is to understand the </a:t>
             </a:r>
             <a:r>
               <a:rPr lang="en-US" sz="2800" i="1" dirty="0"/>
@@ -14170,7 +19287,7 @@
             </a:r>
             <a:r>
               <a:rPr lang="en-US" sz="2800" dirty="0"/>
-              <a:t>Python </a:t>
+              <a:t>Python syntax </a:t>
             </a:r>
             <a:r>
               <a:rPr lang="en-US" sz="2800" dirty="0" err="1"/>
@@ -14178,7 +19295,15 @@
             </a:r>
             <a:r>
               <a:rPr lang="en-US" sz="2800" dirty="0"/>
-              <a:t> what instructions does a line of Python correspond to. </a:t>
+              <a:t> how will a line of Python code change the state (</a:t>
+            </a:r>
+            <a:r>
+              <a:rPr lang="en-US" sz="2800" dirty="0" err="1"/>
+              <a:t>i.e</a:t>
+            </a:r>
+            <a:r>
+              <a:rPr lang="en-US" sz="2800" dirty="0"/>
+              <a:t> memory) of the computer?</a:t>
             </a:r>
           </a:p>
         </p:txBody>
@@ -14307,6 +19432,859 @@
 </p:sld>
 </file>
 
+<file path=ppt/slides/slide40.xml><?xml version="1.0" encoding="utf-8"?>
+<p:sld xmlns:a="http://schemas.openxmlformats.org/drawingml/2006/main" xmlns:r="http://schemas.openxmlformats.org/officeDocument/2006/relationships" xmlns:p="http://schemas.openxmlformats.org/presentationml/2006/main">
+  <p:cSld>
+    <p:spTree>
+      <p:nvGrpSpPr>
+        <p:cNvPr id="1" name="">
+          <a:extLst>
+            <a:ext uri="{FF2B5EF4-FFF2-40B4-BE49-F238E27FC236}">
+              <a16:creationId xmlns:a16="http://schemas.microsoft.com/office/drawing/2014/main" id="{F8427638-50F2-9B3D-E903-56CB2048B63B}"/>
+            </a:ext>
+          </a:extLst>
+        </p:cNvPr>
+        <p:cNvGrpSpPr/>
+        <p:nvPr/>
+      </p:nvGrpSpPr>
+      <p:grpSpPr>
+        <a:xfrm>
+          <a:off x="0" y="0"/>
+          <a:ext cx="0" cy="0"/>
+          <a:chOff x="0" y="0"/>
+          <a:chExt cx="0" cy="0"/>
+        </a:xfrm>
+      </p:grpSpPr>
+      <p:sp>
+        <p:nvSpPr>
+          <p:cNvPr id="2" name="Title 1">
+            <a:extLst>
+              <a:ext uri="{FF2B5EF4-FFF2-40B4-BE49-F238E27FC236}">
+                <a16:creationId xmlns:a16="http://schemas.microsoft.com/office/drawing/2014/main" id="{9ABE03CB-8E88-D5F0-9246-979917B38069}"/>
+              </a:ext>
+            </a:extLst>
+          </p:cNvPr>
+          <p:cNvSpPr>
+            <a:spLocks noGrp="1"/>
+          </p:cNvSpPr>
+          <p:nvPr>
+            <p:ph type="title"/>
+          </p:nvPr>
+        </p:nvSpPr>
+        <p:spPr/>
+        <p:txBody>
+          <a:bodyPr/>
+          <a:lstStyle/>
+          <a:p>
+            <a:r>
+              <a:rPr lang="en-US" dirty="0"/>
+              <a:t>How to write computer algorithms</a:t>
+            </a:r>
+          </a:p>
+        </p:txBody>
+      </p:sp>
+      <p:sp>
+        <p:nvSpPr>
+          <p:cNvPr id="7" name="TextBox 6">
+            <a:extLst>
+              <a:ext uri="{FF2B5EF4-FFF2-40B4-BE49-F238E27FC236}">
+                <a16:creationId xmlns:a16="http://schemas.microsoft.com/office/drawing/2014/main" id="{52F7D07C-605F-0789-D6E5-F480E86D0E9A}"/>
+              </a:ext>
+            </a:extLst>
+          </p:cNvPr>
+          <p:cNvSpPr txBox="1"/>
+          <p:nvPr/>
+        </p:nvSpPr>
+        <p:spPr>
+          <a:xfrm>
+            <a:off x="838200" y="1690688"/>
+            <a:ext cx="10177272" cy="1323439"/>
+          </a:xfrm>
+          <a:prstGeom prst="rect">
+            <a:avLst/>
+          </a:prstGeom>
+          <a:noFill/>
+        </p:spPr>
+        <p:txBody>
+          <a:bodyPr wrap="square" rtlCol="0">
+            <a:spAutoFit/>
+          </a:bodyPr>
+          <a:lstStyle/>
+          <a:p>
+            <a:r>
+              <a:rPr lang="en-US" sz="2000" dirty="0"/>
+              <a:t>Although Python looks like English, it is not. Valid Python must follow a specified pattern (</a:t>
+            </a:r>
+            <a:r>
+              <a:rPr lang="en-US" sz="2000" i="1" dirty="0"/>
+              <a:t>syntax), </a:t>
+            </a:r>
+            <a:r>
+              <a:rPr lang="en-US" sz="2000" dirty="0"/>
+              <a:t>or you’ll get an error.</a:t>
+            </a:r>
+            <a:r>
+              <a:rPr lang="en-US" sz="2000" i="1" dirty="0"/>
+              <a:t> </a:t>
+            </a:r>
+            <a:r>
+              <a:rPr lang="en-US" sz="2000" dirty="0"/>
+              <a:t>One of your main jobs is to understand the </a:t>
+            </a:r>
+            <a:r>
+              <a:rPr lang="en-US" sz="2000" i="1" dirty="0"/>
+              <a:t>semantics of </a:t>
+            </a:r>
+            <a:r>
+              <a:rPr lang="en-US" sz="2000" dirty="0"/>
+              <a:t>Python syntax </a:t>
+            </a:r>
+            <a:r>
+              <a:rPr lang="en-US" sz="2000" dirty="0" err="1"/>
+              <a:t>i.e</a:t>
+            </a:r>
+            <a:r>
+              <a:rPr lang="en-US" sz="2000" dirty="0"/>
+              <a:t> how will a line of Python code change the state (</a:t>
+            </a:r>
+            <a:r>
+              <a:rPr lang="en-US" sz="2000" dirty="0" err="1"/>
+              <a:t>i.e</a:t>
+            </a:r>
+            <a:r>
+              <a:rPr lang="en-US" sz="2000" dirty="0"/>
+              <a:t> memory) of the computer?</a:t>
+            </a:r>
+          </a:p>
+        </p:txBody>
+      </p:sp>
+      <p:grpSp>
+        <p:nvGrpSpPr>
+          <p:cNvPr id="6" name="Group 5">
+            <a:extLst>
+              <a:ext uri="{FF2B5EF4-FFF2-40B4-BE49-F238E27FC236}">
+                <a16:creationId xmlns:a16="http://schemas.microsoft.com/office/drawing/2014/main" id="{9C2AFD8E-2DBF-8C17-0E3D-B9296810448E}"/>
+              </a:ext>
+            </a:extLst>
+          </p:cNvPr>
+          <p:cNvGrpSpPr/>
+          <p:nvPr/>
+        </p:nvGrpSpPr>
+        <p:grpSpPr>
+          <a:xfrm>
+            <a:off x="1097438" y="3459801"/>
+            <a:ext cx="10256362" cy="3033074"/>
+            <a:chOff x="857840" y="395926"/>
+            <a:chExt cx="10256362" cy="3033074"/>
+          </a:xfrm>
+        </p:grpSpPr>
+        <p:sp>
+          <p:nvSpPr>
+            <p:cNvPr id="8" name="Rounded Rectangle 7">
+              <a:extLst>
+                <a:ext uri="{FF2B5EF4-FFF2-40B4-BE49-F238E27FC236}">
+                  <a16:creationId xmlns:a16="http://schemas.microsoft.com/office/drawing/2014/main" id="{983B35AE-5CD7-73D3-1F26-313B640EBB98}"/>
+                </a:ext>
+              </a:extLst>
+            </p:cNvPr>
+            <p:cNvSpPr/>
+            <p:nvPr/>
+          </p:nvSpPr>
+          <p:spPr>
+            <a:xfrm>
+              <a:off x="4854804" y="1011117"/>
+              <a:ext cx="6259398" cy="2417883"/>
+            </a:xfrm>
+            <a:prstGeom prst="roundRect">
+              <a:avLst/>
+            </a:prstGeom>
+            <a:noFill/>
+            <a:ln w="38100"/>
+          </p:spPr>
+          <p:style>
+            <a:lnRef idx="2">
+              <a:schemeClr val="accent1">
+                <a:shade val="15000"/>
+              </a:schemeClr>
+            </a:lnRef>
+            <a:fillRef idx="1">
+              <a:schemeClr val="accent1"/>
+            </a:fillRef>
+            <a:effectRef idx="0">
+              <a:schemeClr val="accent1"/>
+            </a:effectRef>
+            <a:fontRef idx="minor">
+              <a:schemeClr val="lt1"/>
+            </a:fontRef>
+          </p:style>
+          <p:txBody>
+            <a:bodyPr rtlCol="0" anchor="ctr"/>
+            <a:lstStyle/>
+            <a:p>
+              <a:pPr algn="ctr"/>
+              <a:endParaRPr lang="en-US"/>
+            </a:p>
+          </p:txBody>
+        </p:sp>
+        <p:sp>
+          <p:nvSpPr>
+            <p:cNvPr id="10" name="TextBox 9">
+              <a:extLst>
+                <a:ext uri="{FF2B5EF4-FFF2-40B4-BE49-F238E27FC236}">
+                  <a16:creationId xmlns:a16="http://schemas.microsoft.com/office/drawing/2014/main" id="{79CFF80B-345F-E631-5985-8653B699455A}"/>
+                </a:ext>
+              </a:extLst>
+            </p:cNvPr>
+            <p:cNvSpPr txBox="1"/>
+            <p:nvPr/>
+          </p:nvSpPr>
+          <p:spPr>
+            <a:xfrm>
+              <a:off x="7396062" y="395926"/>
+              <a:ext cx="1176883" cy="490829"/>
+            </a:xfrm>
+            <a:prstGeom prst="rect">
+              <a:avLst/>
+            </a:prstGeom>
+            <a:noFill/>
+          </p:spPr>
+          <p:txBody>
+            <a:bodyPr wrap="square" rtlCol="0">
+              <a:spAutoFit/>
+            </a:bodyPr>
+            <a:lstStyle/>
+            <a:p>
+              <a:r>
+                <a:rPr lang="en-US" dirty="0"/>
+                <a:t>Memory</a:t>
+              </a:r>
+            </a:p>
+          </p:txBody>
+        </p:sp>
+        <p:grpSp>
+          <p:nvGrpSpPr>
+            <p:cNvPr id="11" name="Group 10">
+              <a:extLst>
+                <a:ext uri="{FF2B5EF4-FFF2-40B4-BE49-F238E27FC236}">
+                  <a16:creationId xmlns:a16="http://schemas.microsoft.com/office/drawing/2014/main" id="{6F77250E-8425-B4C7-9768-AF33595D5DE8}"/>
+                </a:ext>
+              </a:extLst>
+            </p:cNvPr>
+            <p:cNvGrpSpPr/>
+            <p:nvPr/>
+          </p:nvGrpSpPr>
+          <p:grpSpPr>
+            <a:xfrm>
+              <a:off x="857840" y="395926"/>
+              <a:ext cx="3761296" cy="3033074"/>
+              <a:chOff x="1121791" y="395926"/>
+              <a:chExt cx="3761296" cy="3033074"/>
+            </a:xfrm>
+          </p:grpSpPr>
+          <p:grpSp>
+            <p:nvGrpSpPr>
+              <p:cNvPr id="23" name="Group 22">
+                <a:extLst>
+                  <a:ext uri="{FF2B5EF4-FFF2-40B4-BE49-F238E27FC236}">
+                    <a16:creationId xmlns:a16="http://schemas.microsoft.com/office/drawing/2014/main" id="{DC73FCE8-CD22-1F05-A380-04C9F629A1C2}"/>
+                  </a:ext>
+                </a:extLst>
+              </p:cNvPr>
+              <p:cNvGrpSpPr/>
+              <p:nvPr/>
+            </p:nvGrpSpPr>
+            <p:grpSpPr>
+              <a:xfrm>
+                <a:off x="1121791" y="395926"/>
+                <a:ext cx="3761296" cy="3033074"/>
+                <a:chOff x="4207110" y="914400"/>
+                <a:chExt cx="3819260" cy="2282283"/>
+              </a:xfrm>
+            </p:grpSpPr>
+            <p:sp>
+              <p:nvSpPr>
+                <p:cNvPr id="25" name="Rounded Rectangle 24">
+                  <a:extLst>
+                    <a:ext uri="{FF2B5EF4-FFF2-40B4-BE49-F238E27FC236}">
+                      <a16:creationId xmlns:a16="http://schemas.microsoft.com/office/drawing/2014/main" id="{9F570706-8C19-C693-3FD7-596E046ABA54}"/>
+                    </a:ext>
+                  </a:extLst>
+                </p:cNvPr>
+                <p:cNvSpPr/>
+                <p:nvPr/>
+              </p:nvSpPr>
+              <p:spPr>
+                <a:xfrm>
+                  <a:off x="4207110" y="1377310"/>
+                  <a:ext cx="3819260" cy="1819373"/>
+                </a:xfrm>
+                <a:prstGeom prst="roundRect">
+                  <a:avLst/>
+                </a:prstGeom>
+                <a:noFill/>
+                <a:ln w="38100"/>
+              </p:spPr>
+              <p:style>
+                <a:lnRef idx="2">
+                  <a:schemeClr val="accent1">
+                    <a:shade val="15000"/>
+                  </a:schemeClr>
+                </a:lnRef>
+                <a:fillRef idx="1">
+                  <a:schemeClr val="accent1"/>
+                </a:fillRef>
+                <a:effectRef idx="0">
+                  <a:schemeClr val="accent1"/>
+                </a:effectRef>
+                <a:fontRef idx="minor">
+                  <a:schemeClr val="lt1"/>
+                </a:fontRef>
+              </p:style>
+              <p:txBody>
+                <a:bodyPr rtlCol="0" anchor="ctr"/>
+                <a:lstStyle/>
+                <a:p>
+                  <a:pPr algn="ctr"/>
+                  <a:endParaRPr lang="en-US"/>
+                </a:p>
+              </p:txBody>
+            </p:sp>
+            <p:sp>
+              <p:nvSpPr>
+                <p:cNvPr id="26" name="TextBox 25">
+                  <a:extLst>
+                    <a:ext uri="{FF2B5EF4-FFF2-40B4-BE49-F238E27FC236}">
+                      <a16:creationId xmlns:a16="http://schemas.microsoft.com/office/drawing/2014/main" id="{84DE6233-922D-9ECB-4BCA-C6904408B728}"/>
+                    </a:ext>
+                  </a:extLst>
+                </p:cNvPr>
+                <p:cNvSpPr txBox="1"/>
+                <p:nvPr/>
+              </p:nvSpPr>
+              <p:spPr>
+                <a:xfrm>
+                  <a:off x="5582238" y="914400"/>
+                  <a:ext cx="1027522" cy="277910"/>
+                </a:xfrm>
+                <a:prstGeom prst="rect">
+                  <a:avLst/>
+                </a:prstGeom>
+                <a:noFill/>
+              </p:spPr>
+              <p:txBody>
+                <a:bodyPr wrap="square" rtlCol="0">
+                  <a:spAutoFit/>
+                </a:bodyPr>
+                <a:lstStyle/>
+                <a:p>
+                  <a:r>
+                    <a:rPr lang="en-US" dirty="0"/>
+                    <a:t>Program</a:t>
+                  </a:r>
+                </a:p>
+              </p:txBody>
+            </p:sp>
+          </p:grpSp>
+          <p:pic>
+            <p:nvPicPr>
+              <p:cNvPr id="24" name="Picture 23" descr="A screen shot of a computer&#10;&#10;AI-generated content may be incorrect.">
+                <a:extLst>
+                  <a:ext uri="{FF2B5EF4-FFF2-40B4-BE49-F238E27FC236}">
+                    <a16:creationId xmlns:a16="http://schemas.microsoft.com/office/drawing/2014/main" id="{40B9EB3F-810D-5775-5B1D-3EA2F0E266E0}"/>
+                  </a:ext>
+                </a:extLst>
+              </p:cNvPr>
+              <p:cNvPicPr>
+                <a:picLocks noChangeAspect="1"/>
+              </p:cNvPicPr>
+              <p:nvPr/>
+            </p:nvPicPr>
+            <p:blipFill>
+              <a:blip r:embed="rId3"/>
+              <a:stretch>
+                <a:fillRect/>
+              </a:stretch>
+            </p:blipFill>
+            <p:spPr>
+              <a:xfrm>
+                <a:off x="1533122" y="1130824"/>
+                <a:ext cx="2897780" cy="2159130"/>
+              </a:xfrm>
+              <a:prstGeom prst="rect">
+                <a:avLst/>
+              </a:prstGeom>
+            </p:spPr>
+          </p:pic>
+        </p:grpSp>
+        <p:grpSp>
+          <p:nvGrpSpPr>
+            <p:cNvPr id="12" name="Group 11">
+              <a:extLst>
+                <a:ext uri="{FF2B5EF4-FFF2-40B4-BE49-F238E27FC236}">
+                  <a16:creationId xmlns:a16="http://schemas.microsoft.com/office/drawing/2014/main" id="{EAA3AF5E-6AB9-ED66-119D-360F59FE785B}"/>
+                </a:ext>
+              </a:extLst>
+            </p:cNvPr>
+            <p:cNvGrpSpPr/>
+            <p:nvPr/>
+          </p:nvGrpSpPr>
+          <p:grpSpPr>
+            <a:xfrm>
+              <a:off x="5406273" y="1206134"/>
+              <a:ext cx="5156460" cy="2027848"/>
+              <a:chOff x="5335571" y="1206134"/>
+              <a:chExt cx="5156460" cy="2027848"/>
+            </a:xfrm>
+          </p:grpSpPr>
+          <p:grpSp>
+            <p:nvGrpSpPr>
+              <p:cNvPr id="13" name="Group 12">
+                <a:extLst>
+                  <a:ext uri="{FF2B5EF4-FFF2-40B4-BE49-F238E27FC236}">
+                    <a16:creationId xmlns:a16="http://schemas.microsoft.com/office/drawing/2014/main" id="{3FDF103F-7FD4-5548-7E82-0D65F39769DA}"/>
+                  </a:ext>
+                </a:extLst>
+              </p:cNvPr>
+              <p:cNvGrpSpPr/>
+              <p:nvPr/>
+            </p:nvGrpSpPr>
+            <p:grpSpPr>
+              <a:xfrm>
+                <a:off x="5335571" y="1206135"/>
+                <a:ext cx="2460396" cy="2027847"/>
+                <a:chOff x="5335571" y="1319753"/>
+                <a:chExt cx="2460396" cy="2027847"/>
+              </a:xfrm>
+            </p:grpSpPr>
+            <p:sp>
+              <p:nvSpPr>
+                <p:cNvPr id="19" name="Rounded Rectangle 18">
+                  <a:extLst>
+                    <a:ext uri="{FF2B5EF4-FFF2-40B4-BE49-F238E27FC236}">
+                      <a16:creationId xmlns:a16="http://schemas.microsoft.com/office/drawing/2014/main" id="{285A0A7D-2836-127F-B9B7-2929E618583A}"/>
+                    </a:ext>
+                  </a:extLst>
+                </p:cNvPr>
+                <p:cNvSpPr/>
+                <p:nvPr/>
+              </p:nvSpPr>
+              <p:spPr>
+                <a:xfrm>
+                  <a:off x="5335571" y="1319753"/>
+                  <a:ext cx="2460396" cy="443059"/>
+                </a:xfrm>
+                <a:prstGeom prst="roundRect">
+                  <a:avLst/>
+                </a:prstGeom>
+              </p:spPr>
+              <p:style>
+                <a:lnRef idx="2">
+                  <a:schemeClr val="accent1">
+                    <a:shade val="15000"/>
+                  </a:schemeClr>
+                </a:lnRef>
+                <a:fillRef idx="1">
+                  <a:schemeClr val="accent1"/>
+                </a:fillRef>
+                <a:effectRef idx="0">
+                  <a:schemeClr val="accent1"/>
+                </a:effectRef>
+                <a:fontRef idx="minor">
+                  <a:schemeClr val="lt1"/>
+                </a:fontRef>
+              </p:style>
+              <p:txBody>
+                <a:bodyPr rtlCol="0" anchor="ctr"/>
+                <a:lstStyle/>
+                <a:p>
+                  <a:pPr algn="ctr"/>
+                  <a:r>
+                    <a:rPr lang="en-US" dirty="0"/>
+                    <a:t>Program Counter: 8</a:t>
+                  </a:r>
+                </a:p>
+              </p:txBody>
+            </p:sp>
+            <p:sp>
+              <p:nvSpPr>
+                <p:cNvPr id="20" name="Rounded Rectangle 19">
+                  <a:extLst>
+                    <a:ext uri="{FF2B5EF4-FFF2-40B4-BE49-F238E27FC236}">
+                      <a16:creationId xmlns:a16="http://schemas.microsoft.com/office/drawing/2014/main" id="{C1ED18B4-9A68-2035-58FC-91BD35BB8FE8}"/>
+                    </a:ext>
+                  </a:extLst>
+                </p:cNvPr>
+                <p:cNvSpPr/>
+                <p:nvPr/>
+              </p:nvSpPr>
+              <p:spPr>
+                <a:xfrm>
+                  <a:off x="5335571" y="1849918"/>
+                  <a:ext cx="2460396" cy="443059"/>
+                </a:xfrm>
+                <a:prstGeom prst="roundRect">
+                  <a:avLst/>
+                </a:prstGeom>
+              </p:spPr>
+              <p:style>
+                <a:lnRef idx="2">
+                  <a:schemeClr val="accent1">
+                    <a:shade val="15000"/>
+                  </a:schemeClr>
+                </a:lnRef>
+                <a:fillRef idx="1">
+                  <a:schemeClr val="accent1"/>
+                </a:fillRef>
+                <a:effectRef idx="0">
+                  <a:schemeClr val="accent1"/>
+                </a:effectRef>
+                <a:fontRef idx="minor">
+                  <a:schemeClr val="lt1"/>
+                </a:fontRef>
+              </p:style>
+              <p:txBody>
+                <a:bodyPr rtlCol="0" anchor="ctr"/>
+                <a:lstStyle/>
+                <a:p>
+                  <a:pPr algn="ctr"/>
+                  <a:r>
+                    <a:rPr lang="en-US" dirty="0"/>
+                    <a:t>a: 1</a:t>
+                  </a:r>
+                </a:p>
+              </p:txBody>
+            </p:sp>
+            <p:sp>
+              <p:nvSpPr>
+                <p:cNvPr id="21" name="Rounded Rectangle 20">
+                  <a:extLst>
+                    <a:ext uri="{FF2B5EF4-FFF2-40B4-BE49-F238E27FC236}">
+                      <a16:creationId xmlns:a16="http://schemas.microsoft.com/office/drawing/2014/main" id="{D526DA9B-C412-F964-8ABD-B4ED51FFFD52}"/>
+                    </a:ext>
+                  </a:extLst>
+                </p:cNvPr>
+                <p:cNvSpPr/>
+                <p:nvPr/>
+              </p:nvSpPr>
+              <p:spPr>
+                <a:xfrm>
+                  <a:off x="5335571" y="2380083"/>
+                  <a:ext cx="2460396" cy="443059"/>
+                </a:xfrm>
+                <a:prstGeom prst="roundRect">
+                  <a:avLst/>
+                </a:prstGeom>
+              </p:spPr>
+              <p:style>
+                <a:lnRef idx="2">
+                  <a:schemeClr val="accent1">
+                    <a:shade val="15000"/>
+                  </a:schemeClr>
+                </a:lnRef>
+                <a:fillRef idx="1">
+                  <a:schemeClr val="accent1"/>
+                </a:fillRef>
+                <a:effectRef idx="0">
+                  <a:schemeClr val="accent1"/>
+                </a:effectRef>
+                <a:fontRef idx="minor">
+                  <a:schemeClr val="lt1"/>
+                </a:fontRef>
+              </p:style>
+              <p:txBody>
+                <a:bodyPr rtlCol="0" anchor="ctr"/>
+                <a:lstStyle/>
+                <a:p>
+                  <a:pPr algn="ctr"/>
+                  <a:r>
+                    <a:rPr lang="en-US" dirty="0"/>
+                    <a:t>b: 2</a:t>
+                  </a:r>
+                </a:p>
+              </p:txBody>
+            </p:sp>
+            <p:sp>
+              <p:nvSpPr>
+                <p:cNvPr id="22" name="Rounded Rectangle 21">
+                  <a:extLst>
+                    <a:ext uri="{FF2B5EF4-FFF2-40B4-BE49-F238E27FC236}">
+                      <a16:creationId xmlns:a16="http://schemas.microsoft.com/office/drawing/2014/main" id="{51C82E45-7FE4-EF64-86AF-9A3E8E7BC040}"/>
+                    </a:ext>
+                  </a:extLst>
+                </p:cNvPr>
+                <p:cNvSpPr/>
+                <p:nvPr/>
+              </p:nvSpPr>
+              <p:spPr>
+                <a:xfrm>
+                  <a:off x="5335571" y="2904541"/>
+                  <a:ext cx="2460396" cy="443059"/>
+                </a:xfrm>
+                <a:prstGeom prst="roundRect">
+                  <a:avLst/>
+                </a:prstGeom>
+              </p:spPr>
+              <p:style>
+                <a:lnRef idx="2">
+                  <a:schemeClr val="accent1">
+                    <a:shade val="15000"/>
+                  </a:schemeClr>
+                </a:lnRef>
+                <a:fillRef idx="1">
+                  <a:schemeClr val="accent1"/>
+                </a:fillRef>
+                <a:effectRef idx="0">
+                  <a:schemeClr val="accent1"/>
+                </a:effectRef>
+                <a:fontRef idx="minor">
+                  <a:schemeClr val="lt1"/>
+                </a:fontRef>
+              </p:style>
+              <p:txBody>
+                <a:bodyPr rtlCol="0" anchor="ctr"/>
+                <a:lstStyle/>
+                <a:p>
+                  <a:pPr algn="ctr"/>
+                  <a:r>
+                    <a:rPr lang="en-US" dirty="0"/>
+                    <a:t>c: 3</a:t>
+                  </a:r>
+                </a:p>
+              </p:txBody>
+            </p:sp>
+          </p:grpSp>
+          <p:grpSp>
+            <p:nvGrpSpPr>
+              <p:cNvPr id="14" name="Group 13">
+                <a:extLst>
+                  <a:ext uri="{FF2B5EF4-FFF2-40B4-BE49-F238E27FC236}">
+                    <a16:creationId xmlns:a16="http://schemas.microsoft.com/office/drawing/2014/main" id="{ADEAE15F-A60B-54C5-7362-BB9A9C5F6286}"/>
+                  </a:ext>
+                </a:extLst>
+              </p:cNvPr>
+              <p:cNvGrpSpPr/>
+              <p:nvPr/>
+            </p:nvGrpSpPr>
+            <p:grpSpPr>
+              <a:xfrm>
+                <a:off x="8031635" y="1206134"/>
+                <a:ext cx="2460396" cy="2027848"/>
+                <a:chOff x="8031635" y="1319752"/>
+                <a:chExt cx="2460396" cy="2027848"/>
+              </a:xfrm>
+            </p:grpSpPr>
+            <p:sp>
+              <p:nvSpPr>
+                <p:cNvPr id="15" name="Rounded Rectangle 14">
+                  <a:extLst>
+                    <a:ext uri="{FF2B5EF4-FFF2-40B4-BE49-F238E27FC236}">
+                      <a16:creationId xmlns:a16="http://schemas.microsoft.com/office/drawing/2014/main" id="{2570723E-883F-7D0C-1E10-4AAEC40D792B}"/>
+                    </a:ext>
+                  </a:extLst>
+                </p:cNvPr>
+                <p:cNvSpPr/>
+                <p:nvPr/>
+              </p:nvSpPr>
+              <p:spPr>
+                <a:xfrm>
+                  <a:off x="8031635" y="1319752"/>
+                  <a:ext cx="2460396" cy="443059"/>
+                </a:xfrm>
+                <a:prstGeom prst="roundRect">
+                  <a:avLst/>
+                </a:prstGeom>
+              </p:spPr>
+              <p:style>
+                <a:lnRef idx="2">
+                  <a:schemeClr val="accent1">
+                    <a:shade val="15000"/>
+                  </a:schemeClr>
+                </a:lnRef>
+                <a:fillRef idx="1">
+                  <a:schemeClr val="accent1"/>
+                </a:fillRef>
+                <a:effectRef idx="0">
+                  <a:schemeClr val="accent1"/>
+                </a:effectRef>
+                <a:fontRef idx="minor">
+                  <a:schemeClr val="lt1"/>
+                </a:fontRef>
+              </p:style>
+              <p:txBody>
+                <a:bodyPr rtlCol="0" anchor="ctr"/>
+                <a:lstStyle/>
+                <a:p>
+                  <a:pPr algn="ctr"/>
+                  <a:r>
+                    <a:rPr lang="en-US" dirty="0"/>
+                    <a:t>d: 4</a:t>
+                  </a:r>
+                </a:p>
+              </p:txBody>
+            </p:sp>
+            <p:sp>
+              <p:nvSpPr>
+                <p:cNvPr id="16" name="Rounded Rectangle 15">
+                  <a:extLst>
+                    <a:ext uri="{FF2B5EF4-FFF2-40B4-BE49-F238E27FC236}">
+                      <a16:creationId xmlns:a16="http://schemas.microsoft.com/office/drawing/2014/main" id="{B8882A41-C50F-83F8-3558-0B7AC8C16441}"/>
+                    </a:ext>
+                  </a:extLst>
+                </p:cNvPr>
+                <p:cNvSpPr/>
+                <p:nvPr/>
+              </p:nvSpPr>
+              <p:spPr>
+                <a:xfrm>
+                  <a:off x="8031635" y="1849916"/>
+                  <a:ext cx="2460396" cy="443059"/>
+                </a:xfrm>
+                <a:prstGeom prst="roundRect">
+                  <a:avLst/>
+                </a:prstGeom>
+              </p:spPr>
+              <p:style>
+                <a:lnRef idx="2">
+                  <a:schemeClr val="accent1">
+                    <a:shade val="15000"/>
+                  </a:schemeClr>
+                </a:lnRef>
+                <a:fillRef idx="1">
+                  <a:schemeClr val="accent1"/>
+                </a:fillRef>
+                <a:effectRef idx="0">
+                  <a:schemeClr val="accent1"/>
+                </a:effectRef>
+                <a:fontRef idx="minor">
+                  <a:schemeClr val="lt1"/>
+                </a:fontRef>
+              </p:style>
+              <p:txBody>
+                <a:bodyPr rtlCol="0" anchor="ctr"/>
+                <a:lstStyle/>
+                <a:p>
+                  <a:pPr algn="ctr"/>
+                  <a:r>
+                    <a:rPr lang="en-US" dirty="0"/>
+                    <a:t>sum1: 3</a:t>
+                  </a:r>
+                </a:p>
+              </p:txBody>
+            </p:sp>
+            <p:sp>
+              <p:nvSpPr>
+                <p:cNvPr id="17" name="Rounded Rectangle 16">
+                  <a:extLst>
+                    <a:ext uri="{FF2B5EF4-FFF2-40B4-BE49-F238E27FC236}">
+                      <a16:creationId xmlns:a16="http://schemas.microsoft.com/office/drawing/2014/main" id="{AACADB45-A1D1-5B4E-2C8A-758D7F74380B}"/>
+                    </a:ext>
+                  </a:extLst>
+                </p:cNvPr>
+                <p:cNvSpPr/>
+                <p:nvPr/>
+              </p:nvSpPr>
+              <p:spPr>
+                <a:xfrm>
+                  <a:off x="8031635" y="2375182"/>
+                  <a:ext cx="2460396" cy="443059"/>
+                </a:xfrm>
+                <a:prstGeom prst="roundRect">
+                  <a:avLst/>
+                </a:prstGeom>
+              </p:spPr>
+              <p:style>
+                <a:lnRef idx="2">
+                  <a:schemeClr val="accent1">
+                    <a:shade val="15000"/>
+                  </a:schemeClr>
+                </a:lnRef>
+                <a:fillRef idx="1">
+                  <a:schemeClr val="accent1"/>
+                </a:fillRef>
+                <a:effectRef idx="0">
+                  <a:schemeClr val="accent1"/>
+                </a:effectRef>
+                <a:fontRef idx="minor">
+                  <a:schemeClr val="lt1"/>
+                </a:fontRef>
+              </p:style>
+              <p:txBody>
+                <a:bodyPr rtlCol="0" anchor="ctr"/>
+                <a:lstStyle/>
+                <a:p>
+                  <a:pPr algn="ctr"/>
+                  <a:r>
+                    <a:rPr lang="en-US" dirty="0"/>
+                    <a:t>sum2: 7</a:t>
+                  </a:r>
+                </a:p>
+              </p:txBody>
+            </p:sp>
+            <p:sp>
+              <p:nvSpPr>
+                <p:cNvPr id="18" name="Rounded Rectangle 17">
+                  <a:extLst>
+                    <a:ext uri="{FF2B5EF4-FFF2-40B4-BE49-F238E27FC236}">
+                      <a16:creationId xmlns:a16="http://schemas.microsoft.com/office/drawing/2014/main" id="{6A9076C2-B149-4D56-2B6D-42B15EB4178F}"/>
+                    </a:ext>
+                  </a:extLst>
+                </p:cNvPr>
+                <p:cNvSpPr/>
+                <p:nvPr/>
+              </p:nvSpPr>
+              <p:spPr>
+                <a:xfrm>
+                  <a:off x="8031635" y="2904541"/>
+                  <a:ext cx="2460396" cy="443059"/>
+                </a:xfrm>
+                <a:prstGeom prst="roundRect">
+                  <a:avLst/>
+                </a:prstGeom>
+              </p:spPr>
+              <p:style>
+                <a:lnRef idx="2">
+                  <a:schemeClr val="accent1">
+                    <a:shade val="15000"/>
+                  </a:schemeClr>
+                </a:lnRef>
+                <a:fillRef idx="1">
+                  <a:schemeClr val="accent1"/>
+                </a:fillRef>
+                <a:effectRef idx="0">
+                  <a:schemeClr val="accent1"/>
+                </a:effectRef>
+                <a:fontRef idx="minor">
+                  <a:schemeClr val="lt1"/>
+                </a:fontRef>
+              </p:style>
+              <p:txBody>
+                <a:bodyPr rtlCol="0" anchor="ctr"/>
+                <a:lstStyle/>
+                <a:p>
+                  <a:pPr algn="ctr"/>
+                  <a:r>
+                    <a:rPr lang="en-US" dirty="0"/>
+                    <a:t>total: 10</a:t>
+                  </a:r>
+                </a:p>
+              </p:txBody>
+            </p:sp>
+          </p:grpSp>
+        </p:grpSp>
+      </p:grpSp>
+    </p:spTree>
+    <p:extLst>
+      <p:ext uri="{BB962C8B-B14F-4D97-AF65-F5344CB8AC3E}">
+        <p14:creationId xmlns:p14="http://schemas.microsoft.com/office/powerpoint/2010/main" val="3329769779"/>
+      </p:ext>
+    </p:extLst>
+  </p:cSld>
+  <p:clrMapOvr>
+    <a:masterClrMapping/>
+  </p:clrMapOvr>
+</p:sld>
+</file>
+
 <file path=ppt/slides/slide5.xml><?xml version="1.0" encoding="utf-8"?>
 <p:sld xmlns:a="http://schemas.openxmlformats.org/drawingml/2006/main" xmlns:r="http://schemas.openxmlformats.org/officeDocument/2006/relationships" xmlns:p="http://schemas.openxmlformats.org/presentationml/2006/main">
   <p:cSld>
@@ -14395,15 +20373,7 @@
             </a:pPr>
             <a:r>
               <a:rPr lang="en-US" dirty="0"/>
-              <a:t>For example, to make a </a:t>
-            </a:r>
-            <a:r>
-              <a:rPr lang="en-US" dirty="0" err="1"/>
-              <a:t>lego</a:t>
-            </a:r>
-            <a:r>
-              <a:rPr lang="en-US" dirty="0"/>
-              <a:t> model, we follow instructions.</a:t>
+              <a:t>For example, to make a Lego model, we follow instructions.</a:t>
             </a:r>
           </a:p>
           <a:p>
@@ -14470,7 +20440,7 @@
         </p:nvGrpSpPr>
         <p:grpSpPr>
           <a:xfrm>
-            <a:off x="1587011" y="3174023"/>
+            <a:off x="1587011" y="3604846"/>
             <a:ext cx="9017977" cy="2022841"/>
             <a:chOff x="838200" y="4001294"/>
             <a:chExt cx="10515600" cy="2358776"/>
@@ -14664,10 +20634,15 @@
             <p:ph idx="1"/>
           </p:nvPr>
         </p:nvSpPr>
-        <p:spPr/>
+        <p:spPr>
+          <a:xfrm>
+            <a:off x="838200" y="1825624"/>
+            <a:ext cx="10515600" cy="4742229"/>
+          </a:xfrm>
+        </p:spPr>
         <p:txBody>
           <a:bodyPr>
-            <a:normAutofit fontScale="92500" lnSpcReduction="20000"/>
+            <a:noAutofit/>
           </a:bodyPr>
           <a:lstStyle/>
           <a:p>
@@ -14685,15 +20660,7 @@
             </a:pPr>
             <a:r>
               <a:rPr lang="en-US" dirty="0"/>
-              <a:t>For example, to make a </a:t>
-            </a:r>
-            <a:r>
-              <a:rPr lang="en-US" dirty="0" err="1"/>
-              <a:t>lego</a:t>
-            </a:r>
-            <a:r>
-              <a:rPr lang="en-US" dirty="0"/>
-              <a:t> model, we follow instructions.</a:t>
+              <a:t>For example, to make a Lego model, we follow instructions.</a:t>
             </a:r>
           </a:p>
           <a:p>
@@ -14730,12 +20697,6 @@
             <a:pPr marL="0" indent="0">
               <a:buNone/>
             </a:pPr>
-            <a:endParaRPr lang="en-US" dirty="0"/>
-          </a:p>
-          <a:p>
-            <a:pPr marL="0" indent="0">
-              <a:buNone/>
-            </a:pPr>
             <a:r>
               <a:rPr lang="en-US" dirty="0"/>
               <a:t>Question: Discuss (2-3 mins) some examples of algorithms you have encountered in your daily lives.</a:t>
@@ -14745,10 +20706,10 @@
       </p:sp>
       <p:grpSp>
         <p:nvGrpSpPr>
-          <p:cNvPr id="9" name="Group 8">
-            <a:extLst>
-              <a:ext uri="{FF2B5EF4-FFF2-40B4-BE49-F238E27FC236}">
-                <a16:creationId xmlns:a16="http://schemas.microsoft.com/office/drawing/2014/main" id="{34FF7881-03B7-7742-EED1-DE67B87F92B2}"/>
+          <p:cNvPr id="4" name="Group 3">
+            <a:extLst>
+              <a:ext uri="{FF2B5EF4-FFF2-40B4-BE49-F238E27FC236}">
+                <a16:creationId xmlns:a16="http://schemas.microsoft.com/office/drawing/2014/main" id="{BD73E7A1-0A80-4927-8E6A-C0E6021DE2AC}"/>
               </a:ext>
             </a:extLst>
           </p:cNvPr>
@@ -14757,7 +20718,7 @@
         </p:nvGrpSpPr>
         <p:grpSpPr>
           <a:xfrm>
-            <a:off x="1587011" y="3174023"/>
+            <a:off x="1587011" y="3604846"/>
             <a:ext cx="9017977" cy="2022841"/>
             <a:chOff x="838200" y="4001294"/>
             <a:chExt cx="10515600" cy="2358776"/>
@@ -14765,10 +20726,10 @@
         </p:grpSpPr>
         <p:pic>
           <p:nvPicPr>
-            <p:cNvPr id="1026" name="Picture 2" descr="Police Station">
+            <p:cNvPr id="5" name="Picture 2" descr="Police Station">
               <a:extLst>
                 <a:ext uri="{FF2B5EF4-FFF2-40B4-BE49-F238E27FC236}">
-                  <a16:creationId xmlns:a16="http://schemas.microsoft.com/office/drawing/2014/main" id="{8DFDDC24-9FCC-0539-DDE8-A521238F8BD8}"/>
+                  <a16:creationId xmlns:a16="http://schemas.microsoft.com/office/drawing/2014/main" id="{C8AEC52C-4ED3-767E-ECF2-71977915496E}"/>
                 </a:ext>
               </a:extLst>
             </p:cNvPr>
@@ -14812,10 +20773,10 @@
         </p:pic>
         <p:pic>
           <p:nvPicPr>
-            <p:cNvPr id="6" name="Picture 5" descr="A instructions for building a house&#10;&#10;AI-generated content may be incorrect.">
+            <p:cNvPr id="7" name="Picture 6" descr="A instructions for building a house&#10;&#10;AI-generated content may be incorrect.">
               <a:extLst>
                 <a:ext uri="{FF2B5EF4-FFF2-40B4-BE49-F238E27FC236}">
-                  <a16:creationId xmlns:a16="http://schemas.microsoft.com/office/drawing/2014/main" id="{993FEF4B-B144-AE43-C03C-07D6DCE5F129}"/>
+                  <a16:creationId xmlns:a16="http://schemas.microsoft.com/office/drawing/2014/main" id="{0AF41498-AD21-95B9-5549-B723C81FAE73}"/>
                 </a:ext>
               </a:extLst>
             </p:cNvPr>
@@ -14842,10 +20803,10 @@
         </p:pic>
         <p:pic>
           <p:nvPicPr>
-            <p:cNvPr id="8" name="Picture 7" descr="A black and white lego block&#10;&#10;AI-generated content may be incorrect.">
+            <p:cNvPr id="10" name="Picture 9" descr="A black and white lego block&#10;&#10;AI-generated content may be incorrect.">
               <a:extLst>
                 <a:ext uri="{FF2B5EF4-FFF2-40B4-BE49-F238E27FC236}">
-                  <a16:creationId xmlns:a16="http://schemas.microsoft.com/office/drawing/2014/main" id="{180B4508-F0E7-F124-A9AE-6BC9C2D30945}"/>
+                  <a16:creationId xmlns:a16="http://schemas.microsoft.com/office/drawing/2014/main" id="{AB8CC5B0-E25A-2029-0131-16F1A3B9263A}"/>
                 </a:ext>
               </a:extLst>
             </p:cNvPr>
@@ -14948,13 +20909,13 @@
         <p:spPr/>
         <p:txBody>
           <a:bodyPr>
-            <a:normAutofit fontScale="92500" lnSpcReduction="10000"/>
+            <a:normAutofit/>
           </a:bodyPr>
           <a:lstStyle/>
           <a:p>
             <a:r>
               <a:rPr lang="en-US" dirty="0"/>
-              <a:t>In this course, we won’t be </a:t>
+              <a:t>In this course, we won’t just be </a:t>
             </a:r>
             <a:r>
               <a:rPr lang="en-US" i="1" dirty="0"/>
@@ -14962,7 +20923,7 @@
             </a:r>
             <a:r>
               <a:rPr lang="en-US" dirty="0"/>
-              <a:t> algorithms, but instead </a:t>
+              <a:t> algorithms, but also </a:t>
             </a:r>
             <a:r>
               <a:rPr lang="en-US" i="1" dirty="0"/>
@@ -14972,7 +20933,7 @@
           <a:p>
             <a:r>
               <a:rPr lang="en-US" dirty="0"/>
-              <a:t>Typically this means breaking a larger job down into a sequence of smaller steps. </a:t>
+              <a:t>Typically, this means breaking a larger job down into a sequence of smaller steps. </a:t>
             </a:r>
           </a:p>
           <a:p>
@@ -15015,26 +20976,6 @@
             <a:r>
               <a:rPr lang="en-US" dirty="0"/>
               <a:t> (repeating an instruction some number of times). </a:t>
-            </a:r>
-          </a:p>
-          <a:p>
-            <a:r>
-              <a:rPr lang="en-US" dirty="0"/>
-              <a:t>A good algorithm should have:</a:t>
-            </a:r>
-          </a:p>
-          <a:p>
-            <a:pPr lvl="1"/>
-            <a:r>
-              <a:rPr lang="en-US" dirty="0"/>
-              <a:t>Clear and unambiguous instructions.</a:t>
-            </a:r>
-          </a:p>
-          <a:p>
-            <a:pPr lvl="1"/>
-            <a:r>
-              <a:rPr lang="en-US" dirty="0"/>
-              <a:t>A finite number of steps (more on this later in the course).</a:t>
             </a:r>
           </a:p>
         </p:txBody>
@@ -15121,7 +21062,9 @@
         </p:nvSpPr>
         <p:spPr/>
         <p:txBody>
-          <a:bodyPr/>
+          <a:bodyPr>
+            <a:normAutofit/>
+          </a:bodyPr>
           <a:lstStyle/>
           <a:p>
             <a:pPr marL="0" indent="0">
@@ -15129,20 +21072,14 @@
             </a:pPr>
             <a:r>
               <a:rPr lang="en-US" dirty="0"/>
-              <a:t>Example:  An algorithm for ???</a:t>
-            </a:r>
-          </a:p>
-          <a:p>
-            <a:r>
-              <a:rPr lang="en-US" dirty="0"/>
-              <a:t>Show example of repeated breaking down into subtasks. When to stop? Depends on who is executing the algorithm!</a:t>
-            </a:r>
-          </a:p>
-          <a:p>
-            <a:r>
-              <a:rPr lang="en-US" dirty="0"/>
-              <a:t>Make sure example includes selection and iteration.</a:t>
-            </a:r>
+              <a:t>Example:  An algorithm for making a cup of tea.</a:t>
+            </a:r>
+          </a:p>
+          <a:p>
+            <a:pPr marL="0" indent="0">
+              <a:buNone/>
+            </a:pPr>
+            <a:endParaRPr lang="en-US" dirty="0"/>
           </a:p>
           <a:p>
             <a:pPr marL="0" indent="0">
@@ -15179,7 +21116,7 @@
         <p:cNvPr id="1" name="">
           <a:extLst>
             <a:ext uri="{FF2B5EF4-FFF2-40B4-BE49-F238E27FC236}">
-              <a16:creationId xmlns:a16="http://schemas.microsoft.com/office/drawing/2014/main" id="{126040B5-2277-8FBB-F12F-2BDAD5FCF1E4}"/>
+              <a16:creationId xmlns:a16="http://schemas.microsoft.com/office/drawing/2014/main" id="{273758EF-3098-5A77-E34A-FCB80F452A9B}"/>
             </a:ext>
           </a:extLst>
         </p:cNvPr>
@@ -15199,7 +21136,7 @@
           <p:cNvPr id="2" name="Title 1">
             <a:extLst>
               <a:ext uri="{FF2B5EF4-FFF2-40B4-BE49-F238E27FC236}">
-                <a16:creationId xmlns:a16="http://schemas.microsoft.com/office/drawing/2014/main" id="{036FBF9E-D073-4891-4C9B-912DD1B5A199}"/>
+                <a16:creationId xmlns:a16="http://schemas.microsoft.com/office/drawing/2014/main" id="{5DCFE4A5-6AE0-ACC4-92D9-B2572264B4C4}"/>
               </a:ext>
             </a:extLst>
           </p:cNvPr>
@@ -15227,7 +21164,7 @@
           <p:cNvPr id="3" name="Content Placeholder 2">
             <a:extLst>
               <a:ext uri="{FF2B5EF4-FFF2-40B4-BE49-F238E27FC236}">
-                <a16:creationId xmlns:a16="http://schemas.microsoft.com/office/drawing/2014/main" id="{99D25CB1-85B7-E700-98DB-767F0C803C08}"/>
+                <a16:creationId xmlns:a16="http://schemas.microsoft.com/office/drawing/2014/main" id="{6C4670F7-2C59-936E-E405-FEF658531622}"/>
               </a:ext>
             </a:extLst>
           </p:cNvPr>
@@ -15240,7 +21177,9 @@
         </p:nvSpPr>
         <p:spPr/>
         <p:txBody>
-          <a:bodyPr/>
+          <a:bodyPr>
+            <a:normAutofit lnSpcReduction="10000"/>
+          </a:bodyPr>
           <a:lstStyle/>
           <a:p>
             <a:pPr marL="0" indent="0">
@@ -15248,7 +21187,77 @@
             </a:pPr>
             <a:r>
               <a:rPr lang="en-US" dirty="0"/>
-              <a:t>Let’s write an algorithm for making a ham sandwich.</a:t>
+              <a:t>Example:  An algorithm for making a cup of tea.</a:t>
+            </a:r>
+          </a:p>
+          <a:p>
+            <a:pPr marL="0" indent="0">
+              <a:buNone/>
+            </a:pPr>
+            <a:endParaRPr lang="en-US" dirty="0"/>
+          </a:p>
+          <a:p>
+            <a:pPr marL="514350" indent="-514350">
+              <a:buAutoNum type="arabicPeriod"/>
+            </a:pPr>
+            <a:r>
+              <a:rPr lang="en-US" dirty="0"/>
+              <a:t>Fill kettle with water</a:t>
+            </a:r>
+          </a:p>
+          <a:p>
+            <a:pPr marL="514350" indent="-514350">
+              <a:buAutoNum type="arabicPeriod"/>
+            </a:pPr>
+            <a:r>
+              <a:rPr lang="en-US" dirty="0"/>
+              <a:t>Turn on kettle</a:t>
+            </a:r>
+          </a:p>
+          <a:p>
+            <a:pPr marL="514350" indent="-514350">
+              <a:buAutoNum type="arabicPeriod"/>
+            </a:pPr>
+            <a:r>
+              <a:rPr lang="en-US" dirty="0"/>
+              <a:t>Put teabag in cup</a:t>
+            </a:r>
+          </a:p>
+          <a:p>
+            <a:pPr marL="514350" indent="-514350">
+              <a:buFont typeface="Arial" panose="020B0604020202020204" pitchFamily="34" charset="0"/>
+              <a:buAutoNum type="arabicPeriod"/>
+            </a:pPr>
+            <a:r>
+              <a:rPr lang="en-US" dirty="0"/>
+              <a:t>Add milk</a:t>
+            </a:r>
+          </a:p>
+          <a:p>
+            <a:pPr marL="514350" indent="-514350">
+              <a:buAutoNum type="arabicPeriod"/>
+            </a:pPr>
+            <a:r>
+              <a:rPr lang="en-US" dirty="0"/>
+              <a:t>If kettle has boiled then pour water into cup. </a:t>
+            </a:r>
+          </a:p>
+          <a:p>
+            <a:pPr marL="514350" indent="-514350">
+              <a:buAutoNum type="arabicPeriod"/>
+            </a:pPr>
+            <a:r>
+              <a:rPr lang="en-US" dirty="0"/>
+              <a:t>Wait for tea to steep</a:t>
+            </a:r>
+          </a:p>
+          <a:p>
+            <a:pPr marL="514350" indent="-514350">
+              <a:buAutoNum type="arabicPeriod"/>
+            </a:pPr>
+            <a:r>
+              <a:rPr lang="en-US" dirty="0"/>
+              <a:t>Remove teabag</a:t>
             </a:r>
           </a:p>
           <a:p>
@@ -15268,7 +21277,7 @@
     </p:spTree>
     <p:extLst>
       <p:ext uri="{BB962C8B-B14F-4D97-AF65-F5344CB8AC3E}">
-        <p14:creationId xmlns:p14="http://schemas.microsoft.com/office/powerpoint/2010/main" val="3117596316"/>
+        <p14:creationId xmlns:p14="http://schemas.microsoft.com/office/powerpoint/2010/main" val="843374860"/>
       </p:ext>
     </p:extLst>
   </p:cSld>
